--- a/translations/pt-br/intermediate/MoveDistance.pptx
+++ b/translations/pt-br/intermediate/MoveDistance.pptx
@@ -5,24 +5,25 @@
     <p:sldMasterId id="2147483714" r:id="rId1"/>
   </p:sldMasterIdLst>
   <p:notesMasterIdLst>
-    <p:notesMasterId r:id="rId14"/>
+    <p:notesMasterId r:id="rId15"/>
   </p:notesMasterIdLst>
   <p:handoutMasterIdLst>
-    <p:handoutMasterId r:id="rId15"/>
+    <p:handoutMasterId r:id="rId16"/>
   </p:handoutMasterIdLst>
   <p:sldIdLst>
     <p:sldId id="369" r:id="rId2"/>
     <p:sldId id="372" r:id="rId3"/>
     <p:sldId id="371" r:id="rId4"/>
     <p:sldId id="345" r:id="rId5"/>
-    <p:sldId id="360" r:id="rId6"/>
-    <p:sldId id="359" r:id="rId7"/>
-    <p:sldId id="354" r:id="rId8"/>
-    <p:sldId id="356" r:id="rId9"/>
-    <p:sldId id="357" r:id="rId10"/>
-    <p:sldId id="355" r:id="rId11"/>
-    <p:sldId id="358" r:id="rId12"/>
-    <p:sldId id="370" r:id="rId13"/>
+    <p:sldId id="375" r:id="rId6"/>
+    <p:sldId id="376" r:id="rId7"/>
+    <p:sldId id="374" r:id="rId8"/>
+    <p:sldId id="357" r:id="rId9"/>
+    <p:sldId id="373" r:id="rId10"/>
+    <p:sldId id="378" r:id="rId11"/>
+    <p:sldId id="355" r:id="rId12"/>
+    <p:sldId id="377" r:id="rId13"/>
+    <p:sldId id="370" r:id="rId14"/>
   </p:sldIdLst>
   <p:sldSz cx="9144000" cy="6858000" type="screen4x3"/>
   <p:notesSz cx="6858000" cy="9144000"/>
@@ -222,7 +223,7 @@
           <a:p>
             <a:fld id="{E00FA3B4-5499-9244-86B5-B0871A9DDD84}" type="datetimeFigureOut">
               <a:rPr lang="en-US" smtClean="0"/>
-              <a:t>7/17/2015</a:t>
+              <a:t>11/12/2015</a:t>
             </a:fld>
             <a:endParaRPr lang="en-US"/>
           </a:p>
@@ -388,7 +389,7 @@
           <a:p>
             <a:fld id="{FD3EFF1E-85A1-6640-AFB9-C38833E80A84}" type="datetimeFigureOut">
               <a:rPr lang="en-US" smtClean="0"/>
-              <a:t>7/17/2015</a:t>
+              <a:t>11/12/2015</a:t>
             </a:fld>
             <a:endParaRPr lang="en-US"/>
           </a:p>
@@ -890,7 +891,91 @@
           <a:p>
             <a:fld id="{13967457-1E83-1040-AFF7-8D09C473DBD5}" type="slidenum">
               <a:rPr lang="en-US" smtClean="0"/>
-              <a:t>12</a:t>
+              <a:t>9</a:t>
+            </a:fld>
+            <a:endParaRPr lang="en-US"/>
+          </a:p>
+        </p:txBody>
+      </p:sp>
+    </p:spTree>
+    <p:extLst>
+      <p:ext uri="{BB962C8B-B14F-4D97-AF65-F5344CB8AC3E}">
+        <p14:creationId xmlns:p14="http://schemas.microsoft.com/office/powerpoint/2010/main" val="145944463"/>
+      </p:ext>
+    </p:extLst>
+  </p:cSld>
+  <p:clrMapOvr>
+    <a:masterClrMapping/>
+  </p:clrMapOvr>
+</p:notes>
+</file>
+
+<file path=ppt/notesSlides/notesSlide4.xml><?xml version="1.0" encoding="utf-8"?>
+<p:notes xmlns:a="http://schemas.openxmlformats.org/drawingml/2006/main" xmlns:r="http://schemas.openxmlformats.org/officeDocument/2006/relationships" xmlns:p="http://schemas.openxmlformats.org/presentationml/2006/main">
+  <p:cSld>
+    <p:spTree>
+      <p:nvGrpSpPr>
+        <p:cNvPr id="1" name=""/>
+        <p:cNvGrpSpPr/>
+        <p:nvPr/>
+      </p:nvGrpSpPr>
+      <p:grpSpPr>
+        <a:xfrm>
+          <a:off x="0" y="0"/>
+          <a:ext cx="0" cy="0"/>
+          <a:chOff x="0" y="0"/>
+          <a:chExt cx="0" cy="0"/>
+        </a:xfrm>
+      </p:grpSpPr>
+      <p:sp>
+        <p:nvSpPr>
+          <p:cNvPr id="2" name="Slide Image Placeholder 1"/>
+          <p:cNvSpPr>
+            <a:spLocks noGrp="1" noRot="1" noChangeAspect="1"/>
+          </p:cNvSpPr>
+          <p:nvPr>
+            <p:ph type="sldImg"/>
+          </p:nvPr>
+        </p:nvSpPr>
+        <p:spPr/>
+      </p:sp>
+      <p:sp>
+        <p:nvSpPr>
+          <p:cNvPr id="3" name="Notes Placeholder 2"/>
+          <p:cNvSpPr>
+            <a:spLocks noGrp="1"/>
+          </p:cNvSpPr>
+          <p:nvPr>
+            <p:ph type="body" idx="1"/>
+          </p:nvPr>
+        </p:nvSpPr>
+        <p:spPr/>
+        <p:txBody>
+          <a:bodyPr/>
+          <a:lstStyle/>
+          <a:p>
+            <a:endParaRPr lang="en-US"/>
+          </a:p>
+        </p:txBody>
+      </p:sp>
+      <p:sp>
+        <p:nvSpPr>
+          <p:cNvPr id="4" name="Slide Number Placeholder 3"/>
+          <p:cNvSpPr>
+            <a:spLocks noGrp="1"/>
+          </p:cNvSpPr>
+          <p:nvPr>
+            <p:ph type="sldNum" sz="quarter" idx="10"/>
+          </p:nvPr>
+        </p:nvSpPr>
+        <p:spPr/>
+        <p:txBody>
+          <a:bodyPr/>
+          <a:lstStyle/>
+          <a:p>
+            <a:fld id="{13967457-1E83-1040-AFF7-8D09C473DBD5}" type="slidenum">
+              <a:rPr lang="en-US" smtClean="0"/>
+              <a:t>13</a:t>
             </a:fld>
             <a:endParaRPr lang="en-US"/>
           </a:p>
@@ -1100,9 +1185,9 @@
           <a:bodyPr/>
           <a:lstStyle/>
           <a:p>
-            <a:fld id="{C0F2780C-96A9-465C-A591-F0B520946699}" type="datetime1">
+            <a:fld id="{D7D3498C-3363-483B-8C36-DC8443671A07}" type="datetime1">
               <a:rPr lang="en-US" smtClean="0"/>
-              <a:t>7/17/2015</a:t>
+              <a:t>11/12/2015</a:t>
             </a:fld>
             <a:endParaRPr lang="en-US"/>
           </a:p>
@@ -1125,7 +1210,7 @@
           <a:p>
             <a:r>
               <a:rPr lang="en-US" smtClean="0"/>
-              <a:t>© 2015, EV3Lessons.com, (last edit 2/28/2015)</a:t>
+              <a:t>© 2015, EV3Lessons.com, (last edit 11/02/2015)</a:t>
             </a:r>
             <a:endParaRPr lang="en-US"/>
           </a:p>
@@ -1401,9 +1486,9 @@
           <a:bodyPr/>
           <a:lstStyle/>
           <a:p>
-            <a:fld id="{4463F5E9-4EB0-485F-B572-F2C5FD20D6FE}" type="datetime1">
+            <a:fld id="{27175A08-F342-4CB7-9892-F320B2E7B9B8}" type="datetime1">
               <a:rPr lang="en-US" smtClean="0"/>
-              <a:t>7/17/2015</a:t>
+              <a:t>11/12/2015</a:t>
             </a:fld>
             <a:endParaRPr lang="en-US"/>
           </a:p>
@@ -1426,7 +1511,7 @@
           <a:p>
             <a:r>
               <a:rPr lang="en-US" smtClean="0"/>
-              <a:t>© 2015, EV3Lessons.com, (last edit 2/28/2015)</a:t>
+              <a:t>© 2015, EV3Lessons.com, (last edit 11/02/2015)</a:t>
             </a:r>
             <a:endParaRPr lang="en-US"/>
           </a:p>
@@ -1588,9 +1673,9 @@
           <a:bodyPr/>
           <a:lstStyle/>
           <a:p>
-            <a:fld id="{70B9BA43-AF97-4035-A9D5-47AB58A0C9DC}" type="datetime1">
+            <a:fld id="{8B8093AD-BAFE-46C1-88FD-61FFB703EEBA}" type="datetime1">
               <a:rPr lang="en-US" smtClean="0"/>
-              <a:t>7/17/2015</a:t>
+              <a:t>11/12/2015</a:t>
             </a:fld>
             <a:endParaRPr lang="en-US"/>
           </a:p>
@@ -1613,7 +1698,7 @@
           <a:p>
             <a:r>
               <a:rPr lang="en-US" smtClean="0"/>
-              <a:t>© 2015, EV3Lessons.com, (last edit 2/28/2015)</a:t>
+              <a:t>© 2015, EV3Lessons.com, (last edit 11/02/2015)</a:t>
             </a:r>
             <a:endParaRPr lang="en-US"/>
           </a:p>
@@ -1849,9 +1934,9 @@
           <a:bodyPr/>
           <a:lstStyle/>
           <a:p>
-            <a:fld id="{6156E46C-158C-40B0-9C90-65A6F7ED5652}" type="datetime1">
+            <a:fld id="{AD8ACA23-793B-4712-A6DC-ECB0EA7C8158}" type="datetime1">
               <a:rPr lang="en-US" smtClean="0"/>
-              <a:t>7/17/2015</a:t>
+              <a:t>11/12/2015</a:t>
             </a:fld>
             <a:endParaRPr lang="en-US"/>
           </a:p>
@@ -1874,7 +1959,7 @@
           <a:p>
             <a:r>
               <a:rPr lang="en-US" smtClean="0"/>
-              <a:t>© 2015, EV3Lessons.com, (last edit 2/28/2015)</a:t>
+              <a:t>© 2015, EV3Lessons.com, (last edit 11/02/2015)</a:t>
             </a:r>
             <a:endParaRPr lang="en-US"/>
           </a:p>
@@ -2242,9 +2327,9 @@
           <a:bodyPr/>
           <a:lstStyle/>
           <a:p>
-            <a:fld id="{BAC32403-C3BD-4DA9-AC16-29663B517E15}" type="datetime1">
+            <a:fld id="{9D309D3E-54EA-4208-86A4-CDBBAEC14320}" type="datetime1">
               <a:rPr lang="en-US" smtClean="0"/>
-              <a:t>7/17/2015</a:t>
+              <a:t>11/12/2015</a:t>
             </a:fld>
             <a:endParaRPr lang="en-US"/>
           </a:p>
@@ -2267,7 +2352,7 @@
           <a:p>
             <a:r>
               <a:rPr lang="en-US" smtClean="0"/>
-              <a:t>© 2015, EV3Lessons.com, (last edit 2/28/2015)</a:t>
+              <a:t>© 2015, EV3Lessons.com, (last edit 11/02/2015)</a:t>
             </a:r>
             <a:endParaRPr lang="en-US"/>
           </a:p>
@@ -2786,9 +2871,9 @@
           <a:bodyPr/>
           <a:lstStyle/>
           <a:p>
-            <a:fld id="{E07408C8-C1CA-4EBB-AC29-F303DAE23A13}" type="datetime1">
+            <a:fld id="{787A5A25-A3A0-4BED-A646-2506038D95E1}" type="datetime1">
               <a:rPr lang="en-US" smtClean="0"/>
-              <a:t>7/17/2015</a:t>
+              <a:t>11/12/2015</a:t>
             </a:fld>
             <a:endParaRPr lang="en-US"/>
           </a:p>
@@ -2811,7 +2896,7 @@
           <a:p>
             <a:r>
               <a:rPr lang="en-US" smtClean="0"/>
-              <a:t>© 2015, EV3Lessons.com, (last edit 2/28/2015)</a:t>
+              <a:t>© 2015, EV3Lessons.com, (last edit 11/02/2015)</a:t>
             </a:r>
             <a:endParaRPr lang="en-US"/>
           </a:p>
@@ -2911,9 +2996,9 @@
           <a:bodyPr/>
           <a:lstStyle/>
           <a:p>
-            <a:fld id="{06F5A420-9A67-4EB6-95B9-0A8D36B2CE07}" type="datetime1">
+            <a:fld id="{BB87AC23-AB54-452F-AF35-6B30BFF99D81}" type="datetime1">
               <a:rPr lang="en-US" smtClean="0"/>
-              <a:t>7/17/2015</a:t>
+              <a:t>11/12/2015</a:t>
             </a:fld>
             <a:endParaRPr lang="en-US"/>
           </a:p>
@@ -2936,7 +3021,7 @@
           <a:p>
             <a:r>
               <a:rPr lang="en-US" smtClean="0"/>
-              <a:t>© 2015, EV3Lessons.com, (last edit 2/28/2015)</a:t>
+              <a:t>© 2015, EV3Lessons.com, (last edit 11/02/2015)</a:t>
             </a:r>
             <a:endParaRPr lang="en-US"/>
           </a:p>
@@ -3013,9 +3098,9 @@
           <a:bodyPr/>
           <a:lstStyle/>
           <a:p>
-            <a:fld id="{D0A69B54-7405-4523-BBF5-3BB3511C08C4}" type="datetime1">
+            <a:fld id="{59CF96D4-8804-4674-9B4B-6EAE1777B4F9}" type="datetime1">
               <a:rPr lang="en-US" smtClean="0"/>
-              <a:t>7/17/2015</a:t>
+              <a:t>11/12/2015</a:t>
             </a:fld>
             <a:endParaRPr lang="en-US"/>
           </a:p>
@@ -3038,7 +3123,7 @@
           <a:p>
             <a:r>
               <a:rPr lang="en-US" smtClean="0"/>
-              <a:t>© 2015, EV3Lessons.com, (last edit 2/28/2015)</a:t>
+              <a:t>© 2015, EV3Lessons.com, (last edit 11/02/2015)</a:t>
             </a:r>
             <a:endParaRPr lang="en-US"/>
           </a:p>
@@ -3267,9 +3352,9 @@
           <a:bodyPr/>
           <a:lstStyle/>
           <a:p>
-            <a:fld id="{1BC38279-09B2-4C9E-8C92-E2F9DDF4ED96}" type="datetime1">
+            <a:fld id="{648FF9E5-2BBB-4E01-AB9C-39A1813127A6}" type="datetime1">
               <a:rPr lang="en-US" smtClean="0"/>
-              <a:t>7/17/2015</a:t>
+              <a:t>11/12/2015</a:t>
             </a:fld>
             <a:endParaRPr lang="en-US"/>
           </a:p>
@@ -3292,7 +3377,7 @@
           <a:p>
             <a:r>
               <a:rPr lang="en-US" smtClean="0"/>
-              <a:t>© 2015, EV3Lessons.com, (last edit 2/28/2015)</a:t>
+              <a:t>© 2015, EV3Lessons.com, (last edit 11/02/2015)</a:t>
             </a:r>
             <a:endParaRPr lang="en-US"/>
           </a:p>
@@ -3467,9 +3552,9 @@
           <a:bodyPr/>
           <a:lstStyle/>
           <a:p>
-            <a:fld id="{7AF684A9-ED71-4CB0-87B1-F408E7FF5EAB}" type="datetime1">
+            <a:fld id="{6F84C1F9-5206-4DCE-8294-70B29343271A}" type="datetime1">
               <a:rPr lang="en-US" smtClean="0"/>
-              <a:t>7/17/2015</a:t>
+              <a:t>11/12/2015</a:t>
             </a:fld>
             <a:endParaRPr lang="en-US"/>
           </a:p>
@@ -3492,7 +3577,7 @@
           <a:p>
             <a:r>
               <a:rPr lang="en-US" smtClean="0"/>
-              <a:t>© 2015, EV3Lessons.com, (last edit 2/28/2015)</a:t>
+              <a:t>© 2015, EV3Lessons.com, (last edit 11/02/2015)</a:t>
             </a:r>
             <a:endParaRPr lang="en-US"/>
           </a:p>
@@ -3685,9 +3770,9 @@
             </a:lvl1pPr>
           </a:lstStyle>
           <a:p>
-            <a:fld id="{58FE878C-AC2B-47D8-9FD6-C52706DBE883}" type="datetime1">
+            <a:fld id="{237C9B8C-7996-4659-93BB-8E2ECCD8A3AA}" type="datetime1">
               <a:rPr lang="en-US" smtClean="0"/>
-              <a:t>7/17/2015</a:t>
+              <a:t>11/12/2015</a:t>
             </a:fld>
             <a:endParaRPr lang="en-US"/>
           </a:p>
@@ -3726,7 +3811,7 @@
           <a:p>
             <a:r>
               <a:rPr lang="en-US" smtClean="0"/>
-              <a:t>© 2015, EV3Lessons.com, (last edit 2/28/2015)</a:t>
+              <a:t>© 2015, EV3Lessons.com, (last edit 11/02/2015)</a:t>
             </a:r>
             <a:endParaRPr lang="en-US"/>
           </a:p>
@@ -4212,24 +4297,24 @@
           <a:p>
             <a:pPr algn="ctr"/>
             <a:r>
-              <a:rPr lang="en-US" sz="3200" dirty="0" err="1" smtClean="0"/>
+              <a:rPr lang="en-US" sz="3200" dirty="0" err="1"/>
               <a:t>Lição</a:t>
             </a:r>
             <a:r>
-              <a:rPr lang="en-US" sz="3200" dirty="0" smtClean="0"/>
+              <a:rPr lang="en-US" sz="3200" dirty="0"/>
               <a:t> de </a:t>
             </a:r>
             <a:r>
-              <a:rPr lang="en-US" sz="3200" dirty="0" err="1" smtClean="0"/>
+              <a:rPr lang="en-US" sz="3200" dirty="0" err="1"/>
               <a:t>programação</a:t>
             </a:r>
             <a:r>
-              <a:rPr lang="en-US" sz="3200" dirty="0" smtClean="0"/>
-              <a:t> </a:t>
-            </a:r>
-            <a:r>
-              <a:rPr lang="en-US" sz="3200" dirty="0" err="1" smtClean="0"/>
-              <a:t>intermediário</a:t>
+              <a:rPr lang="en-US" sz="3200" dirty="0"/>
+              <a:t> </a:t>
+            </a:r>
+            <a:r>
+              <a:rPr lang="en-US" sz="3200" dirty="0" err="1"/>
+              <a:t>intermediária</a:t>
             </a:r>
             <a:endParaRPr lang="en-US" sz="3200" dirty="0"/>
           </a:p>
@@ -4243,7 +4328,7 @@
         </p:nvSpPr>
         <p:spPr>
           <a:xfrm>
-            <a:off x="1487501" y="5949643"/>
+            <a:off x="1689186" y="5989820"/>
             <a:ext cx="4750545" cy="523220"/>
           </a:xfrm>
           <a:prstGeom prst="rect">
@@ -4258,46 +4343,21 @@
           <a:lstStyle/>
           <a:p>
             <a:r>
-              <a:rPr lang="en-US" sz="2800" dirty="0" err="1" smtClean="0"/>
+              <a:rPr lang="en-US" sz="2800" dirty="0" err="1"/>
               <a:t>Por</a:t>
             </a:r>
             <a:r>
+              <a:rPr lang="en-US" sz="2800" dirty="0"/>
+              <a:t> Droids Robotics</a:t>
+            </a:r>
+            <a:r>
               <a:rPr lang="en-US" sz="2800" dirty="0" smtClean="0"/>
-              <a:t>: Droids Robotics</a:t>
-            </a:r>
-          </a:p>
-        </p:txBody>
-      </p:sp>
-      <p:pic>
-        <p:nvPicPr>
-          <p:cNvPr id="3" name="Picture 2" descr="Droidslogo2.png"/>
-          <p:cNvPicPr>
-            <a:picLocks noChangeAspect="1"/>
-          </p:cNvPicPr>
-          <p:nvPr/>
-        </p:nvPicPr>
-        <p:blipFill>
-          <a:blip r:embed="rId3">
-            <a:extLst>
-              <a:ext uri="{28A0092B-C50C-407E-A947-70E740481C1C}">
-                <a14:useLocalDpi xmlns:a14="http://schemas.microsoft.com/office/drawing/2010/main" val="0"/>
-              </a:ext>
-            </a:extLst>
-          </a:blip>
-          <a:stretch>
-            <a:fillRect/>
-          </a:stretch>
-        </p:blipFill>
-        <p:spPr>
-          <a:xfrm>
-            <a:off x="402306" y="5456830"/>
-            <a:ext cx="1085195" cy="1085195"/>
-          </a:xfrm>
-          <a:prstGeom prst="rect">
-            <a:avLst/>
-          </a:prstGeom>
-        </p:spPr>
-      </p:pic>
+              <a:t>.</a:t>
+            </a:r>
+            <a:endParaRPr lang="en-US" sz="2800" dirty="0"/>
+          </a:p>
+        </p:txBody>
+      </p:sp>
       <p:sp>
         <p:nvSpPr>
           <p:cNvPr id="4" name="TextBox 3"/>
@@ -4321,12 +4381,12 @@
           <a:lstStyle/>
           <a:p>
             <a:r>
-              <a:rPr lang="en-US" sz="2800" i="1" dirty="0" smtClean="0">
+              <a:rPr lang="en-US" sz="2800" dirty="0" err="1" smtClean="0">
                 <a:solidFill>
                   <a:srgbClr val="FF0000"/>
                 </a:solidFill>
               </a:rPr>
-              <a:t>My Block </a:t>
+              <a:t>Mover_Distância</a:t>
             </a:r>
             <a:r>
               <a:rPr lang="en-US" sz="2800" dirty="0" smtClean="0">
@@ -4334,7 +4394,7 @@
                   <a:srgbClr val="FF0000"/>
                 </a:solidFill>
               </a:rPr>
-              <a:t>Move </a:t>
+              <a:t> My Block (</a:t>
             </a:r>
             <a:r>
               <a:rPr lang="en-US" sz="2800" dirty="0" err="1" smtClean="0">
@@ -4342,7 +4402,7 @@
                   <a:srgbClr val="FF0000"/>
                 </a:solidFill>
               </a:rPr>
-              <a:t>Distância</a:t>
+              <a:t>Mover_CM</a:t>
             </a:r>
             <a:r>
               <a:rPr lang="en-US" sz="2800" dirty="0" smtClean="0">
@@ -4350,39 +4410,7 @@
                   <a:srgbClr val="FF0000"/>
                 </a:solidFill>
               </a:rPr>
-              <a:t> </a:t>
-            </a:r>
-            <a:r>
-              <a:rPr lang="en-US" sz="2800" smtClean="0">
-                <a:solidFill>
-                  <a:srgbClr val="FF0000"/>
-                </a:solidFill>
-              </a:rPr>
-              <a:t>(</a:t>
-            </a:r>
-            <a:r>
-              <a:rPr lang="en-US" sz="2800" smtClean="0">
-                <a:solidFill>
-                  <a:srgbClr val="FF0000"/>
-                </a:solidFill>
-              </a:rPr>
-              <a:t>Move</a:t>
-            </a:r>
-            <a:r>
-              <a:rPr lang="en-US" sz="2800" smtClean="0">
-                <a:solidFill>
-                  <a:srgbClr val="FF0000"/>
-                </a:solidFill>
-              </a:rPr>
-              <a:t>Polegadas</a:t>
-            </a:r>
-            <a:r>
-              <a:rPr lang="en-US" sz="2800" smtClean="0">
-                <a:solidFill>
-                  <a:srgbClr val="FF0000"/>
-                </a:solidFill>
-              </a:rPr>
-              <a:t>)</a:t>
+              <a:t>).</a:t>
             </a:r>
             <a:endParaRPr lang="en-US" sz="2800" dirty="0">
               <a:solidFill>
@@ -4404,7 +4432,7 @@
           <p:nvPr/>
         </p:nvPicPr>
         <p:blipFill>
-          <a:blip r:embed="rId4">
+          <a:blip r:embed="rId3">
             <a:extLst>
               <a:ext uri="{28A0092B-C50C-407E-A947-70E740481C1C}">
                 <a14:useLocalDpi xmlns:a14="http://schemas.microsoft.com/office/drawing/2010/main" val="0"/>
@@ -4434,6 +4462,36 @@
               </a14:hiddenFill>
             </a:ext>
           </a:extLst>
+        </p:spPr>
+      </p:pic>
+      <p:pic>
+        <p:nvPicPr>
+          <p:cNvPr id="8" name="Picture 7"/>
+          <p:cNvPicPr>
+            <a:picLocks noChangeAspect="1"/>
+          </p:cNvPicPr>
+          <p:nvPr/>
+        </p:nvPicPr>
+        <p:blipFill>
+          <a:blip r:embed="rId4">
+            <a:extLst>
+              <a:ext uri="{28A0092B-C50C-407E-A947-70E740481C1C}">
+                <a14:useLocalDpi xmlns:a14="http://schemas.microsoft.com/office/drawing/2010/main" val="0"/>
+              </a:ext>
+            </a:extLst>
+          </a:blip>
+          <a:stretch>
+            <a:fillRect/>
+          </a:stretch>
+        </p:blipFill>
+        <p:spPr>
+          <a:xfrm>
+            <a:off x="402305" y="5241747"/>
+            <a:ext cx="1286881" cy="1231116"/>
+          </a:xfrm>
+          <a:prstGeom prst="rect">
+            <a:avLst/>
+          </a:prstGeom>
         </p:spPr>
       </p:pic>
     </p:spTree>
@@ -4473,6 +4531,36 @@
           <a:chExt cx="0" cy="0"/>
         </a:xfrm>
       </p:grpSpPr>
+      <p:pic>
+        <p:nvPicPr>
+          <p:cNvPr id="5" name="Picture 4" descr="Screen Clipping"/>
+          <p:cNvPicPr>
+            <a:picLocks noChangeAspect="1"/>
+          </p:cNvPicPr>
+          <p:nvPr/>
+        </p:nvPicPr>
+        <p:blipFill>
+          <a:blip r:embed="rId2">
+            <a:extLst>
+              <a:ext uri="{28A0092B-C50C-407E-A947-70E740481C1C}">
+                <a14:useLocalDpi xmlns:a14="http://schemas.microsoft.com/office/drawing/2010/main" val="0"/>
+              </a:ext>
+            </a:extLst>
+          </a:blip>
+          <a:stretch>
+            <a:fillRect/>
+          </a:stretch>
+        </p:blipFill>
+        <p:spPr>
+          <a:xfrm>
+            <a:off x="405444" y="1708027"/>
+            <a:ext cx="8351421" cy="1853050"/>
+          </a:xfrm>
+          <a:prstGeom prst="rect">
+            <a:avLst/>
+          </a:prstGeom>
+        </p:spPr>
+      </p:pic>
       <p:sp>
         <p:nvSpPr>
           <p:cNvPr id="2" name="Title 1"/>
@@ -4483,49 +4571,36 @@
             <p:ph type="title"/>
           </p:nvPr>
         </p:nvSpPr>
-        <p:spPr>
-          <a:xfrm>
-            <a:off x="457199" y="152718"/>
-            <a:ext cx="8438148" cy="1371600"/>
-          </a:xfrm>
-        </p:spPr>
-        <p:txBody>
-          <a:bodyPr>
-            <a:normAutofit/>
-          </a:bodyPr>
+        <p:spPr/>
+        <p:txBody>
+          <a:bodyPr/>
           <a:lstStyle/>
           <a:p>
             <a:r>
-              <a:rPr lang="en-US" sz="2800" dirty="0" err="1" smtClean="0"/>
-              <a:t>Fase</a:t>
-            </a:r>
-            <a:r>
-              <a:rPr lang="en-US" sz="2800" dirty="0" smtClean="0"/>
-              <a:t> 5: MY BLOCK </a:t>
-            </a:r>
-            <a:r>
-              <a:rPr lang="en-US" sz="2800" dirty="0">
-                <a:latin typeface="Courier"/>
+              <a:rPr lang="en-US" dirty="0" err="1" smtClean="0">
                 <a:cs typeface="Courier"/>
               </a:rPr>
-              <a:t>Move </a:t>
-            </a:r>
-            <a:r>
-              <a:rPr lang="en-US" sz="2800" dirty="0" err="1" smtClean="0">
-                <a:latin typeface="Courier"/>
+              <a:t>passo</a:t>
+            </a:r>
+            <a:r>
+              <a:rPr lang="en-US" dirty="0" smtClean="0">
                 <a:cs typeface="Courier"/>
               </a:rPr>
-              <a:t>InChes</a:t>
-            </a:r>
-            <a:r>
-              <a:rPr lang="en-US" sz="2800" dirty="0" smtClean="0"/>
-              <a:t> </a:t>
-            </a:r>
-            <a:r>
-              <a:rPr lang="en-US" sz="2800" dirty="0" err="1" smtClean="0"/>
-              <a:t>completo</a:t>
-            </a:r>
-            <a:endParaRPr lang="en-US" sz="2800" dirty="0"/>
+              <a:t> 3A: </a:t>
+            </a:r>
+            <a:r>
+              <a:rPr lang="en-US" dirty="0" err="1" smtClean="0">
+                <a:cs typeface="Courier"/>
+              </a:rPr>
+              <a:t>conecte</a:t>
+            </a:r>
+            <a:r>
+              <a:rPr lang="en-US" dirty="0" smtClean="0">
+                <a:cs typeface="Courier"/>
+              </a:rPr>
+              <a:t> o My BLOCK.</a:t>
+            </a:r>
+            <a:endParaRPr lang="en-US" dirty="0"/>
           </a:p>
         </p:txBody>
       </p:sp>
@@ -4545,9 +4620,10 @@
           <a:lstStyle/>
           <a:p>
             <a:r>
-              <a:rPr lang="en-US"/>
-              <a:t>© 2015, EV3Lessons.com, (última edição 28/2/2015)</a:t>
-            </a:r>
+              <a:rPr lang="en-US" smtClean="0"/>
+              <a:t>© 2015, EV3Lessons.com, (last edit 11/02/2015)</a:t>
+            </a:r>
+            <a:endParaRPr lang="en-US"/>
           </a:p>
         </p:txBody>
       </p:sp>
@@ -4574,34 +4650,352 @@
           </a:p>
         </p:txBody>
       </p:sp>
-      <p:pic>
-        <p:nvPicPr>
-          <p:cNvPr id="7" name="Picture 6"/>
-          <p:cNvPicPr>
-            <a:picLocks noChangeAspect="1"/>
-          </p:cNvPicPr>
+      <p:sp>
+        <p:nvSpPr>
+          <p:cNvPr id="7" name="TextBox 6"/>
+          <p:cNvSpPr txBox="1"/>
           <p:nvPr/>
-        </p:nvPicPr>
-        <p:blipFill>
-          <a:blip r:embed="rId2"/>
-          <a:stretch>
-            <a:fillRect/>
-          </a:stretch>
-        </p:blipFill>
+        </p:nvSpPr>
         <p:spPr>
           <a:xfrm>
-            <a:off x="846604" y="1936376"/>
-            <a:ext cx="7024408" cy="3617721"/>
+            <a:off x="631837" y="3744786"/>
+            <a:ext cx="7660640" cy="1200329"/>
           </a:xfrm>
           <a:prstGeom prst="rect">
             <a:avLst/>
           </a:prstGeom>
+          <a:noFill/>
         </p:spPr>
-      </p:pic>
+        <p:txBody>
+          <a:bodyPr wrap="square" rtlCol="0">
+            <a:spAutoFit/>
+          </a:bodyPr>
+          <a:lstStyle/>
+          <a:p>
+            <a:r>
+              <a:rPr lang="en-US" dirty="0" smtClean="0">
+                <a:solidFill>
+                  <a:srgbClr val="7030A0"/>
+                </a:solidFill>
+              </a:rPr>
+              <a:t>C. </a:t>
+            </a:r>
+            <a:r>
+              <a:rPr lang="en-US" dirty="0" err="1" smtClean="0">
+                <a:solidFill>
+                  <a:srgbClr val="7030A0"/>
+                </a:solidFill>
+              </a:rPr>
+              <a:t>Conecte</a:t>
+            </a:r>
+            <a:r>
+              <a:rPr lang="en-US" dirty="0" smtClean="0">
+                <a:solidFill>
+                  <a:srgbClr val="7030A0"/>
+                </a:solidFill>
+              </a:rPr>
+              <a:t> as entradas do </a:t>
+            </a:r>
+            <a:r>
+              <a:rPr lang="en-US" dirty="0" err="1" smtClean="0">
+                <a:solidFill>
+                  <a:srgbClr val="7030A0"/>
+                </a:solidFill>
+              </a:rPr>
+              <a:t>bloco</a:t>
+            </a:r>
+            <a:r>
+              <a:rPr lang="en-US" dirty="0" smtClean="0">
+                <a:solidFill>
+                  <a:srgbClr val="7030A0"/>
+                </a:solidFill>
+              </a:rPr>
+              <a:t> </a:t>
+            </a:r>
+            <a:r>
+              <a:rPr lang="en-US" dirty="0" err="1" smtClean="0">
+                <a:solidFill>
+                  <a:srgbClr val="7030A0"/>
+                </a:solidFill>
+              </a:rPr>
+              <a:t>cinza</a:t>
+            </a:r>
+            <a:r>
+              <a:rPr lang="en-US" dirty="0" smtClean="0">
+                <a:solidFill>
+                  <a:srgbClr val="7030A0"/>
+                </a:solidFill>
+              </a:rPr>
+              <a:t>.  </a:t>
+            </a:r>
+            <a:r>
+              <a:rPr lang="en-US" dirty="0" err="1" smtClean="0">
+                <a:solidFill>
+                  <a:srgbClr val="7030A0"/>
+                </a:solidFill>
+              </a:rPr>
+              <a:t>Conecte</a:t>
+            </a:r>
+            <a:r>
+              <a:rPr lang="en-US" dirty="0" smtClean="0">
+                <a:solidFill>
+                  <a:srgbClr val="7030A0"/>
+                </a:solidFill>
+              </a:rPr>
+              <a:t> a entrada de CM </a:t>
+            </a:r>
+            <a:r>
+              <a:rPr lang="en-US" dirty="0" err="1" smtClean="0">
+                <a:solidFill>
+                  <a:srgbClr val="7030A0"/>
+                </a:solidFill>
+              </a:rPr>
+              <a:t>ao</a:t>
+            </a:r>
+            <a:r>
+              <a:rPr lang="en-US" dirty="0" smtClean="0">
+                <a:solidFill>
+                  <a:srgbClr val="7030A0"/>
+                </a:solidFill>
+              </a:rPr>
+              <a:t> </a:t>
+            </a:r>
+            <a:r>
+              <a:rPr lang="en-US" dirty="0" err="1" smtClean="0">
+                <a:solidFill>
+                  <a:srgbClr val="7030A0"/>
+                </a:solidFill>
+              </a:rPr>
+              <a:t>bloco</a:t>
+            </a:r>
+            <a:r>
+              <a:rPr lang="en-US" dirty="0" smtClean="0">
+                <a:solidFill>
+                  <a:srgbClr val="7030A0"/>
+                </a:solidFill>
+              </a:rPr>
+              <a:t> </a:t>
+            </a:r>
+            <a:r>
+              <a:rPr lang="en-US" dirty="0" err="1" smtClean="0">
+                <a:solidFill>
+                  <a:srgbClr val="7030A0"/>
+                </a:solidFill>
+              </a:rPr>
+              <a:t>matemático</a:t>
+            </a:r>
+            <a:r>
+              <a:rPr lang="en-US" dirty="0" smtClean="0">
+                <a:solidFill>
+                  <a:srgbClr val="7030A0"/>
+                </a:solidFill>
+              </a:rPr>
+              <a:t>. </a:t>
+            </a:r>
+            <a:r>
+              <a:rPr lang="en-US" dirty="0" err="1" smtClean="0">
+                <a:solidFill>
+                  <a:srgbClr val="7030A0"/>
+                </a:solidFill>
+              </a:rPr>
+              <a:t>Conecte</a:t>
+            </a:r>
+            <a:r>
+              <a:rPr lang="en-US" dirty="0" smtClean="0">
+                <a:solidFill>
+                  <a:srgbClr val="7030A0"/>
+                </a:solidFill>
+              </a:rPr>
+              <a:t> a </a:t>
+            </a:r>
+            <a:r>
+              <a:rPr lang="en-US" dirty="0" err="1" smtClean="0">
+                <a:solidFill>
+                  <a:srgbClr val="7030A0"/>
+                </a:solidFill>
+              </a:rPr>
+              <a:t>força</a:t>
+            </a:r>
+            <a:r>
+              <a:rPr lang="en-US" dirty="0" smtClean="0">
+                <a:solidFill>
+                  <a:srgbClr val="7030A0"/>
+                </a:solidFill>
+              </a:rPr>
+              <a:t> </a:t>
+            </a:r>
+            <a:r>
+              <a:rPr lang="en-US" dirty="0" err="1" smtClean="0">
+                <a:solidFill>
+                  <a:srgbClr val="7030A0"/>
+                </a:solidFill>
+              </a:rPr>
+              <a:t>na</a:t>
+            </a:r>
+            <a:r>
+              <a:rPr lang="en-US" dirty="0" smtClean="0">
+                <a:solidFill>
+                  <a:srgbClr val="7030A0"/>
+                </a:solidFill>
+              </a:rPr>
+              <a:t> entrada de </a:t>
+            </a:r>
+            <a:r>
+              <a:rPr lang="en-US" dirty="0" err="1" smtClean="0">
+                <a:solidFill>
+                  <a:srgbClr val="7030A0"/>
+                </a:solidFill>
+              </a:rPr>
+              <a:t>força</a:t>
+            </a:r>
+            <a:r>
+              <a:rPr lang="en-US" dirty="0" smtClean="0">
+                <a:solidFill>
+                  <a:srgbClr val="7030A0"/>
+                </a:solidFill>
+              </a:rPr>
+              <a:t> do </a:t>
+            </a:r>
+            <a:r>
+              <a:rPr lang="en-US" dirty="0" err="1" smtClean="0">
+                <a:solidFill>
+                  <a:srgbClr val="7030A0"/>
+                </a:solidFill>
+              </a:rPr>
+              <a:t>bloco</a:t>
+            </a:r>
+            <a:r>
+              <a:rPr lang="en-US" dirty="0" smtClean="0">
+                <a:solidFill>
+                  <a:srgbClr val="7030A0"/>
+                </a:solidFill>
+              </a:rPr>
+              <a:t> mover. </a:t>
+            </a:r>
+            <a:r>
+              <a:rPr lang="en-US" dirty="0" err="1" smtClean="0">
+                <a:solidFill>
+                  <a:srgbClr val="7030A0"/>
+                </a:solidFill>
+              </a:rPr>
+              <a:t>Conecte</a:t>
+            </a:r>
+            <a:r>
+              <a:rPr lang="en-US" dirty="0" smtClean="0">
+                <a:solidFill>
+                  <a:srgbClr val="7030A0"/>
+                </a:solidFill>
+              </a:rPr>
+              <a:t> o </a:t>
+            </a:r>
+            <a:r>
+              <a:rPr lang="en-US" dirty="0" err="1" smtClean="0">
+                <a:solidFill>
+                  <a:srgbClr val="7030A0"/>
+                </a:solidFill>
+              </a:rPr>
+              <a:t>resultado</a:t>
+            </a:r>
+            <a:r>
+              <a:rPr lang="en-US" dirty="0" smtClean="0">
+                <a:solidFill>
+                  <a:srgbClr val="7030A0"/>
+                </a:solidFill>
+              </a:rPr>
+              <a:t> do </a:t>
+            </a:r>
+            <a:r>
+              <a:rPr lang="en-US" dirty="0" err="1" smtClean="0">
+                <a:solidFill>
+                  <a:srgbClr val="7030A0"/>
+                </a:solidFill>
+              </a:rPr>
+              <a:t>bloco</a:t>
+            </a:r>
+            <a:r>
+              <a:rPr lang="en-US" dirty="0" smtClean="0">
+                <a:solidFill>
+                  <a:srgbClr val="7030A0"/>
+                </a:solidFill>
+              </a:rPr>
+              <a:t> </a:t>
+            </a:r>
+            <a:r>
+              <a:rPr lang="en-US" dirty="0" err="1" smtClean="0">
+                <a:solidFill>
+                  <a:srgbClr val="7030A0"/>
+                </a:solidFill>
+              </a:rPr>
+              <a:t>matemático</a:t>
+            </a:r>
+            <a:r>
+              <a:rPr lang="en-US" dirty="0" smtClean="0">
+                <a:solidFill>
+                  <a:srgbClr val="7030A0"/>
+                </a:solidFill>
+              </a:rPr>
+              <a:t> </a:t>
+            </a:r>
+            <a:r>
+              <a:rPr lang="en-US" dirty="0" err="1" smtClean="0">
+                <a:solidFill>
+                  <a:srgbClr val="7030A0"/>
+                </a:solidFill>
+              </a:rPr>
+              <a:t>na</a:t>
+            </a:r>
+            <a:r>
+              <a:rPr lang="en-US" dirty="0" smtClean="0">
+                <a:solidFill>
+                  <a:srgbClr val="7030A0"/>
+                </a:solidFill>
+              </a:rPr>
+              <a:t> entrada de </a:t>
+            </a:r>
+            <a:r>
+              <a:rPr lang="en-US" dirty="0" err="1" smtClean="0">
+                <a:solidFill>
+                  <a:srgbClr val="7030A0"/>
+                </a:solidFill>
+              </a:rPr>
+              <a:t>graus</a:t>
+            </a:r>
+            <a:r>
+              <a:rPr lang="en-US" dirty="0" smtClean="0">
+                <a:solidFill>
+                  <a:srgbClr val="7030A0"/>
+                </a:solidFill>
+              </a:rPr>
+              <a:t> do motor de </a:t>
+            </a:r>
+            <a:r>
+              <a:rPr lang="en-US" dirty="0" err="1" smtClean="0">
+                <a:solidFill>
+                  <a:srgbClr val="7030A0"/>
+                </a:solidFill>
+              </a:rPr>
+              <a:t>movimento</a:t>
+            </a:r>
+            <a:r>
+              <a:rPr lang="en-US" dirty="0" smtClean="0">
+                <a:solidFill>
+                  <a:srgbClr val="7030A0"/>
+                </a:solidFill>
+              </a:rPr>
+              <a:t>.</a:t>
+            </a:r>
+            <a:endParaRPr lang="en-US" dirty="0">
+              <a:solidFill>
+                <a:srgbClr val="7030A0"/>
+              </a:solidFill>
+            </a:endParaRPr>
+          </a:p>
+        </p:txBody>
+      </p:sp>
     </p:spTree>
     <p:extLst>
       <p:ext uri="{BB962C8B-B14F-4D97-AF65-F5344CB8AC3E}">
-        <p14:creationId xmlns:p14="http://schemas.microsoft.com/office/powerpoint/2010/main" val="3572478221"/>
+        <p14:creationId xmlns:p14="http://schemas.microsoft.com/office/powerpoint/2010/main" val="1987527380"/>
       </p:ext>
     </p:extLst>
   </p:cSld>
@@ -4651,54 +5045,38 @@
           <a:lstStyle/>
           <a:p>
             <a:r>
+              <a:rPr lang="en-US" dirty="0" err="1" smtClean="0"/>
+              <a:t>passo</a:t>
+            </a:r>
+            <a:r>
+              <a:rPr lang="en-US" dirty="0" smtClean="0"/>
+              <a:t> 3b: </a:t>
+            </a:r>
+            <a:r>
+              <a:rPr lang="en-US" dirty="0"/>
+              <a:t>MY BLOCK </a:t>
+            </a:r>
+            <a:r>
               <a:rPr lang="en-US" dirty="0" err="1" smtClean="0">
-                <a:cs typeface="Courier"/>
-              </a:rPr>
-              <a:t>uma</a:t>
-            </a:r>
-            <a:r>
-              <a:rPr lang="en-US" dirty="0" smtClean="0">
-                <a:cs typeface="Courier"/>
-              </a:rPr>
-              <a:t> </a:t>
-            </a:r>
-            <a:r>
-              <a:rPr lang="en-US" dirty="0" err="1" smtClean="0">
-                <a:cs typeface="Courier"/>
-              </a:rPr>
-              <a:t>olhada</a:t>
-            </a:r>
-            <a:r>
-              <a:rPr lang="en-US" dirty="0" smtClean="0">
-                <a:cs typeface="Courier"/>
-              </a:rPr>
-              <a:t> </a:t>
-            </a:r>
-            <a:r>
-              <a:rPr lang="en-US" dirty="0" err="1" smtClean="0">
-                <a:cs typeface="Courier"/>
-              </a:rPr>
-              <a:t>dentro</a:t>
-            </a:r>
-            <a:r>
-              <a:rPr lang="en-US" dirty="0" smtClean="0">
-                <a:cs typeface="Courier"/>
-              </a:rPr>
-              <a:t> do </a:t>
-            </a:r>
-            <a:r>
-              <a:rPr lang="en-US" smtClean="0">
                 <a:latin typeface="Courier"/>
                 <a:cs typeface="Courier"/>
               </a:rPr>
-              <a:t>Move </a:t>
-            </a:r>
-            <a:r>
-              <a:rPr lang="en-US" smtClean="0">
+              <a:t>Mover_CM</a:t>
+            </a:r>
+            <a:r>
+              <a:rPr lang="en-US" dirty="0">
                 <a:latin typeface="Courier"/>
                 <a:cs typeface="Courier"/>
               </a:rPr>
-              <a:t>polegadas</a:t>
+              <a:t> </a:t>
+            </a:r>
+            <a:r>
+              <a:rPr lang="en-US" dirty="0" err="1" smtClean="0"/>
+              <a:t>Completo</a:t>
+            </a:r>
+            <a:r>
+              <a:rPr lang="en-US" dirty="0" smtClean="0"/>
+              <a:t>.</a:t>
             </a:r>
             <a:endParaRPr lang="en-US" dirty="0"/>
           </a:p>
@@ -4720,9 +5098,10 @@
           <a:lstStyle/>
           <a:p>
             <a:r>
-              <a:rPr lang="en-US"/>
-              <a:t>© 2015, EV3Lessons.com, (última edição 28/2/2015)</a:t>
-            </a:r>
+              <a:rPr lang="en-US" smtClean="0"/>
+              <a:t>© 2015, EV3Lessons.com, (last edit 11/02/2015)</a:t>
+            </a:r>
+            <a:endParaRPr lang="en-US"/>
           </a:p>
         </p:txBody>
       </p:sp>
@@ -4751,22 +5130,28 @@
       </p:sp>
       <p:pic>
         <p:nvPicPr>
-          <p:cNvPr id="7" name="Picture 6"/>
+          <p:cNvPr id="6" name="Imagem 5"/>
           <p:cNvPicPr>
             <a:picLocks noChangeAspect="1"/>
           </p:cNvPicPr>
           <p:nvPr/>
         </p:nvPicPr>
         <p:blipFill>
-          <a:blip r:embed="rId2"/>
+          <a:blip r:embed="rId2">
+            <a:extLst>
+              <a:ext uri="{28A0092B-C50C-407E-A947-70E740481C1C}">
+                <a14:useLocalDpi xmlns:a14="http://schemas.microsoft.com/office/drawing/2010/main" val="0"/>
+              </a:ext>
+            </a:extLst>
+          </a:blip>
           <a:stretch>
             <a:fillRect/>
           </a:stretch>
         </p:blipFill>
         <p:spPr>
           <a:xfrm>
-            <a:off x="647979" y="1617009"/>
-            <a:ext cx="6850505" cy="4183156"/>
+            <a:off x="1507799" y="1524318"/>
+            <a:ext cx="5730127" cy="4742732"/>
           </a:xfrm>
           <a:prstGeom prst="rect">
             <a:avLst/>
@@ -4776,7 +5161,7 @@
     </p:spTree>
     <p:extLst>
       <p:ext uri="{BB962C8B-B14F-4D97-AF65-F5344CB8AC3E}">
-        <p14:creationId xmlns:p14="http://schemas.microsoft.com/office/powerpoint/2010/main" val="1919907229"/>
+        <p14:creationId xmlns:p14="http://schemas.microsoft.com/office/powerpoint/2010/main" val="3572478221"/>
       </p:ext>
     </p:extLst>
   </p:cSld>
@@ -4827,7 +5212,11 @@
           <a:p>
             <a:r>
               <a:rPr lang="en-US" dirty="0" err="1" smtClean="0"/>
-              <a:t>créditos</a:t>
+              <a:t>DISCUSSão</a:t>
+            </a:r>
+            <a:r>
+              <a:rPr lang="en-US" dirty="0" smtClean="0"/>
+              <a:t>.</a:t>
             </a:r>
             <a:endParaRPr lang="en-US" dirty="0"/>
           </a:p>
@@ -4843,140 +5232,736 @@
             <p:ph idx="1"/>
           </p:nvPr>
         </p:nvSpPr>
-        <p:spPr/>
-        <p:txBody>
-          <a:bodyPr/>
+        <p:spPr>
+          <a:xfrm>
+            <a:off x="457200" y="1051560"/>
+            <a:ext cx="8245474" cy="4960620"/>
+          </a:xfrm>
+        </p:spPr>
+        <p:txBody>
+          <a:bodyPr>
+            <a:normAutofit lnSpcReduction="10000"/>
+          </a:bodyPr>
           <a:lstStyle/>
           <a:p>
             <a:r>
-              <a:rPr lang="en-US" dirty="0" smtClean="0"/>
-              <a:t>Este tutorial </a:t>
-            </a:r>
-            <a:r>
-              <a:rPr lang="en-US" dirty="0" err="1" smtClean="0"/>
-              <a:t>foi</a:t>
-            </a:r>
-            <a:r>
-              <a:rPr lang="en-US" dirty="0" smtClean="0"/>
-              <a:t> </a:t>
-            </a:r>
-            <a:r>
-              <a:rPr lang="en-US" dirty="0" err="1" smtClean="0"/>
-              <a:t>criado</a:t>
-            </a:r>
-            <a:r>
-              <a:rPr lang="en-US" dirty="0" smtClean="0"/>
-              <a:t> </a:t>
-            </a:r>
-            <a:r>
-              <a:rPr lang="en-US" dirty="0" err="1" smtClean="0"/>
+              <a:rPr lang="en-US" dirty="0" err="1" smtClean="0"/>
+              <a:t>Por</a:t>
+            </a:r>
+            <a:r>
+              <a:rPr lang="en-US" dirty="0" smtClean="0"/>
+              <a:t> </a:t>
+            </a:r>
+            <a:r>
+              <a:rPr lang="en-US" dirty="0" err="1" smtClean="0"/>
+              <a:t>que</a:t>
+            </a:r>
+            <a:r>
+              <a:rPr lang="en-US" dirty="0" smtClean="0"/>
+              <a:t> </a:t>
+            </a:r>
+            <a:r>
+              <a:rPr lang="en-US" dirty="0"/>
+              <a:t>um My Block </a:t>
+            </a:r>
+            <a:r>
+              <a:rPr lang="en-US" dirty="0" smtClean="0"/>
+              <a:t>“</a:t>
+            </a:r>
+            <a:r>
+              <a:rPr lang="en-US" dirty="0" err="1" smtClean="0"/>
+              <a:t>Mover_CM</a:t>
+            </a:r>
+            <a:r>
+              <a:rPr lang="en-US" dirty="0" smtClean="0"/>
+              <a:t>” é </a:t>
+            </a:r>
+            <a:r>
+              <a:rPr lang="en-US" dirty="0" err="1" smtClean="0"/>
+              <a:t>útil</a:t>
+            </a:r>
+            <a:r>
+              <a:rPr lang="en-US" dirty="0" smtClean="0"/>
+              <a:t>?</a:t>
+            </a:r>
+          </a:p>
+          <a:p>
+            <a:pPr lvl="1"/>
+            <a:r>
+              <a:rPr lang="en-US" b="0" dirty="0" err="1" smtClean="0"/>
+              <a:t>Você</a:t>
+            </a:r>
+            <a:r>
+              <a:rPr lang="en-US" b="0" dirty="0" smtClean="0"/>
+              <a:t> </a:t>
+            </a:r>
+            <a:r>
+              <a:rPr lang="en-US" b="0" dirty="0" err="1" smtClean="0"/>
+              <a:t>pode</a:t>
+            </a:r>
+            <a:r>
+              <a:rPr lang="en-US" b="0" dirty="0" smtClean="0"/>
+              <a:t> </a:t>
+            </a:r>
+            <a:r>
+              <a:rPr lang="en-US" b="0" dirty="0" err="1" smtClean="0"/>
+              <a:t>medir</a:t>
+            </a:r>
+            <a:r>
+              <a:rPr lang="en-US" b="0" dirty="0" smtClean="0"/>
+              <a:t> </a:t>
+            </a:r>
+            <a:r>
+              <a:rPr lang="en-US" b="0" dirty="0" err="1" smtClean="0"/>
+              <a:t>distâncias</a:t>
+            </a:r>
+            <a:r>
+              <a:rPr lang="en-US" b="0" dirty="0" smtClean="0"/>
+              <a:t> </a:t>
+            </a:r>
+            <a:r>
+              <a:rPr lang="en-US" b="0" dirty="0" err="1" smtClean="0"/>
+              <a:t>em</a:t>
+            </a:r>
+            <a:r>
+              <a:rPr lang="en-US" b="0" dirty="0" smtClean="0"/>
+              <a:t> </a:t>
+            </a:r>
+            <a:r>
+              <a:rPr lang="en-US" b="0" dirty="0" err="1" smtClean="0"/>
+              <a:t>centímetros</a:t>
+            </a:r>
+            <a:r>
+              <a:rPr lang="en-US" b="0" dirty="0" smtClean="0"/>
+              <a:t> e </a:t>
+            </a:r>
+            <a:r>
+              <a:rPr lang="en-US" b="0" dirty="0" err="1" smtClean="0"/>
+              <a:t>colocar</a:t>
+            </a:r>
+            <a:r>
+              <a:rPr lang="en-US" b="0" dirty="0" smtClean="0"/>
+              <a:t> </a:t>
+            </a:r>
+            <a:r>
+              <a:rPr lang="en-US" b="0" dirty="0" err="1" smtClean="0"/>
+              <a:t>esse</a:t>
+            </a:r>
+            <a:r>
+              <a:rPr lang="en-US" b="0" dirty="0" smtClean="0"/>
+              <a:t> </a:t>
+            </a:r>
+            <a:r>
+              <a:rPr lang="en-US" b="0" dirty="0" err="1" smtClean="0"/>
+              <a:t>número</a:t>
+            </a:r>
+            <a:r>
+              <a:rPr lang="en-US" b="0" dirty="0" smtClean="0"/>
+              <a:t> no </a:t>
+            </a:r>
+            <a:r>
+              <a:rPr lang="en-US" b="0" dirty="0" err="1" smtClean="0"/>
+              <a:t>seu</a:t>
+            </a:r>
+            <a:r>
+              <a:rPr lang="en-US" b="0" dirty="0" smtClean="0"/>
+              <a:t> </a:t>
+            </a:r>
+            <a:r>
+              <a:rPr lang="en-US" b="0" dirty="0" err="1" smtClean="0"/>
+              <a:t>bloco</a:t>
+            </a:r>
+            <a:r>
+              <a:rPr lang="en-US" b="0" dirty="0" smtClean="0"/>
+              <a:t> </a:t>
+            </a:r>
+            <a:r>
+              <a:rPr lang="en-US" b="0" dirty="0" err="1" smtClean="0"/>
+              <a:t>ao</a:t>
+            </a:r>
+            <a:r>
+              <a:rPr lang="en-US" b="0" dirty="0" smtClean="0"/>
+              <a:t> </a:t>
+            </a:r>
+            <a:r>
+              <a:rPr lang="en-US" b="0" dirty="0" err="1" smtClean="0"/>
+              <a:t>invés</a:t>
+            </a:r>
+            <a:r>
+              <a:rPr lang="en-US" b="0" dirty="0" smtClean="0"/>
+              <a:t> de </a:t>
+            </a:r>
+            <a:r>
+              <a:rPr lang="en-US" b="0" dirty="0" err="1" smtClean="0"/>
+              <a:t>programar</a:t>
+            </a:r>
+            <a:r>
+              <a:rPr lang="en-US" b="0" dirty="0" smtClean="0"/>
+              <a:t> </a:t>
+            </a:r>
+            <a:r>
+              <a:rPr lang="en-US" b="0" dirty="0" err="1" smtClean="0"/>
               <a:t>por</a:t>
             </a:r>
             <a:r>
-              <a:rPr lang="en-US" dirty="0" smtClean="0"/>
-              <a:t> Sanjay </a:t>
-            </a:r>
-            <a:r>
-              <a:rPr lang="en-US" dirty="0" err="1" smtClean="0"/>
-              <a:t>Seshan</a:t>
-            </a:r>
-            <a:r>
-              <a:rPr lang="en-US" dirty="0" smtClean="0"/>
-              <a:t> e Arvind </a:t>
-            </a:r>
-            <a:r>
-              <a:rPr lang="en-US" err="1" smtClean="0"/>
-              <a:t>Seshan</a:t>
-            </a:r>
-            <a:r>
-              <a:rPr lang="en-US" smtClean="0"/>
-              <a:t> dos </a:t>
-            </a:r>
-            <a:r>
-              <a:rPr lang="en-US"/>
-              <a:t>Droids Robotics.</a:t>
-            </a:r>
-            <a:endParaRPr lang="en-US" dirty="0" smtClean="0"/>
-          </a:p>
-          <a:p>
-            <a:r>
-              <a:rPr lang="en-US" dirty="0" err="1" smtClean="0"/>
-              <a:t>Traduzido</a:t>
-            </a:r>
-            <a:r>
-              <a:rPr lang="en-US" dirty="0" smtClean="0"/>
-              <a:t> </a:t>
-            </a:r>
-            <a:r>
-              <a:rPr lang="en-US" dirty="0" err="1" smtClean="0"/>
-              <a:t>por</a:t>
-            </a:r>
-            <a:r>
-              <a:rPr lang="en-US" dirty="0" smtClean="0"/>
-              <a:t> Naira Hirakawa</a:t>
-            </a:r>
-          </a:p>
-          <a:p>
-            <a:r>
-              <a:rPr lang="en-US" dirty="0" err="1" smtClean="0"/>
-              <a:t>Mais</a:t>
-            </a:r>
-            <a:r>
-              <a:rPr lang="en-US" dirty="0" smtClean="0"/>
-              <a:t> </a:t>
-            </a:r>
-            <a:r>
-              <a:rPr lang="en-US" dirty="0" err="1" smtClean="0"/>
-              <a:t>lições</a:t>
-            </a:r>
-            <a:r>
-              <a:rPr lang="en-US" dirty="0" smtClean="0"/>
-              <a:t> </a:t>
-            </a:r>
-            <a:r>
-              <a:rPr lang="en-US" dirty="0" err="1" smtClean="0"/>
-              <a:t>estão</a:t>
-            </a:r>
-            <a:r>
-              <a:rPr lang="en-US" dirty="0" smtClean="0"/>
-              <a:t> </a:t>
-            </a:r>
-            <a:r>
-              <a:rPr lang="en-US" dirty="0" err="1" smtClean="0"/>
-              <a:t>disponíveis</a:t>
-            </a:r>
-            <a:r>
-              <a:rPr lang="en-US" dirty="0" smtClean="0"/>
-              <a:t> no site www.ev3lessons.com</a:t>
-            </a:r>
-          </a:p>
-          <a:p>
-            <a:r>
-              <a:rPr lang="en-US" dirty="0" smtClean="0"/>
-              <a:t>Email do </a:t>
-            </a:r>
-            <a:r>
-              <a:rPr lang="en-US" dirty="0" err="1" smtClean="0"/>
-              <a:t>autor</a:t>
-            </a:r>
-            <a:r>
-              <a:rPr lang="en-US" dirty="0" smtClean="0"/>
-              <a:t>: </a:t>
-            </a:r>
-            <a:r>
-              <a:rPr lang="en-US" dirty="0" smtClean="0">
-                <a:hlinkClick r:id="rId3"/>
-              </a:rPr>
-              <a:t>team@droidsrobotics.org</a:t>
-            </a:r>
-            <a:r>
-              <a:rPr lang="en-US" dirty="0" smtClean="0"/>
-              <a:t/>
-            </a:r>
-            <a:br>
-              <a:rPr lang="en-US" dirty="0" smtClean="0"/>
-            </a:br>
-            <a:endParaRPr lang="en-US" dirty="0" smtClean="0"/>
+              <a:rPr lang="en-US" b="0" dirty="0" smtClean="0"/>
+              <a:t> </a:t>
+            </a:r>
+            <a:r>
+              <a:rPr lang="en-US" b="0" dirty="0" err="1" smtClean="0"/>
+              <a:t>graus</a:t>
+            </a:r>
+            <a:r>
+              <a:rPr lang="en-US" b="0" dirty="0" smtClean="0"/>
+              <a:t> </a:t>
+            </a:r>
+            <a:r>
+              <a:rPr lang="en-US" b="0" dirty="0" err="1" smtClean="0"/>
+              <a:t>ou</a:t>
+            </a:r>
+            <a:r>
+              <a:rPr lang="en-US" b="0" dirty="0" smtClean="0"/>
+              <a:t> </a:t>
+            </a:r>
+            <a:r>
+              <a:rPr lang="en-US" b="0" dirty="0" err="1" smtClean="0"/>
+              <a:t>rotações</a:t>
+            </a:r>
+            <a:r>
+              <a:rPr lang="en-US" b="0" dirty="0" smtClean="0"/>
+              <a:t>.</a:t>
+            </a:r>
+          </a:p>
+          <a:p>
+            <a:pPr lvl="1"/>
+            <a:endParaRPr lang="en-US" b="0" dirty="0"/>
+          </a:p>
+          <a:p>
+            <a:r>
+              <a:rPr lang="en-US" dirty="0" err="1" smtClean="0"/>
+              <a:t>Mudar</a:t>
+            </a:r>
+            <a:r>
+              <a:rPr lang="en-US" dirty="0" smtClean="0"/>
+              <a:t> </a:t>
+            </a:r>
+            <a:r>
+              <a:rPr lang="en-US" dirty="0" err="1" smtClean="0"/>
+              <a:t>os</a:t>
+            </a:r>
+            <a:r>
+              <a:rPr lang="en-US" dirty="0" smtClean="0"/>
+              <a:t> </a:t>
+            </a:r>
+            <a:r>
+              <a:rPr lang="en-US" dirty="0" err="1" smtClean="0"/>
+              <a:t>valores</a:t>
+            </a:r>
+            <a:r>
+              <a:rPr lang="en-US" dirty="0" smtClean="0"/>
+              <a:t> das entradas</a:t>
+            </a:r>
+            <a:r>
+              <a:rPr lang="en-US" dirty="0"/>
+              <a:t> </a:t>
+            </a:r>
+            <a:r>
+              <a:rPr lang="en-US" dirty="0" err="1" smtClean="0"/>
+              <a:t>em</a:t>
+            </a:r>
+            <a:r>
+              <a:rPr lang="en-US" dirty="0"/>
+              <a:t> </a:t>
+            </a:r>
+            <a:r>
+              <a:rPr lang="en-US" dirty="0" err="1" smtClean="0"/>
+              <a:t>uma</a:t>
+            </a:r>
+            <a:r>
+              <a:rPr lang="en-US" dirty="0" smtClean="0"/>
+              <a:t> </a:t>
+            </a:r>
+            <a:r>
+              <a:rPr lang="en-US" dirty="0" err="1" smtClean="0"/>
+              <a:t>cópia</a:t>
+            </a:r>
+            <a:r>
+              <a:rPr lang="en-US" dirty="0" smtClean="0"/>
+              <a:t> do “</a:t>
+            </a:r>
+            <a:r>
+              <a:rPr lang="en-US" dirty="0" err="1" smtClean="0"/>
+              <a:t>Mover_CM</a:t>
+            </a:r>
+            <a:r>
+              <a:rPr lang="en-US" dirty="0" smtClean="0"/>
+              <a:t>” </a:t>
+            </a:r>
+            <a:r>
+              <a:rPr lang="en-US" dirty="0" err="1" smtClean="0"/>
+              <a:t>afetará</a:t>
+            </a:r>
+            <a:r>
+              <a:rPr lang="en-US" dirty="0" smtClean="0"/>
+              <a:t> </a:t>
+            </a:r>
+            <a:r>
+              <a:rPr lang="en-US" dirty="0" err="1" smtClean="0"/>
+              <a:t>outra</a:t>
+            </a:r>
+            <a:r>
+              <a:rPr lang="en-US" dirty="0" smtClean="0"/>
+              <a:t> </a:t>
+            </a:r>
+            <a:r>
+              <a:rPr lang="en-US" dirty="0" err="1" smtClean="0"/>
+              <a:t>cópia</a:t>
+            </a:r>
+            <a:r>
+              <a:rPr lang="en-US" dirty="0" smtClean="0"/>
+              <a:t> dele?</a:t>
+            </a:r>
+          </a:p>
+          <a:p>
+            <a:pPr lvl="1"/>
+            <a:r>
+              <a:rPr lang="en-US" dirty="0" err="1" smtClean="0"/>
+              <a:t>Não</a:t>
+            </a:r>
+            <a:r>
+              <a:rPr lang="en-US" dirty="0" smtClean="0"/>
+              <a:t>. </a:t>
+            </a:r>
+            <a:r>
+              <a:rPr lang="en-US" dirty="0" err="1" smtClean="0"/>
+              <a:t>Isso</a:t>
+            </a:r>
+            <a:r>
+              <a:rPr lang="en-US" dirty="0" smtClean="0"/>
+              <a:t> é </a:t>
+            </a:r>
+            <a:r>
+              <a:rPr lang="en-US" dirty="0" err="1" smtClean="0"/>
+              <a:t>exetamente</a:t>
+            </a:r>
+            <a:r>
+              <a:rPr lang="en-US" dirty="0" smtClean="0"/>
+              <a:t> o </a:t>
+            </a:r>
+            <a:r>
+              <a:rPr lang="en-US" dirty="0" err="1" smtClean="0"/>
+              <a:t>porquê</a:t>
+            </a:r>
+            <a:r>
+              <a:rPr lang="en-US" dirty="0" smtClean="0"/>
+              <a:t> do My Block </a:t>
+            </a:r>
+            <a:r>
+              <a:rPr lang="en-US" dirty="0" err="1" smtClean="0"/>
+              <a:t>ser</a:t>
+            </a:r>
+            <a:r>
+              <a:rPr lang="en-US" dirty="0" smtClean="0"/>
+              <a:t> </a:t>
+            </a:r>
+            <a:r>
+              <a:rPr lang="en-US" dirty="0" err="1" smtClean="0"/>
+              <a:t>útil</a:t>
+            </a:r>
+            <a:r>
+              <a:rPr lang="en-US" dirty="0" smtClean="0"/>
+              <a:t>. </a:t>
+            </a:r>
+            <a:r>
+              <a:rPr lang="en-US" dirty="0" err="1" smtClean="0"/>
+              <a:t>Você</a:t>
+            </a:r>
+            <a:r>
+              <a:rPr lang="en-US" dirty="0" smtClean="0"/>
+              <a:t> </a:t>
+            </a:r>
+            <a:r>
+              <a:rPr lang="en-US" dirty="0" err="1" smtClean="0"/>
+              <a:t>pode</a:t>
+            </a:r>
+            <a:r>
+              <a:rPr lang="en-US" dirty="0" smtClean="0"/>
+              <a:t> </a:t>
+            </a:r>
+            <a:r>
+              <a:rPr lang="en-US" dirty="0" err="1" smtClean="0"/>
+              <a:t>usar</a:t>
+            </a:r>
+            <a:r>
+              <a:rPr lang="en-US" dirty="0" smtClean="0"/>
+              <a:t> o </a:t>
+            </a:r>
+            <a:r>
+              <a:rPr lang="en-US" dirty="0" err="1" smtClean="0"/>
+              <a:t>mesmo</a:t>
+            </a:r>
+            <a:r>
+              <a:rPr lang="en-US" dirty="0" smtClean="0"/>
+              <a:t> </a:t>
+            </a:r>
+            <a:r>
+              <a:rPr lang="en-US" dirty="0" err="1" smtClean="0"/>
+              <a:t>bloco</a:t>
+            </a:r>
+            <a:r>
+              <a:rPr lang="en-US" dirty="0" smtClean="0"/>
+              <a:t> </a:t>
+            </a:r>
+            <a:r>
+              <a:rPr lang="en-US" dirty="0" err="1" smtClean="0"/>
+              <a:t>várias</a:t>
+            </a:r>
+            <a:r>
+              <a:rPr lang="en-US" dirty="0" smtClean="0"/>
+              <a:t> </a:t>
+            </a:r>
+            <a:r>
+              <a:rPr lang="en-US" dirty="0" err="1" smtClean="0"/>
+              <a:t>vezes</a:t>
+            </a:r>
+            <a:r>
+              <a:rPr lang="en-US" dirty="0" smtClean="0"/>
+              <a:t>, </a:t>
+            </a:r>
+            <a:r>
+              <a:rPr lang="en-US" dirty="0" err="1" smtClean="0"/>
+              <a:t>cada</a:t>
+            </a:r>
+            <a:r>
+              <a:rPr lang="en-US" dirty="0" smtClean="0"/>
+              <a:t> </a:t>
+            </a:r>
+            <a:r>
+              <a:rPr lang="en-US" dirty="0" err="1" smtClean="0"/>
+              <a:t>vez</a:t>
+            </a:r>
+            <a:r>
+              <a:rPr lang="en-US" dirty="0" smtClean="0"/>
+              <a:t> </a:t>
+            </a:r>
+            <a:r>
+              <a:rPr lang="en-US" dirty="0" err="1" smtClean="0"/>
+              <a:t>usando</a:t>
+            </a:r>
+            <a:r>
+              <a:rPr lang="en-US" dirty="0" smtClean="0"/>
+              <a:t> um </a:t>
+            </a:r>
+            <a:r>
+              <a:rPr lang="en-US" dirty="0" err="1" smtClean="0"/>
+              <a:t>número</a:t>
+            </a:r>
+            <a:r>
+              <a:rPr lang="en-US" dirty="0" smtClean="0"/>
+              <a:t> </a:t>
+            </a:r>
+            <a:r>
+              <a:rPr lang="en-US" dirty="0" err="1" smtClean="0"/>
+              <a:t>diferente</a:t>
+            </a:r>
+            <a:r>
+              <a:rPr lang="en-US" dirty="0" smtClean="0"/>
+              <a:t> para </a:t>
+            </a:r>
+            <a:r>
+              <a:rPr lang="en-US" dirty="0" err="1" smtClean="0"/>
+              <a:t>força</a:t>
+            </a:r>
+            <a:r>
+              <a:rPr lang="en-US" dirty="0"/>
+              <a:t> </a:t>
+            </a:r>
+            <a:r>
+              <a:rPr lang="en-US" dirty="0" smtClean="0"/>
+              <a:t>e </a:t>
+            </a:r>
+            <a:r>
+              <a:rPr lang="en-US" dirty="0" err="1" smtClean="0"/>
+              <a:t>centímetros</a:t>
+            </a:r>
+            <a:r>
+              <a:rPr lang="en-US" dirty="0" smtClean="0"/>
+              <a:t> (</a:t>
+            </a:r>
+            <a:r>
+              <a:rPr lang="en-US" dirty="0" err="1" smtClean="0"/>
+              <a:t>ou</a:t>
+            </a:r>
+            <a:r>
+              <a:rPr lang="en-US" dirty="0" smtClean="0"/>
+              <a:t> </a:t>
+            </a:r>
+            <a:r>
+              <a:rPr lang="en-US" dirty="0" err="1" smtClean="0"/>
+              <a:t>qualquer</a:t>
+            </a:r>
+            <a:r>
+              <a:rPr lang="en-US" dirty="0" smtClean="0"/>
+              <a:t> outro </a:t>
+            </a:r>
+            <a:r>
+              <a:rPr lang="en-US" dirty="0" err="1" smtClean="0"/>
+              <a:t>parâmetro</a:t>
+            </a:r>
+            <a:r>
+              <a:rPr lang="en-US" dirty="0" smtClean="0"/>
+              <a:t> </a:t>
+            </a:r>
+            <a:r>
+              <a:rPr lang="en-US" dirty="0" err="1" smtClean="0"/>
+              <a:t>que</a:t>
+            </a:r>
+            <a:r>
+              <a:rPr lang="en-US" dirty="0" smtClean="0"/>
+              <a:t> </a:t>
+            </a:r>
+            <a:r>
+              <a:rPr lang="en-US" dirty="0" err="1" smtClean="0"/>
+              <a:t>você</a:t>
+            </a:r>
+            <a:r>
+              <a:rPr lang="en-US" dirty="0" smtClean="0"/>
+              <a:t> </a:t>
+            </a:r>
+            <a:r>
+              <a:rPr lang="en-US" dirty="0" err="1" smtClean="0"/>
+              <a:t>adicionou</a:t>
+            </a:r>
+            <a:r>
+              <a:rPr lang="en-US" dirty="0" smtClean="0"/>
+              <a:t>).</a:t>
+            </a:r>
+          </a:p>
+          <a:p>
+            <a:pPr lvl="1"/>
+            <a:endParaRPr lang="en-US" dirty="0"/>
+          </a:p>
+          <a:p>
+            <a:r>
+              <a:rPr lang="en-US" dirty="0" err="1" smtClean="0"/>
+              <a:t>Você</a:t>
+            </a:r>
+            <a:r>
+              <a:rPr lang="en-US" dirty="0" smtClean="0"/>
+              <a:t> </a:t>
+            </a:r>
+            <a:r>
+              <a:rPr lang="en-US" dirty="0" err="1" smtClean="0"/>
+              <a:t>pode</a:t>
+            </a:r>
+            <a:r>
+              <a:rPr lang="en-US" dirty="0" smtClean="0"/>
+              <a:t> </a:t>
+            </a:r>
+            <a:r>
+              <a:rPr lang="en-US" dirty="0" err="1" smtClean="0"/>
+              <a:t>alterar</a:t>
+            </a:r>
+            <a:r>
+              <a:rPr lang="en-US" dirty="0" smtClean="0"/>
+              <a:t> um My Block </a:t>
+            </a:r>
+            <a:r>
+              <a:rPr lang="en-US" dirty="0" err="1" smtClean="0"/>
+              <a:t>depois</a:t>
+            </a:r>
+            <a:r>
+              <a:rPr lang="en-US" dirty="0" smtClean="0"/>
+              <a:t> </a:t>
+            </a:r>
+            <a:r>
+              <a:rPr lang="en-US" dirty="0" err="1" smtClean="0"/>
+              <a:t>que</a:t>
+            </a:r>
+            <a:r>
+              <a:rPr lang="en-US" dirty="0" smtClean="0"/>
+              <a:t> </a:t>
+            </a:r>
+            <a:r>
+              <a:rPr lang="en-US" dirty="0" err="1" smtClean="0"/>
+              <a:t>ele</a:t>
+            </a:r>
+            <a:r>
+              <a:rPr lang="en-US" dirty="0" smtClean="0"/>
+              <a:t> é </a:t>
+            </a:r>
+            <a:r>
+              <a:rPr lang="en-US" dirty="0" err="1" smtClean="0"/>
+              <a:t>feito</a:t>
+            </a:r>
+            <a:r>
+              <a:rPr lang="en-US" dirty="0" smtClean="0"/>
+              <a:t>?</a:t>
+            </a:r>
+            <a:endParaRPr lang="en-US" dirty="0"/>
+          </a:p>
+          <a:p>
+            <a:pPr lvl="1"/>
+            <a:r>
+              <a:rPr lang="en-US" dirty="0" err="1" smtClean="0"/>
+              <a:t>Você</a:t>
+            </a:r>
+            <a:r>
+              <a:rPr lang="en-US" dirty="0" smtClean="0"/>
+              <a:t> </a:t>
+            </a:r>
+            <a:r>
+              <a:rPr lang="en-US" dirty="0" err="1" smtClean="0"/>
+              <a:t>pode</a:t>
+            </a:r>
+            <a:r>
+              <a:rPr lang="en-US" dirty="0" smtClean="0"/>
+              <a:t> </a:t>
+            </a:r>
+            <a:r>
+              <a:rPr lang="en-US" dirty="0" err="1" smtClean="0"/>
+              <a:t>mudar</a:t>
+            </a:r>
+            <a:r>
+              <a:rPr lang="en-US" dirty="0" smtClean="0"/>
+              <a:t> o </a:t>
+            </a:r>
+            <a:r>
+              <a:rPr lang="en-US" dirty="0" err="1" smtClean="0"/>
+              <a:t>conteúdo</a:t>
+            </a:r>
+            <a:r>
+              <a:rPr lang="en-US" dirty="0" smtClean="0"/>
+              <a:t>, mas </a:t>
+            </a:r>
+            <a:r>
+              <a:rPr lang="en-US" dirty="0" err="1" smtClean="0"/>
+              <a:t>não</a:t>
+            </a:r>
+            <a:r>
+              <a:rPr lang="en-US" dirty="0" smtClean="0"/>
+              <a:t> </a:t>
+            </a:r>
+            <a:r>
+              <a:rPr lang="en-US" dirty="0" err="1" smtClean="0"/>
+              <a:t>os</a:t>
+            </a:r>
+            <a:r>
+              <a:rPr lang="en-US" dirty="0" smtClean="0"/>
+              <a:t> </a:t>
+            </a:r>
+            <a:r>
+              <a:rPr lang="en-US" dirty="0" err="1" smtClean="0"/>
+              <a:t>blocos</a:t>
+            </a:r>
+            <a:r>
+              <a:rPr lang="en-US" dirty="0" smtClean="0"/>
+              <a:t> </a:t>
+            </a:r>
+            <a:r>
+              <a:rPr lang="en-US" dirty="0" err="1" smtClean="0"/>
+              <a:t>cinzas</a:t>
+            </a:r>
+            <a:r>
+              <a:rPr lang="en-US" dirty="0" smtClean="0"/>
+              <a:t> (entradas e </a:t>
+            </a:r>
+            <a:r>
+              <a:rPr lang="en-US" dirty="0" err="1" smtClean="0"/>
+              <a:t>saídas</a:t>
+            </a:r>
+            <a:r>
+              <a:rPr lang="en-US" dirty="0" smtClean="0"/>
+              <a:t>). Se </a:t>
+            </a:r>
+            <a:r>
+              <a:rPr lang="en-US" dirty="0" err="1" smtClean="0"/>
+              <a:t>você</a:t>
+            </a:r>
+            <a:r>
+              <a:rPr lang="en-US" dirty="0" smtClean="0"/>
+              <a:t> </a:t>
+            </a:r>
+            <a:r>
+              <a:rPr lang="en-US" dirty="0" err="1" smtClean="0"/>
+              <a:t>precisar</a:t>
+            </a:r>
+            <a:r>
+              <a:rPr lang="en-US" dirty="0" smtClean="0"/>
+              <a:t> </a:t>
+            </a:r>
+            <a:r>
+              <a:rPr lang="en-US" dirty="0" err="1" smtClean="0"/>
+              <a:t>fazer</a:t>
+            </a:r>
+            <a:r>
+              <a:rPr lang="en-US" dirty="0" smtClean="0"/>
+              <a:t> </a:t>
+            </a:r>
+            <a:r>
+              <a:rPr lang="en-US" dirty="0" err="1" smtClean="0"/>
+              <a:t>mudanças</a:t>
+            </a:r>
+            <a:r>
+              <a:rPr lang="en-US" dirty="0" smtClean="0"/>
+              <a:t> </a:t>
+            </a:r>
+            <a:r>
+              <a:rPr lang="en-US" dirty="0" err="1" smtClean="0"/>
+              <a:t>nos</a:t>
+            </a:r>
+            <a:r>
+              <a:rPr lang="en-US" dirty="0" smtClean="0"/>
+              <a:t> </a:t>
+            </a:r>
+            <a:r>
+              <a:rPr lang="en-US" dirty="0" err="1" smtClean="0"/>
+              <a:t>parâmetros</a:t>
+            </a:r>
+            <a:r>
+              <a:rPr lang="en-US" dirty="0" smtClean="0"/>
+              <a:t>, </a:t>
+            </a:r>
+            <a:r>
+              <a:rPr lang="en-US" dirty="0" err="1" smtClean="0"/>
+              <a:t>você</a:t>
+            </a:r>
+            <a:r>
+              <a:rPr lang="en-US" dirty="0" smtClean="0"/>
+              <a:t> </a:t>
+            </a:r>
+            <a:r>
+              <a:rPr lang="en-US" dirty="0" err="1" smtClean="0"/>
+              <a:t>deve</a:t>
+            </a:r>
+            <a:r>
+              <a:rPr lang="en-US" dirty="0" smtClean="0"/>
+              <a:t> </a:t>
+            </a:r>
+            <a:r>
+              <a:rPr lang="en-US" dirty="0" err="1" smtClean="0"/>
+              <a:t>refazer</a:t>
+            </a:r>
+            <a:r>
+              <a:rPr lang="en-US" dirty="0" smtClean="0"/>
+              <a:t> </a:t>
+            </a:r>
+            <a:r>
+              <a:rPr lang="en-US" dirty="0" err="1" smtClean="0"/>
+              <a:t>seu</a:t>
+            </a:r>
+            <a:r>
+              <a:rPr lang="en-US" dirty="0" smtClean="0"/>
+              <a:t> My </a:t>
+            </a:r>
+            <a:r>
+              <a:rPr lang="en-US" dirty="0"/>
+              <a:t>Block.</a:t>
+            </a:r>
+          </a:p>
+          <a:p>
+            <a:pPr lvl="1"/>
+            <a:endParaRPr lang="en-US" dirty="0"/>
           </a:p>
         </p:txBody>
       </p:sp>
@@ -4996,9 +5981,331 @@
           <a:lstStyle/>
           <a:p>
             <a:r>
-              <a:rPr lang="en-US"/>
-              <a:t>© 2015, EV3Lessons.com, (última edição 28/2/2015)</a:t>
-            </a:r>
+              <a:rPr lang="en-US" smtClean="0"/>
+              <a:t>© 2015, EV3Lessons.com (last edit 11/02/15)</a:t>
+            </a:r>
+            <a:endParaRPr lang="en-US"/>
+          </a:p>
+        </p:txBody>
+      </p:sp>
+      <p:sp>
+        <p:nvSpPr>
+          <p:cNvPr id="5" name="Slide Number Placeholder 4"/>
+          <p:cNvSpPr>
+            <a:spLocks noGrp="1"/>
+          </p:cNvSpPr>
+          <p:nvPr>
+            <p:ph type="sldNum" sz="quarter" idx="12"/>
+          </p:nvPr>
+        </p:nvSpPr>
+        <p:spPr/>
+        <p:txBody>
+          <a:bodyPr/>
+          <a:lstStyle/>
+          <a:p>
+            <a:fld id="{4DBC7FC8-25FB-FC45-8177-2B991DA6778C}" type="slidenum">
+              <a:rPr lang="en-US" smtClean="0"/>
+              <a:t>12</a:t>
+            </a:fld>
+            <a:endParaRPr lang="en-US"/>
+          </a:p>
+        </p:txBody>
+      </p:sp>
+    </p:spTree>
+    <p:extLst>
+      <p:ext uri="{BB962C8B-B14F-4D97-AF65-F5344CB8AC3E}">
+        <p14:creationId xmlns:p14="http://schemas.microsoft.com/office/powerpoint/2010/main" val="3733669887"/>
+      </p:ext>
+    </p:extLst>
+  </p:cSld>
+  <p:clrMapOvr>
+    <a:masterClrMapping/>
+  </p:clrMapOvr>
+</p:sld>
+</file>
+
+<file path=ppt/slides/slide13.xml><?xml version="1.0" encoding="utf-8"?>
+<p:sld xmlns:a="http://schemas.openxmlformats.org/drawingml/2006/main" xmlns:r="http://schemas.openxmlformats.org/officeDocument/2006/relationships" xmlns:p="http://schemas.openxmlformats.org/presentationml/2006/main">
+  <p:cSld>
+    <p:spTree>
+      <p:nvGrpSpPr>
+        <p:cNvPr id="1" name=""/>
+        <p:cNvGrpSpPr/>
+        <p:nvPr/>
+      </p:nvGrpSpPr>
+      <p:grpSpPr>
+        <a:xfrm>
+          <a:off x="0" y="0"/>
+          <a:ext cx="0" cy="0"/>
+          <a:chOff x="0" y="0"/>
+          <a:chExt cx="0" cy="0"/>
+        </a:xfrm>
+      </p:grpSpPr>
+      <p:sp>
+        <p:nvSpPr>
+          <p:cNvPr id="2" name="Title 1"/>
+          <p:cNvSpPr>
+            <a:spLocks noGrp="1"/>
+          </p:cNvSpPr>
+          <p:nvPr>
+            <p:ph type="title"/>
+          </p:nvPr>
+        </p:nvSpPr>
+        <p:spPr/>
+        <p:txBody>
+          <a:bodyPr/>
+          <a:lstStyle/>
+          <a:p>
+            <a:r>
+              <a:rPr lang="en-US" dirty="0" err="1"/>
+              <a:t>CRéDIToS</a:t>
+            </a:r>
+            <a:r>
+              <a:rPr lang="en-US" dirty="0"/>
+              <a:t>.</a:t>
+            </a:r>
+          </a:p>
+        </p:txBody>
+      </p:sp>
+      <p:sp>
+        <p:nvSpPr>
+          <p:cNvPr id="3" name="Content Placeholder 2"/>
+          <p:cNvSpPr>
+            <a:spLocks noGrp="1"/>
+          </p:cNvSpPr>
+          <p:nvPr>
+            <p:ph idx="1"/>
+          </p:nvPr>
+        </p:nvSpPr>
+        <p:spPr/>
+        <p:txBody>
+          <a:bodyPr/>
+          <a:lstStyle/>
+          <a:p>
+            <a:pPr marL="342900" indent="-342900">
+              <a:buFont typeface="Arial"/>
+              <a:buChar char="•"/>
+            </a:pPr>
+            <a:r>
+              <a:rPr lang="en-US" dirty="0" err="1"/>
+              <a:t>Esta</a:t>
+            </a:r>
+            <a:r>
+              <a:rPr lang="en-US" dirty="0"/>
+              <a:t> </a:t>
+            </a:r>
+            <a:r>
+              <a:rPr lang="en-US" dirty="0" err="1"/>
+              <a:t>lição</a:t>
+            </a:r>
+            <a:r>
+              <a:rPr lang="en-US" dirty="0"/>
+              <a:t> </a:t>
+            </a:r>
+            <a:r>
+              <a:rPr lang="en-US" dirty="0" err="1"/>
+              <a:t>foi</a:t>
+            </a:r>
+            <a:r>
+              <a:rPr lang="en-US" dirty="0"/>
+              <a:t> </a:t>
+            </a:r>
+            <a:r>
+              <a:rPr lang="en-US" dirty="0" err="1"/>
+              <a:t>escrita</a:t>
+            </a:r>
+            <a:r>
+              <a:rPr lang="en-US" dirty="0"/>
+              <a:t> </a:t>
+            </a:r>
+            <a:r>
+              <a:rPr lang="en-US" dirty="0" err="1"/>
+              <a:t>por</a:t>
+            </a:r>
+            <a:r>
+              <a:rPr lang="en-US" dirty="0"/>
+              <a:t> Sanjay e </a:t>
+            </a:r>
+            <a:r>
+              <a:rPr lang="en-US" dirty="0" err="1"/>
+              <a:t>Arvind</a:t>
+            </a:r>
+            <a:r>
+              <a:rPr lang="en-US" dirty="0"/>
+              <a:t> </a:t>
+            </a:r>
+            <a:r>
+              <a:rPr lang="en-US" dirty="0" err="1"/>
+              <a:t>Seshan</a:t>
+            </a:r>
+            <a:r>
+              <a:rPr lang="en-US" dirty="0"/>
+              <a:t> do Droids Robotics</a:t>
+            </a:r>
+            <a:r>
+              <a:rPr lang="en-US" dirty="0" smtClean="0"/>
+              <a:t>.</a:t>
+            </a:r>
+          </a:p>
+          <a:p>
+            <a:pPr marL="342900" indent="-342900">
+              <a:buFont typeface="Arial"/>
+              <a:buChar char="•"/>
+            </a:pPr>
+            <a:r>
+              <a:rPr lang="en-US" dirty="0" err="1"/>
+              <a:t>Esta</a:t>
+            </a:r>
+            <a:r>
+              <a:rPr lang="en-US" dirty="0"/>
+              <a:t> </a:t>
+            </a:r>
+            <a:r>
+              <a:rPr lang="en-US" dirty="0" err="1"/>
+              <a:t>lição</a:t>
+            </a:r>
+            <a:r>
+              <a:rPr lang="en-US" dirty="0"/>
+              <a:t> </a:t>
+            </a:r>
+            <a:r>
+              <a:rPr lang="en-US" dirty="0" err="1"/>
+              <a:t>foi</a:t>
+            </a:r>
+            <a:r>
+              <a:rPr lang="en-US" dirty="0"/>
+              <a:t> </a:t>
+            </a:r>
+            <a:r>
+              <a:rPr lang="en-US" dirty="0" err="1"/>
+              <a:t>traduzida</a:t>
+            </a:r>
+            <a:r>
+              <a:rPr lang="en-US" dirty="0"/>
+              <a:t> </a:t>
+            </a:r>
+            <a:r>
+              <a:rPr lang="en-US" dirty="0" err="1"/>
+              <a:t>por</a:t>
+            </a:r>
+            <a:r>
+              <a:rPr lang="en-US" dirty="0"/>
+              <a:t> Luiz Gabriel Vieira Costa da </a:t>
+            </a:r>
+            <a:r>
+              <a:rPr lang="en-US" dirty="0" err="1"/>
+              <a:t>Equipe</a:t>
+            </a:r>
+            <a:r>
+              <a:rPr lang="en-US" dirty="0"/>
+              <a:t> TILT</a:t>
+            </a:r>
+            <a:r>
+              <a:rPr lang="en-US" dirty="0" smtClean="0"/>
+              <a:t>.</a:t>
+            </a:r>
+            <a:endParaRPr lang="en-US" dirty="0"/>
+          </a:p>
+          <a:p>
+            <a:pPr marL="342900" indent="-342900">
+              <a:buFont typeface="Arial"/>
+              <a:buChar char="•"/>
+            </a:pPr>
+            <a:r>
+              <a:rPr lang="en-US" dirty="0" err="1"/>
+              <a:t>Mais</a:t>
+            </a:r>
+            <a:r>
+              <a:rPr lang="en-US" dirty="0"/>
+              <a:t> </a:t>
+            </a:r>
+            <a:r>
+              <a:rPr lang="en-US" dirty="0" err="1"/>
+              <a:t>lições</a:t>
+            </a:r>
+            <a:r>
+              <a:rPr lang="en-US" dirty="0"/>
+              <a:t> </a:t>
+            </a:r>
+            <a:r>
+              <a:rPr lang="en-US" dirty="0" err="1"/>
+              <a:t>estão</a:t>
+            </a:r>
+            <a:r>
+              <a:rPr lang="en-US" dirty="0"/>
+              <a:t> </a:t>
+            </a:r>
+            <a:r>
+              <a:rPr lang="en-US" dirty="0" err="1"/>
+              <a:t>disponíveis</a:t>
+            </a:r>
+            <a:r>
+              <a:rPr lang="en-US" dirty="0"/>
+              <a:t> </a:t>
+            </a:r>
+            <a:r>
+              <a:rPr lang="en-US" dirty="0" err="1"/>
+              <a:t>em</a:t>
+            </a:r>
+            <a:r>
+              <a:rPr lang="en-US" dirty="0"/>
+              <a:t> www.ev3lessons.com</a:t>
+            </a:r>
+          </a:p>
+          <a:p>
+            <a:pPr marL="342900" indent="-342900">
+              <a:buFont typeface="Arial"/>
+              <a:buChar char="•"/>
+            </a:pPr>
+            <a:r>
+              <a:rPr lang="en-US" dirty="0"/>
+              <a:t>Email do </a:t>
+            </a:r>
+            <a:r>
+              <a:rPr lang="en-US" dirty="0" err="1"/>
+              <a:t>autor</a:t>
+            </a:r>
+            <a:r>
+              <a:rPr lang="en-US" dirty="0"/>
+              <a:t>: </a:t>
+            </a:r>
+            <a:r>
+              <a:rPr lang="en-US" dirty="0">
+                <a:hlinkClick r:id="rId3"/>
+              </a:rPr>
+              <a:t>team@droidsrobotics.org</a:t>
+            </a:r>
+            <a:r>
+              <a:rPr lang="en-US" b="0" dirty="0"/>
+              <a:t/>
+            </a:r>
+            <a:br>
+              <a:rPr lang="en-US" b="0" dirty="0"/>
+            </a:br>
+            <a:endParaRPr lang="en-US" dirty="0"/>
+          </a:p>
+        </p:txBody>
+      </p:sp>
+      <p:sp>
+        <p:nvSpPr>
+          <p:cNvPr id="4" name="Footer Placeholder 3"/>
+          <p:cNvSpPr>
+            <a:spLocks noGrp="1"/>
+          </p:cNvSpPr>
+          <p:nvPr>
+            <p:ph type="ftr" sz="quarter" idx="11"/>
+          </p:nvPr>
+        </p:nvSpPr>
+        <p:spPr/>
+        <p:txBody>
+          <a:bodyPr/>
+          <a:lstStyle/>
+          <a:p>
+            <a:r>
+              <a:rPr lang="en-US" smtClean="0"/>
+              <a:t>© 2015, EV3Lessons.com, (last edit 11/02/2015)</a:t>
+            </a:r>
+            <a:endParaRPr lang="en-US" dirty="0"/>
           </a:p>
         </p:txBody>
       </p:sp>
@@ -5028,7 +6335,7 @@
             <a:fld id="{4DBC7FC8-25FB-FC45-8177-2B991DA6778C}" type="slidenum">
               <a:rPr lang="en-US" smtClean="0"/>
               <a:pPr/>
-              <a:t>12</a:t>
+              <a:t>13</a:t>
             </a:fld>
             <a:endParaRPr lang="en-US"/>
           </a:p>
@@ -5044,7 +6351,7 @@
         </p:nvSpPr>
         <p:spPr bwMode="auto">
           <a:xfrm>
-            <a:off x="457199" y="4630535"/>
+            <a:off x="457200" y="5092200"/>
             <a:ext cx="7913347" cy="923330"/>
           </a:xfrm>
           <a:prstGeom prst="rect">
@@ -5215,22 +6522,7 @@
             </a:lvl9pPr>
           </a:lstStyle>
           <a:p>
-            <a:pPr marL="0" marR="0" lvl="0" indent="0" algn="ctr" defTabSz="914400" rtl="0" eaLnBrk="0" fontAlgn="base" latinLnBrk="0" hangingPunct="0">
-              <a:lnSpc>
-                <a:spcPct val="100000"/>
-              </a:lnSpc>
-              <a:spcBef>
-                <a:spcPct val="0"/>
-              </a:spcBef>
-              <a:spcAft>
-                <a:spcPct val="0"/>
-              </a:spcAft>
-              <a:buClrTx/>
-              <a:buSzTx/>
-              <a:buFontTx/>
-              <a:buNone/>
-              <a:tabLst/>
-            </a:pPr>
+            <a:pPr lvl="0" algn="ctr" defTabSz="914400"/>
             <a:r>
               <a:rPr kumimoji="0" lang="en-US" altLang="en-US" sz="2000" b="0" i="0" u="none" strike="noStrike" cap="none" normalizeH="0" baseline="0" dirty="0" smtClean="0">
                 <a:ln>
@@ -5268,72 +6560,70 @@
               </a:rPr>
             </a:br>
             <a:r>
-              <a:rPr kumimoji="0" lang="en-US" altLang="en-US" sz="2000" b="0" i="0" u="none" strike="noStrike" cap="none" normalizeH="0" baseline="0" dirty="0" smtClean="0">
-                <a:ln>
-                  <a:noFill/>
-                </a:ln>
+              <a:rPr lang="en-US" altLang="en-US" sz="2000" dirty="0">
                 <a:solidFill>
                   <a:srgbClr val="000000"/>
                 </a:solidFill>
-                <a:effectLst/>
                 <a:latin typeface="Helvetica Neue"/>
               </a:rPr>
               <a:t>Este </a:t>
             </a:r>
             <a:r>
-              <a:rPr kumimoji="0" lang="en-US" altLang="en-US" sz="2000" b="0" i="0" u="none" strike="noStrike" cap="none" normalizeH="0" baseline="0" dirty="0" err="1" smtClean="0">
-                <a:ln>
-                  <a:noFill/>
-                </a:ln>
+              <a:rPr lang="en-US" altLang="en-US" sz="2000" dirty="0" err="1">
                 <a:solidFill>
                   <a:srgbClr val="000000"/>
                 </a:solidFill>
-                <a:effectLst/>
                 <a:latin typeface="Helvetica Neue"/>
               </a:rPr>
               <a:t>trabalho</a:t>
             </a:r>
             <a:r>
-              <a:rPr kumimoji="0" lang="en-US" altLang="en-US" sz="2000" b="0" i="0" u="none" strike="noStrike" cap="none" normalizeH="0" baseline="0" dirty="0" smtClean="0">
-                <a:ln>
-                  <a:noFill/>
-                </a:ln>
+              <a:rPr lang="en-US" altLang="en-US" sz="2000" dirty="0">
                 <a:solidFill>
                   <a:srgbClr val="000000"/>
                 </a:solidFill>
-                <a:effectLst/>
                 <a:latin typeface="Helvetica Neue"/>
               </a:rPr>
-              <a:t> </a:t>
-            </a:r>
-            <a:r>
-              <a:rPr kumimoji="0" lang="en-US" altLang="en-US" sz="2000" b="0" i="0" u="none" strike="noStrike" cap="none" normalizeH="0" baseline="0" smtClean="0">
-                <a:ln>
-                  <a:noFill/>
-                </a:ln>
+              <a:t> é </a:t>
+            </a:r>
+            <a:r>
+              <a:rPr lang="en-US" altLang="en-US" sz="2000" dirty="0" err="1">
                 <a:solidFill>
                   <a:srgbClr val="000000"/>
                 </a:solidFill>
-                <a:effectLst/>
                 <a:latin typeface="Helvetica Neue"/>
               </a:rPr>
-              <a:t>é licenciado por</a:t>
-            </a:r>
-            <a:r>
-              <a:rPr kumimoji="0" lang="en-US" altLang="en-US" sz="2000" b="1" i="0" u="none" strike="noStrike" cap="none" normalizeH="0" baseline="0" dirty="0" smtClean="0">
-                <a:ln>
-                  <a:noFill/>
-                </a:ln>
+              <a:t>licenciado</a:t>
+            </a:r>
+            <a:r>
+              <a:rPr lang="en-US" altLang="en-US" sz="2000" dirty="0">
                 <a:solidFill>
                   <a:srgbClr val="000000"/>
                 </a:solidFill>
-                <a:effectLst/>
                 <a:latin typeface="Helvetica Neue"/>
               </a:rPr>
-              <a:t> </a:t>
-            </a:r>
-            <a:r>
-              <a:rPr kumimoji="0" lang="en-US" altLang="en-US" sz="2000" b="1" i="0" u="none" strike="noStrike" cap="none" normalizeH="0" baseline="0" dirty="0" smtClean="0">
+              <a:t> </a:t>
+            </a:r>
+            <a:r>
+              <a:rPr lang="en-US" altLang="en-US" sz="2000" dirty="0" err="1" smtClean="0">
+                <a:solidFill>
+                  <a:srgbClr val="000000"/>
+                </a:solidFill>
+                <a:latin typeface="Helvetica Neue"/>
+              </a:rPr>
+              <a:t>por</a:t>
+            </a:r>
+            <a:r>
+              <a:rPr lang="en-US" altLang="en-US" sz="2000" dirty="0" smtClean="0">
+                <a:solidFill>
+                  <a:srgbClr val="000000"/>
+                </a:solidFill>
+                <a:latin typeface="Helvetica Neue"/>
+              </a:rPr>
+              <a:t> </a:t>
+            </a:r>
+            <a:r>
+              <a:rPr kumimoji="0" lang="en-US" altLang="en-US" sz="2000" b="0" i="0" u="none" strike="noStrike" cap="none" normalizeH="0" baseline="0" dirty="0" smtClean="0">
                 <a:ln>
                   <a:noFill/>
                 </a:ln>
@@ -5347,7 +6637,7 @@
               <a:t>Creative Commons Attribution-</a:t>
             </a:r>
             <a:r>
-              <a:rPr kumimoji="0" lang="en-US" altLang="en-US" sz="2000" b="1" i="0" u="none" strike="noStrike" cap="none" normalizeH="0" baseline="0" dirty="0" err="1" smtClean="0">
+              <a:rPr kumimoji="0" lang="en-US" altLang="en-US" sz="2000" b="0" i="0" u="none" strike="noStrike" cap="none" normalizeH="0" baseline="0" dirty="0" err="1" smtClean="0">
                 <a:ln>
                   <a:noFill/>
                 </a:ln>
@@ -5361,7 +6651,7 @@
               <a:t>NonCommercial</a:t>
             </a:r>
             <a:r>
-              <a:rPr kumimoji="0" lang="en-US" altLang="en-US" sz="2000" b="1" i="0" u="none" strike="noStrike" cap="none" normalizeH="0" baseline="0" dirty="0" smtClean="0">
+              <a:rPr kumimoji="0" lang="en-US" altLang="en-US" sz="2000" b="0" i="0" u="none" strike="noStrike" cap="none" normalizeH="0" baseline="0" dirty="0" smtClean="0">
                 <a:ln>
                   <a:noFill/>
                 </a:ln>
@@ -5375,7 +6665,7 @@
               <a:t>-</a:t>
             </a:r>
             <a:r>
-              <a:rPr kumimoji="0" lang="en-US" altLang="en-US" sz="2000" b="1" i="0" u="none" strike="noStrike" cap="none" normalizeH="0" baseline="0" dirty="0" err="1" smtClean="0">
+              <a:rPr kumimoji="0" lang="en-US" altLang="en-US" sz="2000" b="0" i="0" u="none" strike="noStrike" cap="none" normalizeH="0" baseline="0" dirty="0" err="1" smtClean="0">
                 <a:ln>
                   <a:noFill/>
                 </a:ln>
@@ -5389,7 +6679,7 @@
               <a:t>ShareAlike</a:t>
             </a:r>
             <a:r>
-              <a:rPr kumimoji="0" lang="en-US" altLang="en-US" sz="2000" b="1" i="0" u="none" strike="noStrike" cap="none" normalizeH="0" baseline="0" dirty="0" smtClean="0">
+              <a:rPr kumimoji="0" lang="en-US" altLang="en-US" sz="2000" b="0" i="0" u="none" strike="noStrike" cap="none" normalizeH="0" baseline="0" dirty="0" smtClean="0">
                 <a:ln>
                   <a:noFill/>
                 </a:ln>
@@ -5400,21 +6690,7 @@
                 <a:latin typeface="Helvetica Neue"/>
                 <a:hlinkClick r:id="rId4"/>
               </a:rPr>
-              <a:t> </a:t>
-            </a:r>
-            <a:r>
-              <a:rPr kumimoji="0" lang="en-US" altLang="en-US" sz="2000" b="0" i="0" u="none" strike="noStrike" cap="none" normalizeH="0" baseline="0" dirty="0" smtClean="0">
-                <a:ln>
-                  <a:noFill/>
-                </a:ln>
-                <a:solidFill>
-                  <a:srgbClr val="4374B7"/>
-                </a:solidFill>
-                <a:effectLst/>
-                <a:latin typeface="Helvetica Neue"/>
-                <a:hlinkClick r:id="rId4"/>
-              </a:rPr>
-              <a:t>4.0 International License</a:t>
+              <a:t> 4.0 International License</a:t>
             </a:r>
             <a:r>
               <a:rPr kumimoji="0" lang="en-US" altLang="en-US" sz="2000" b="0" i="0" u="none" strike="noStrike" cap="none" normalizeH="0" baseline="0" dirty="0" smtClean="0">
@@ -5479,7 +6755,7 @@
         </p:blipFill>
         <p:spPr bwMode="auto">
           <a:xfrm>
-            <a:off x="3618595" y="3892062"/>
+            <a:off x="3613652" y="4216637"/>
             <a:ext cx="2161449" cy="761422"/>
           </a:xfrm>
           <a:prstGeom prst="rect">
@@ -5550,18 +6826,9 @@
           <a:lstStyle/>
           <a:p>
             <a:r>
-              <a:rPr lang="en-US" dirty="0" err="1" smtClean="0"/>
-              <a:t>objetivos</a:t>
-            </a:r>
-            <a:r>
-              <a:rPr lang="en-US" dirty="0" smtClean="0"/>
-              <a:t> da </a:t>
-            </a:r>
-            <a:r>
-              <a:rPr lang="en-US" dirty="0" err="1" smtClean="0"/>
-              <a:t>lição</a:t>
-            </a:r>
-            <a:endParaRPr lang="en-US" dirty="0"/>
+              <a:rPr lang="en-US" dirty="0"/>
+              <a:t>OBJETIVOS DA LIÇÃO.</a:t>
+            </a:r>
           </a:p>
         </p:txBody>
       </p:sp>
@@ -5590,11 +6857,7 @@
             </a:r>
             <a:r>
               <a:rPr lang="en-US" dirty="0" smtClean="0"/>
-              <a:t> um </a:t>
-            </a:r>
-            <a:r>
-              <a:rPr lang="en-US" i="1" dirty="0" smtClean="0"/>
-              <a:t>My Block </a:t>
+              <a:t> um My Block </a:t>
             </a:r>
             <a:r>
               <a:rPr lang="en-US" dirty="0" err="1" smtClean="0"/>
@@ -5602,7 +6865,7 @@
             </a:r>
             <a:r>
               <a:rPr lang="en-US" dirty="0" smtClean="0"/>
-              <a:t> </a:t>
+              <a:t>.</a:t>
             </a:r>
           </a:p>
           <a:p>
@@ -5620,11 +6883,11 @@
             </a:r>
             <a:r>
               <a:rPr lang="en-US" dirty="0" err="1" smtClean="0"/>
-              <a:t>por</a:t>
-            </a:r>
-            <a:r>
-              <a:rPr lang="en-US" dirty="0" smtClean="0"/>
-              <a:t> que </a:t>
+              <a:t>porquê</a:t>
+            </a:r>
+            <a:r>
+              <a:rPr lang="en-US" dirty="0" smtClean="0"/>
+              <a:t> </a:t>
             </a:r>
             <a:r>
               <a:rPr lang="en-US" dirty="0" err="1" smtClean="0"/>
@@ -5632,35 +6895,31 @@
             </a:r>
             <a:r>
               <a:rPr lang="en-US" dirty="0" smtClean="0"/>
-              <a:t> um </a:t>
-            </a:r>
-            <a:r>
-              <a:rPr lang="en-US" i="1" dirty="0" smtClean="0"/>
-              <a:t>My Block </a:t>
-            </a:r>
-            <a:r>
-              <a:rPr lang="en-US" dirty="0" smtClean="0"/>
-              <a:t>que </a:t>
-            </a:r>
-            <a:r>
-              <a:rPr lang="en-US" dirty="0" err="1" smtClean="0"/>
-              <a:t>faz</a:t>
-            </a:r>
-            <a:r>
-              <a:rPr lang="en-US" dirty="0" smtClean="0"/>
-              <a:t> </a:t>
-            </a:r>
-            <a:r>
-              <a:rPr lang="en-US" err="1" smtClean="0"/>
+              <a:t> um My Block </a:t>
+            </a:r>
+            <a:r>
+              <a:rPr lang="en-US" dirty="0" err="1" smtClean="0"/>
+              <a:t>que</a:t>
+            </a:r>
+            <a:r>
+              <a:rPr lang="en-US" dirty="0" smtClean="0"/>
+              <a:t> tome </a:t>
+            </a:r>
+            <a:r>
+              <a:rPr lang="en-US" dirty="0" err="1" smtClean="0"/>
               <a:t>medidas</a:t>
             </a:r>
             <a:r>
-              <a:rPr lang="en-US" smtClean="0"/>
-              <a:t> feitas </a:t>
-            </a:r>
-            <a:r>
-              <a:rPr lang="en-US" dirty="0" smtClean="0"/>
-              <a:t>com </a:t>
+              <a:rPr lang="en-US" dirty="0" smtClean="0"/>
+              <a:t> </a:t>
+            </a:r>
+            <a:r>
+              <a:rPr lang="en-US" dirty="0" err="1" smtClean="0"/>
+              <a:t>feitas</a:t>
+            </a:r>
+            <a:r>
+              <a:rPr lang="en-US" dirty="0" smtClean="0"/>
+              <a:t> com </a:t>
             </a:r>
             <a:r>
               <a:rPr lang="en-US" dirty="0" err="1" smtClean="0"/>
@@ -5698,7 +6957,10 @@
               <a:rPr lang="en-US" dirty="0" err="1" smtClean="0"/>
               <a:t>útil</a:t>
             </a:r>
-            <a:endParaRPr lang="en-US" dirty="0" smtClean="0"/>
+            <a:r>
+              <a:rPr lang="en-US" dirty="0" smtClean="0"/>
+              <a:t>.</a:t>
+            </a:r>
           </a:p>
           <a:p>
             <a:pPr marL="457200" indent="-457200">
@@ -5706,24 +6968,45 @@
               <a:buAutoNum type="arabicPeriod"/>
             </a:pPr>
             <a:r>
-              <a:rPr lang="en-US" dirty="0" err="1" smtClean="0"/>
-              <a:t>Praticar</a:t>
-            </a:r>
-            <a:r>
-              <a:rPr lang="en-US" dirty="0" smtClean="0"/>
-              <a:t> </a:t>
-            </a:r>
-            <a:r>
-              <a:rPr lang="en-US" dirty="0" err="1" smtClean="0"/>
-              <a:t>criando</a:t>
-            </a:r>
-            <a:r>
-              <a:rPr lang="en-US" dirty="0" smtClean="0"/>
-              <a:t> </a:t>
-            </a:r>
-            <a:r>
-              <a:rPr lang="en-US" i="1" dirty="0" smtClean="0"/>
-              <a:t>My Block </a:t>
+              <a:rPr lang="en-US" dirty="0" smtClean="0"/>
+              <a:t>Fazer um </a:t>
+            </a:r>
+            <a:r>
+              <a:rPr lang="en-US" dirty="0" err="1" smtClean="0"/>
+              <a:t>Mover_CM</a:t>
+            </a:r>
+            <a:r>
+              <a:rPr lang="en-US" dirty="0" smtClean="0"/>
+              <a:t> My Block.</a:t>
+            </a:r>
+          </a:p>
+          <a:p>
+            <a:pPr marL="457200" indent="-457200">
+              <a:buFont typeface="+mj-lt"/>
+              <a:buAutoNum type="arabicPeriod"/>
+            </a:pPr>
+            <a:endParaRPr lang="en-US" dirty="0"/>
+          </a:p>
+          <a:p>
+            <a:r>
+              <a:rPr lang="en-US" dirty="0" err="1" smtClean="0"/>
+              <a:t>Pré-requisitos</a:t>
+            </a:r>
+            <a:r>
+              <a:rPr lang="en-US" dirty="0"/>
+              <a:t>: </a:t>
+            </a:r>
+            <a:r>
+              <a:rPr lang="en-US" dirty="0" err="1" smtClean="0"/>
+              <a:t>Bloco</a:t>
+            </a:r>
+            <a:r>
+              <a:rPr lang="en-US" dirty="0" smtClean="0"/>
+              <a:t> Mover, Port View, My </a:t>
+            </a:r>
+            <a:r>
+              <a:rPr lang="en-US" dirty="0"/>
+              <a:t>Blocks </a:t>
             </a:r>
             <a:r>
               <a:rPr lang="en-US" dirty="0" smtClean="0"/>
@@ -5733,6 +7016,41 @@
               <a:rPr lang="en-US" dirty="0" err="1" smtClean="0"/>
               <a:t>Saídas</a:t>
             </a:r>
+            <a:r>
+              <a:rPr lang="en-US" dirty="0" smtClean="0"/>
+              <a:t>, </a:t>
+            </a:r>
+            <a:r>
+              <a:rPr lang="en-US" dirty="0" err="1" smtClean="0"/>
+              <a:t>Blocos</a:t>
+            </a:r>
+            <a:r>
+              <a:rPr lang="en-US" dirty="0" smtClean="0"/>
+              <a:t> </a:t>
+            </a:r>
+            <a:r>
+              <a:rPr lang="en-US" dirty="0" err="1" smtClean="0"/>
+              <a:t>Matemáticos</a:t>
+            </a:r>
+            <a:r>
+              <a:rPr lang="en-US" dirty="0" smtClean="0"/>
+              <a:t>, </a:t>
+            </a:r>
+            <a:r>
+              <a:rPr lang="en-US" dirty="0" err="1" smtClean="0"/>
+              <a:t>Fio</a:t>
+            </a:r>
+            <a:r>
+              <a:rPr lang="en-US" dirty="0" smtClean="0"/>
+              <a:t> de Dados.</a:t>
+            </a:r>
+            <a:endParaRPr lang="en-US" dirty="0"/>
+          </a:p>
+          <a:p>
+            <a:pPr marL="457200" indent="-457200">
+              <a:buFont typeface="+mj-lt"/>
+              <a:buAutoNum type="arabicPeriod"/>
+            </a:pPr>
             <a:endParaRPr lang="en-US" dirty="0"/>
           </a:p>
         </p:txBody>
@@ -5754,7 +7072,7 @@
           <a:p>
             <a:r>
               <a:rPr lang="en-US" smtClean="0"/>
-              <a:t>© 2015, EV3Lessons.com, (última edição 28/2/2015)</a:t>
+              <a:t>© 2015, EV3Lessons.com, (last edit 11/02/2015)</a:t>
             </a:r>
             <a:endParaRPr lang="en-US"/>
           </a:p>
@@ -5793,6 +7111,13 @@
   <p:clrMapOvr>
     <a:masterClrMapping/>
   </p:clrMapOvr>
+  <p:timing>
+    <p:tnLst>
+      <p:par>
+        <p:cTn id="1" dur="indefinite" restart="never" nodeType="tmRoot"/>
+      </p:par>
+    </p:tnLst>
+  </p:timing>
 </p:sld>
 </file>
 
@@ -5826,7 +7151,7 @@
         <p:spPr/>
         <p:txBody>
           <a:bodyPr>
-            <a:normAutofit fontScale="90000"/>
+            <a:normAutofit/>
           </a:bodyPr>
           <a:lstStyle/>
           <a:p>
@@ -5836,40 +7161,31 @@
             </a:r>
             <a:r>
               <a:rPr lang="en-US" dirty="0" smtClean="0"/>
-              <a:t> que </a:t>
-            </a:r>
-            <a:r>
-              <a:rPr lang="en-US" dirty="0" err="1" smtClean="0"/>
-              <a:t>criar</a:t>
-            </a:r>
-            <a:r>
-              <a:rPr lang="en-US" dirty="0" smtClean="0"/>
-              <a:t> um MY block de </a:t>
-            </a:r>
-            <a:r>
-              <a:rPr lang="en-US" dirty="0" smtClean="0">
-                <a:latin typeface="Courier"/>
-                <a:cs typeface="Courier"/>
-              </a:rPr>
-              <a:t>mover </a:t>
-            </a:r>
-            <a:r>
-              <a:rPr lang="en-US" dirty="0" err="1" smtClean="0">
-                <a:latin typeface="Courier"/>
-                <a:cs typeface="Courier"/>
-              </a:rPr>
-              <a:t>distância</a:t>
-            </a:r>
-            <a:r>
-              <a:rPr lang="en-US" dirty="0" smtClean="0">
-                <a:latin typeface="Courier"/>
-                <a:cs typeface="Courier"/>
-              </a:rPr>
-              <a:t> </a:t>
-            </a:r>
-            <a:r>
-              <a:rPr lang="en-US" dirty="0" smtClean="0"/>
-              <a:t>é </a:t>
+              <a:t> </a:t>
+            </a:r>
+            <a:r>
+              <a:rPr lang="en-US" dirty="0" err="1" smtClean="0"/>
+              <a:t>que</a:t>
+            </a:r>
+            <a:r>
+              <a:rPr lang="en-US" dirty="0" smtClean="0"/>
+              <a:t> </a:t>
+            </a:r>
+            <a:r>
+              <a:rPr lang="en-US" dirty="0" err="1" smtClean="0"/>
+              <a:t>usar</a:t>
+            </a:r>
+            <a:r>
+              <a:rPr lang="en-US" dirty="0" smtClean="0"/>
+              <a:t> </a:t>
+            </a:r>
+            <a:r>
+              <a:rPr lang="en-US" dirty="0" err="1" smtClean="0"/>
+              <a:t>distâncias</a:t>
+            </a:r>
+            <a:r>
+              <a:rPr lang="en-US" dirty="0" smtClean="0"/>
+              <a:t> no my block é </a:t>
             </a:r>
             <a:r>
               <a:rPr lang="en-US" dirty="0" err="1" smtClean="0"/>
@@ -5882,6 +7198,10 @@
             <a:r>
               <a:rPr lang="en-US" dirty="0" err="1" smtClean="0"/>
               <a:t>ideia</a:t>
+            </a:r>
+            <a:r>
+              <a:rPr lang="en-US" dirty="0" smtClean="0"/>
+              <a:t>?</a:t>
             </a:r>
             <a:endParaRPr lang="en-US" dirty="0"/>
           </a:p>
@@ -5900,7 +7220,7 @@
         <p:spPr>
           <a:xfrm>
             <a:off x="457200" y="1524318"/>
-            <a:ext cx="5567338" cy="4373563"/>
+            <a:ext cx="8019826" cy="4373563"/>
           </a:xfrm>
         </p:spPr>
         <p:txBody>
@@ -5914,84 +7234,84 @@
               <a:buChar char="•"/>
             </a:pPr>
             <a:r>
-              <a:rPr lang="en-US" sz="1800" dirty="0" err="1" smtClean="0"/>
-              <a:t>Os</a:t>
-            </a:r>
-            <a:r>
-              <a:rPr lang="en-US" sz="1800" dirty="0" smtClean="0"/>
-              <a:t> </a:t>
-            </a:r>
-            <a:r>
-              <a:rPr lang="en-US" sz="1800" dirty="0" err="1" smtClean="0"/>
+              <a:rPr lang="en-US" dirty="0" err="1" smtClean="0"/>
+              <a:t>Construir</a:t>
+            </a:r>
+            <a:r>
+              <a:rPr lang="en-US" dirty="0" smtClean="0"/>
+              <a:t> </a:t>
+            </a:r>
+            <a:r>
+              <a:rPr lang="en-US" dirty="0" err="1" smtClean="0"/>
               <a:t>blocos</a:t>
             </a:r>
             <a:r>
-              <a:rPr lang="en-US" sz="1800" dirty="0" smtClean="0"/>
-              <a:t> de mover </a:t>
-            </a:r>
-            <a:r>
-              <a:rPr lang="en-US" sz="1800" dirty="0" err="1" smtClean="0"/>
-              <a:t>pré-existentes</a:t>
-            </a:r>
-            <a:r>
-              <a:rPr lang="en-US" sz="1800" dirty="0" smtClean="0"/>
-              <a:t> </a:t>
-            </a:r>
-            <a:r>
-              <a:rPr lang="en-US" sz="1800" dirty="0" err="1" smtClean="0"/>
+              <a:rPr lang="en-US" dirty="0" smtClean="0"/>
+              <a:t> de </a:t>
+            </a:r>
+            <a:r>
+              <a:rPr lang="en-US" dirty="0" err="1" smtClean="0"/>
+              <a:t>movimento</a:t>
+            </a:r>
+            <a:r>
+              <a:rPr lang="en-US" dirty="0" smtClean="0"/>
+              <a:t> </a:t>
+            </a:r>
+            <a:r>
+              <a:rPr lang="en-US" dirty="0" err="1" smtClean="0"/>
               <a:t>não</a:t>
             </a:r>
             <a:r>
-              <a:rPr lang="en-US" sz="1800" dirty="0" smtClean="0"/>
-              <a:t> </a:t>
-            </a:r>
-            <a:r>
-              <a:rPr lang="en-US" sz="1800" dirty="0" err="1" smtClean="0"/>
-              <a:t>lêem</a:t>
-            </a:r>
-            <a:r>
-              <a:rPr lang="en-US" sz="1800" dirty="0" smtClean="0"/>
+              <a:rPr lang="en-US" dirty="0" smtClean="0"/>
+              <a:t> </a:t>
+            </a:r>
+            <a:r>
+              <a:rPr lang="en-US" dirty="0" err="1" smtClean="0"/>
+              <a:t>levarão</a:t>
+            </a:r>
+            <a:r>
+              <a:rPr lang="en-US" dirty="0" smtClean="0"/>
               <a:t> entradas (</a:t>
             </a:r>
             <a:r>
-              <a:rPr lang="en-US" sz="1800" dirty="0" err="1" smtClean="0"/>
+              <a:rPr lang="en-US" dirty="0" err="1" smtClean="0"/>
               <a:t>valores</a:t>
             </a:r>
             <a:r>
-              <a:rPr lang="en-US" sz="1800" dirty="0" smtClean="0"/>
+              <a:rPr lang="en-US" dirty="0" smtClean="0"/>
               <a:t>) </a:t>
             </a:r>
             <a:r>
-              <a:rPr lang="en-US" sz="1800" dirty="0" err="1" smtClean="0"/>
+              <a:rPr lang="en-US" dirty="0" err="1" smtClean="0"/>
               <a:t>em</a:t>
             </a:r>
             <a:r>
-              <a:rPr lang="en-US" sz="1800" dirty="0" smtClean="0"/>
-              <a:t> </a:t>
-            </a:r>
-            <a:r>
-              <a:rPr lang="en-US" sz="1800" dirty="0" err="1" smtClean="0"/>
+              <a:rPr lang="en-US" dirty="0" smtClean="0"/>
+              <a:t> </a:t>
+            </a:r>
+            <a:r>
+              <a:rPr lang="en-US" dirty="0" err="1" smtClean="0"/>
               <a:t>centímetros</a:t>
             </a:r>
             <a:r>
-              <a:rPr lang="en-US" sz="1800" dirty="0" smtClean="0"/>
-              <a:t> </a:t>
-            </a:r>
-            <a:r>
-              <a:rPr lang="en-US" sz="1800" dirty="0" err="1" smtClean="0"/>
+              <a:rPr lang="en-US" dirty="0" smtClean="0"/>
+              <a:t> </a:t>
+            </a:r>
+            <a:r>
+              <a:rPr lang="en-US" dirty="0" err="1" smtClean="0"/>
               <a:t>ou</a:t>
             </a:r>
             <a:r>
-              <a:rPr lang="en-US" sz="1800" dirty="0" smtClean="0"/>
-              <a:t> </a:t>
-            </a:r>
-            <a:r>
-              <a:rPr lang="en-US" sz="1800" dirty="0" err="1" smtClean="0"/>
+              <a:rPr lang="en-US" dirty="0" smtClean="0"/>
+              <a:t> </a:t>
+            </a:r>
+            <a:r>
+              <a:rPr lang="en-US" dirty="0" err="1" smtClean="0"/>
               <a:t>polegadas</a:t>
             </a:r>
             <a:r>
-              <a:rPr lang="en-US" sz="1800" dirty="0" smtClean="0"/>
-              <a:t>. </a:t>
+              <a:rPr lang="en-US" dirty="0" smtClean="0"/>
+              <a:t>.  </a:t>
             </a:r>
           </a:p>
           <a:p>
@@ -6000,100 +7320,96 @@
               <a:buChar char="•"/>
             </a:pPr>
             <a:r>
-              <a:rPr lang="en-US" sz="1800" dirty="0" err="1" smtClean="0"/>
-              <a:t>Muito</a:t>
-            </a:r>
-            <a:r>
-              <a:rPr lang="en-US" sz="1800" dirty="0" smtClean="0"/>
-              <a:t> </a:t>
-            </a:r>
-            <a:r>
-              <a:rPr lang="en-US" sz="1800" dirty="0" err="1" smtClean="0"/>
+              <a:rPr lang="en-US" dirty="0" smtClean="0"/>
+              <a:t>É </a:t>
+            </a:r>
+            <a:r>
+              <a:rPr lang="en-US" dirty="0" err="1" smtClean="0"/>
+              <a:t>muito</a:t>
+            </a:r>
+            <a:r>
+              <a:rPr lang="en-US" dirty="0" smtClean="0"/>
+              <a:t> </a:t>
+            </a:r>
+            <a:r>
+              <a:rPr lang="en-US" dirty="0" err="1" smtClean="0"/>
               <a:t>mais</a:t>
             </a:r>
             <a:r>
-              <a:rPr lang="en-US" sz="1800" dirty="0" smtClean="0"/>
-              <a:t> </a:t>
-            </a:r>
-            <a:r>
-              <a:rPr lang="en-US" sz="1800" dirty="0" err="1" smtClean="0"/>
+              <a:rPr lang="en-US" dirty="0" smtClean="0"/>
+              <a:t> </a:t>
+            </a:r>
+            <a:r>
+              <a:rPr lang="en-US" dirty="0" err="1" smtClean="0"/>
               <a:t>fácil</a:t>
             </a:r>
             <a:r>
-              <a:rPr lang="en-US" sz="1800" dirty="0" smtClean="0"/>
-              <a:t> </a:t>
-            </a:r>
-            <a:r>
-              <a:rPr lang="en-US" sz="1800" dirty="0" err="1" smtClean="0"/>
+              <a:rPr lang="en-US" dirty="0" smtClean="0"/>
+              <a:t> </a:t>
+            </a:r>
+            <a:r>
+              <a:rPr lang="en-US" dirty="0" err="1" smtClean="0"/>
               <a:t>medir</a:t>
             </a:r>
             <a:r>
-              <a:rPr lang="en-US" sz="1800" dirty="0" smtClean="0"/>
-              <a:t> </a:t>
-            </a:r>
-            <a:r>
-              <a:rPr lang="en-US" sz="1800" dirty="0" err="1" smtClean="0"/>
+              <a:rPr lang="en-US" dirty="0" smtClean="0"/>
+              <a:t> a </a:t>
+            </a:r>
+            <a:r>
+              <a:rPr lang="en-US" dirty="0" err="1" smtClean="0"/>
+              <a:t>distância</a:t>
+            </a:r>
+            <a:r>
+              <a:rPr lang="en-US" dirty="0" smtClean="0"/>
+              <a:t> com </a:t>
+            </a:r>
+            <a:r>
+              <a:rPr lang="en-US" dirty="0" err="1" smtClean="0"/>
               <a:t>uma</a:t>
             </a:r>
             <a:r>
-              <a:rPr lang="en-US" sz="1800" dirty="0" smtClean="0"/>
-              <a:t> </a:t>
-            </a:r>
-            <a:r>
-              <a:rPr lang="en-US" sz="1800" dirty="0" err="1" smtClean="0"/>
-              <a:t>distância</a:t>
-            </a:r>
-            <a:r>
-              <a:rPr lang="en-US" sz="1800" dirty="0" smtClean="0"/>
-              <a:t> </a:t>
-            </a:r>
-            <a:r>
-              <a:rPr lang="en-US" sz="1800" dirty="0" err="1" smtClean="0"/>
-              <a:t>usando</a:t>
-            </a:r>
-            <a:r>
-              <a:rPr lang="en-US" sz="1800" dirty="0" smtClean="0"/>
-              <a:t> </a:t>
-            </a:r>
-            <a:r>
-              <a:rPr lang="en-US" sz="1800" dirty="0" err="1" smtClean="0"/>
-              <a:t>uma</a:t>
-            </a:r>
-            <a:r>
-              <a:rPr lang="en-US" sz="1800" dirty="0" smtClean="0"/>
-              <a:t> </a:t>
-            </a:r>
-            <a:r>
-              <a:rPr lang="en-US" sz="1800" dirty="0" err="1" smtClean="0"/>
+              <a:rPr lang="en-US" dirty="0" smtClean="0"/>
+              <a:t> </a:t>
+            </a:r>
+            <a:r>
+              <a:rPr lang="en-US" dirty="0" err="1" smtClean="0"/>
               <a:t>régua</a:t>
             </a:r>
             <a:r>
-              <a:rPr lang="en-US" sz="1800" dirty="0" smtClean="0"/>
-              <a:t> do que </a:t>
-            </a:r>
-            <a:r>
-              <a:rPr lang="en-US" sz="1800" dirty="0" err="1" smtClean="0"/>
+              <a:rPr lang="en-US" dirty="0" smtClean="0"/>
+              <a:t> do </a:t>
+            </a:r>
+            <a:r>
+              <a:rPr lang="en-US" dirty="0" err="1" smtClean="0"/>
+              <a:t>que</a:t>
+            </a:r>
+            <a:r>
+              <a:rPr lang="en-US" dirty="0" smtClean="0"/>
+              <a:t> com </a:t>
+            </a:r>
+            <a:r>
+              <a:rPr lang="en-US" dirty="0" err="1" smtClean="0"/>
               <a:t>graus</a:t>
             </a:r>
             <a:r>
-              <a:rPr lang="en-US" sz="1800" dirty="0" smtClean="0"/>
-              <a:t> </a:t>
-            </a:r>
-            <a:r>
-              <a:rPr lang="en-US" sz="1800" dirty="0" err="1" smtClean="0"/>
+              <a:rPr lang="en-US" dirty="0" smtClean="0"/>
+              <a:t> </a:t>
+            </a:r>
+            <a:r>
+              <a:rPr lang="en-US" dirty="0" err="1" smtClean="0"/>
               <a:t>ou</a:t>
             </a:r>
             <a:r>
-              <a:rPr lang="en-US" sz="1800" dirty="0" smtClean="0"/>
-              <a:t> </a:t>
-            </a:r>
-            <a:r>
-              <a:rPr lang="en-US" sz="1800" dirty="0" err="1" smtClean="0"/>
+              <a:rPr lang="en-US" dirty="0" smtClean="0"/>
+              <a:t> </a:t>
+            </a:r>
+            <a:r>
+              <a:rPr lang="en-US" dirty="0" err="1" smtClean="0"/>
               <a:t>rotações</a:t>
             </a:r>
             <a:r>
-              <a:rPr lang="en-US" sz="1800" dirty="0" smtClean="0"/>
-              <a:t>. </a:t>
+              <a:rPr lang="en-US" dirty="0" smtClean="0"/>
+              <a:t>.</a:t>
             </a:r>
           </a:p>
           <a:p>
@@ -6102,14 +7418,161 @@
               <a:buChar char="•"/>
             </a:pPr>
             <a:r>
-              <a:rPr lang="pt-BR" sz="1800" dirty="0" smtClean="0"/>
+              <a:rPr lang="en-US" dirty="0" smtClean="0"/>
               <a:t>Se </a:t>
             </a:r>
             <a:r>
-              <a:rPr lang="pt-BR" sz="1800" dirty="0"/>
-              <a:t>você, durante uma temporada, mudar o projeto do seu robô para usar rodas maiores ou menores,  não precisará medir novamente cada movimento do seu robô</a:t>
-            </a:r>
-            <a:endParaRPr lang="en-US" sz="1800" dirty="0"/>
+              <a:rPr lang="en-US" dirty="0" err="1" smtClean="0"/>
+              <a:t>você</a:t>
+            </a:r>
+            <a:r>
+              <a:rPr lang="en-US" dirty="0" smtClean="0"/>
+              <a:t> </a:t>
+            </a:r>
+            <a:r>
+              <a:rPr lang="en-US" dirty="0" err="1" smtClean="0"/>
+              <a:t>mudar</a:t>
+            </a:r>
+            <a:r>
+              <a:rPr lang="en-US" dirty="0" smtClean="0"/>
+              <a:t> o design do </a:t>
+            </a:r>
+            <a:r>
+              <a:rPr lang="en-US" dirty="0" err="1" smtClean="0"/>
+              <a:t>seu</a:t>
+            </a:r>
+            <a:r>
+              <a:rPr lang="en-US" dirty="0" smtClean="0"/>
+              <a:t> </a:t>
+            </a:r>
+            <a:r>
+              <a:rPr lang="en-US" dirty="0" err="1" smtClean="0"/>
+              <a:t>robô</a:t>
+            </a:r>
+            <a:r>
+              <a:rPr lang="en-US" dirty="0" smtClean="0"/>
+              <a:t> para </a:t>
+            </a:r>
+            <a:r>
+              <a:rPr lang="en-US" dirty="0" err="1" smtClean="0"/>
+              <a:t>ter</a:t>
+            </a:r>
+            <a:r>
+              <a:rPr lang="en-US" dirty="0" smtClean="0"/>
+              <a:t> </a:t>
+            </a:r>
+            <a:r>
+              <a:rPr lang="en-US" dirty="0" err="1" smtClean="0"/>
+              <a:t>rodas</a:t>
+            </a:r>
+            <a:r>
+              <a:rPr lang="en-US" dirty="0" smtClean="0"/>
+              <a:t> </a:t>
+            </a:r>
+            <a:r>
+              <a:rPr lang="en-US" dirty="0" err="1" smtClean="0"/>
+              <a:t>maiores</a:t>
+            </a:r>
+            <a:r>
+              <a:rPr lang="en-US" dirty="0" smtClean="0"/>
+              <a:t> </a:t>
+            </a:r>
+            <a:r>
+              <a:rPr lang="en-US" dirty="0" err="1" smtClean="0"/>
+              <a:t>ou</a:t>
+            </a:r>
+            <a:r>
+              <a:rPr lang="en-US" dirty="0"/>
+              <a:t> </a:t>
+            </a:r>
+            <a:r>
+              <a:rPr lang="en-US" dirty="0" err="1" smtClean="0"/>
+              <a:t>menores</a:t>
+            </a:r>
+            <a:r>
+              <a:rPr lang="en-US" dirty="0" smtClean="0"/>
+              <a:t> </a:t>
+            </a:r>
+            <a:r>
+              <a:rPr lang="en-US" dirty="0" err="1" smtClean="0"/>
+              <a:t>depois</a:t>
+            </a:r>
+            <a:r>
+              <a:rPr lang="en-US" dirty="0" smtClean="0"/>
+              <a:t>, </a:t>
+            </a:r>
+            <a:r>
+              <a:rPr lang="en-US" dirty="0" err="1" smtClean="0"/>
+              <a:t>você</a:t>
+            </a:r>
+            <a:r>
+              <a:rPr lang="en-US" dirty="0" smtClean="0"/>
+              <a:t> </a:t>
+            </a:r>
+            <a:r>
+              <a:rPr lang="en-US" dirty="0" err="1" smtClean="0"/>
+              <a:t>não</a:t>
+            </a:r>
+            <a:r>
+              <a:rPr lang="en-US" dirty="0" smtClean="0"/>
+              <a:t> </a:t>
+            </a:r>
+            <a:r>
+              <a:rPr lang="en-US" dirty="0" err="1" smtClean="0"/>
+              <a:t>precisará</a:t>
+            </a:r>
+            <a:r>
+              <a:rPr lang="en-US" dirty="0" smtClean="0"/>
+              <a:t> </a:t>
+            </a:r>
+            <a:r>
+              <a:rPr lang="en-US" dirty="0" err="1" smtClean="0"/>
+              <a:t>remedir</a:t>
+            </a:r>
+            <a:r>
+              <a:rPr lang="en-US" dirty="0" smtClean="0"/>
+              <a:t> </a:t>
+            </a:r>
+            <a:r>
+              <a:rPr lang="en-US" dirty="0" err="1" smtClean="0"/>
+              <a:t>todos</a:t>
+            </a:r>
+            <a:r>
+              <a:rPr lang="en-US" dirty="0" smtClean="0"/>
+              <a:t> </a:t>
+            </a:r>
+            <a:r>
+              <a:rPr lang="en-US" dirty="0" err="1" smtClean="0"/>
+              <a:t>os</a:t>
+            </a:r>
+            <a:r>
+              <a:rPr lang="en-US" dirty="0" smtClean="0"/>
+              <a:t> </a:t>
+            </a:r>
+            <a:r>
+              <a:rPr lang="en-US" dirty="0" err="1" smtClean="0"/>
+              <a:t>movimentos</a:t>
+            </a:r>
+            <a:r>
+              <a:rPr lang="en-US" dirty="0" smtClean="0"/>
+              <a:t> do </a:t>
+            </a:r>
+            <a:r>
+              <a:rPr lang="en-US" dirty="0" err="1" smtClean="0"/>
+              <a:t>seu</a:t>
+            </a:r>
+            <a:r>
+              <a:rPr lang="en-US" dirty="0" smtClean="0"/>
+              <a:t> </a:t>
+            </a:r>
+            <a:r>
+              <a:rPr lang="en-US" dirty="0" err="1" smtClean="0"/>
+              <a:t>robô</a:t>
+            </a:r>
+            <a:r>
+              <a:rPr lang="en-US" dirty="0" smtClean="0"/>
+              <a:t>.</a:t>
+            </a:r>
           </a:p>
           <a:p>
             <a:pPr marL="742950" lvl="1" indent="-285750">
@@ -6117,14 +7580,166 @@
               <a:buChar char="•"/>
             </a:pPr>
             <a:r>
-              <a:rPr lang="pt-BR" sz="1800" dirty="0"/>
-              <a:t>Ao invés de mudar as distâncias em cada programa que você escreveu, vá para o seu fantástico Bloco de Mover Distância e mude a medida em polegadas/centímetros que corresponde uma rotação do motor</a:t>
-            </a:r>
-            <a:r>
-              <a:rPr lang="pt-BR" sz="1800" dirty="0" smtClean="0"/>
+              <a:rPr lang="en-US" dirty="0" err="1" smtClean="0"/>
+              <a:t>Ao</a:t>
+            </a:r>
+            <a:r>
+              <a:rPr lang="en-US" dirty="0" smtClean="0"/>
+              <a:t> </a:t>
+            </a:r>
+            <a:r>
+              <a:rPr lang="en-US" dirty="0" err="1" smtClean="0"/>
+              <a:t>invés</a:t>
+            </a:r>
+            <a:r>
+              <a:rPr lang="en-US" dirty="0" smtClean="0"/>
+              <a:t> de </a:t>
+            </a:r>
+            <a:r>
+              <a:rPr lang="en-US" dirty="0" err="1" smtClean="0"/>
+              <a:t>mudar</a:t>
+            </a:r>
+            <a:r>
+              <a:rPr lang="en-US" dirty="0" smtClean="0"/>
+              <a:t> </a:t>
+            </a:r>
+            <a:r>
+              <a:rPr lang="en-US" dirty="0" err="1" smtClean="0"/>
+              <a:t>todas</a:t>
+            </a:r>
+            <a:r>
+              <a:rPr lang="en-US" dirty="0" smtClean="0"/>
+              <a:t> as </a:t>
+            </a:r>
+            <a:r>
+              <a:rPr lang="en-US" dirty="0" err="1" smtClean="0"/>
+              <a:t>distâncias</a:t>
+            </a:r>
+            <a:r>
+              <a:rPr lang="en-US" dirty="0" smtClean="0"/>
+              <a:t> </a:t>
+            </a:r>
+            <a:r>
+              <a:rPr lang="en-US" dirty="0" err="1" smtClean="0"/>
+              <a:t>em</a:t>
+            </a:r>
+            <a:r>
+              <a:rPr lang="en-US" dirty="0" smtClean="0"/>
+              <a:t> </a:t>
+            </a:r>
+            <a:r>
+              <a:rPr lang="en-US" dirty="0" err="1" smtClean="0"/>
+              <a:t>cada</a:t>
+            </a:r>
+            <a:r>
+              <a:rPr lang="en-US" dirty="0" smtClean="0"/>
+              <a:t> </a:t>
+            </a:r>
+            <a:r>
+              <a:rPr lang="en-US" dirty="0" err="1" smtClean="0"/>
+              <a:t>programa</a:t>
+            </a:r>
+            <a:r>
+              <a:rPr lang="en-US" dirty="0" smtClean="0"/>
+              <a:t> </a:t>
+            </a:r>
+            <a:r>
+              <a:rPr lang="en-US" dirty="0" err="1" smtClean="0"/>
+              <a:t>que</a:t>
+            </a:r>
+            <a:r>
+              <a:rPr lang="en-US" dirty="0" smtClean="0"/>
+              <a:t> </a:t>
+            </a:r>
+            <a:r>
+              <a:rPr lang="en-US" dirty="0" err="1" smtClean="0"/>
+              <a:t>você</a:t>
+            </a:r>
+            <a:r>
+              <a:rPr lang="en-US" dirty="0" smtClean="0"/>
+              <a:t> </a:t>
+            </a:r>
+            <a:r>
+              <a:rPr lang="en-US" dirty="0" err="1" smtClean="0"/>
+              <a:t>escreveu</a:t>
+            </a:r>
+            <a:r>
+              <a:rPr lang="en-US" dirty="0" smtClean="0"/>
+              <a:t>, </a:t>
+            </a:r>
+            <a:r>
+              <a:rPr lang="en-US" dirty="0" err="1" smtClean="0"/>
+              <a:t>apenas</a:t>
+            </a:r>
+            <a:r>
+              <a:rPr lang="en-US" dirty="0" smtClean="0"/>
+              <a:t> </a:t>
+            </a:r>
+            <a:r>
+              <a:rPr lang="en-US" dirty="0" err="1" smtClean="0"/>
+              <a:t>vá</a:t>
+            </a:r>
+            <a:r>
+              <a:rPr lang="en-US" dirty="0" smtClean="0"/>
+              <a:t> no </a:t>
+            </a:r>
+            <a:r>
+              <a:rPr lang="en-US" dirty="0" err="1" smtClean="0"/>
+              <a:t>seu</a:t>
+            </a:r>
+            <a:r>
+              <a:rPr lang="en-US" dirty="0" smtClean="0"/>
+              <a:t> </a:t>
+            </a:r>
+            <a:r>
+              <a:rPr lang="en-US" dirty="0" err="1" smtClean="0"/>
+              <a:t>Bloco</a:t>
+            </a:r>
+            <a:r>
+              <a:rPr lang="en-US" dirty="0" smtClean="0"/>
+              <a:t> Mover </a:t>
+            </a:r>
+            <a:r>
+              <a:rPr lang="en-US" dirty="0" err="1" smtClean="0"/>
+              <a:t>Distância</a:t>
+            </a:r>
+            <a:r>
+              <a:rPr lang="en-US" dirty="0" smtClean="0"/>
+              <a:t> e mudra o valor para </a:t>
+            </a:r>
+            <a:r>
+              <a:rPr lang="en-US" dirty="0" err="1" smtClean="0"/>
+              <a:t>quantos</a:t>
+            </a:r>
+            <a:r>
+              <a:rPr lang="en-US" dirty="0" smtClean="0"/>
+              <a:t> cm/</a:t>
+            </a:r>
+            <a:r>
+              <a:rPr lang="en-US" dirty="0" err="1" smtClean="0"/>
+              <a:t>polegadas</a:t>
+            </a:r>
+            <a:r>
+              <a:rPr lang="en-US" dirty="0" smtClean="0"/>
+              <a:t> um motor </a:t>
+            </a:r>
+            <a:r>
+              <a:rPr lang="en-US" dirty="0" err="1" smtClean="0"/>
+              <a:t>deverá</a:t>
+            </a:r>
+            <a:r>
+              <a:rPr lang="en-US" dirty="0" smtClean="0"/>
+              <a:t> </a:t>
+            </a:r>
+            <a:r>
+              <a:rPr lang="en-US" dirty="0" err="1" smtClean="0"/>
+              <a:t>fazer</a:t>
+            </a:r>
+            <a:r>
+              <a:rPr lang="en-US" dirty="0" smtClean="0"/>
               <a:t>.</a:t>
             </a:r>
-            <a:endParaRPr lang="en-US" sz="1800" dirty="0"/>
+            <a:endParaRPr lang="en-US" dirty="0"/>
           </a:p>
         </p:txBody>
       </p:sp>
@@ -6144,9 +7759,10 @@
           <a:lstStyle/>
           <a:p>
             <a:r>
-              <a:rPr lang="en-US"/>
-              <a:t>© 2015, EV3Lessons.com, (última edição 28/2/2015)</a:t>
-            </a:r>
+              <a:rPr lang="en-US" smtClean="0"/>
+              <a:t>© 2015, EV3Lessons.com, (last edit 11/02/2015)</a:t>
+            </a:r>
+            <a:endParaRPr lang="en-US"/>
           </a:p>
         </p:txBody>
       </p:sp>
@@ -6172,37 +7788,8 @@
         </p:blipFill>
         <p:spPr>
           <a:xfrm>
-            <a:off x="6198218" y="1524318"/>
-            <a:ext cx="2399946" cy="783853"/>
-          </a:xfrm>
-          <a:prstGeom prst="rect">
-            <a:avLst/>
-          </a:prstGeom>
-        </p:spPr>
-      </p:pic>
-      <p:pic>
-        <p:nvPicPr>
-          <p:cNvPr id="6" name="Picture 5" descr="images.jpg"/>
-          <p:cNvPicPr>
-            <a:picLocks noChangeAspect="1"/>
-          </p:cNvPicPr>
-          <p:nvPr/>
-        </p:nvPicPr>
-        <p:blipFill rotWithShape="1">
-          <a:blip r:embed="rId3">
-            <a:extLst>
-              <a:ext uri="{28A0092B-C50C-407E-A947-70E740481C1C}">
-                <a14:useLocalDpi xmlns:a14="http://schemas.microsoft.com/office/drawing/2010/main" val="0"/>
-              </a:ext>
-            </a:extLst>
-          </a:blip>
-          <a:srcRect l="10316" t="8244" r="8043" b="12665"/>
-          <a:stretch/>
-        </p:blipFill>
-        <p:spPr>
-          <a:xfrm>
-            <a:off x="5861712" y="2464213"/>
-            <a:ext cx="3006841" cy="1747745"/>
+            <a:off x="4579936" y="5496620"/>
+            <a:ext cx="3484790" cy="1138177"/>
           </a:xfrm>
           <a:prstGeom prst="rect">
             <a:avLst/>
@@ -6293,34 +7880,44 @@
           <a:lstStyle/>
           <a:p>
             <a:r>
-              <a:rPr lang="en-US" dirty="0" smtClean="0"/>
-              <a:t>My blocks com entradas e </a:t>
-            </a:r>
-            <a:r>
-              <a:rPr lang="en-US" dirty="0" err="1" smtClean="0"/>
-              <a:t>saídas</a:t>
-            </a:r>
-            <a:r>
-              <a:rPr lang="en-US" dirty="0" smtClean="0"/>
-              <a:t> (</a:t>
-            </a:r>
-            <a:r>
-              <a:rPr lang="en-US">
-                <a:latin typeface="Courier"/>
-                <a:cs typeface="Courier"/>
-              </a:rPr>
-              <a:t>Move </a:t>
-            </a:r>
-            <a:r>
-              <a:rPr lang="en-US" smtClean="0">
-                <a:latin typeface="Courier"/>
-                <a:cs typeface="Courier"/>
-              </a:rPr>
-              <a:t>Polegadas</a:t>
-            </a:r>
-            <a:r>
-              <a:rPr lang="en-US" smtClean="0"/>
-              <a:t>)</a:t>
+              <a:rPr lang="en-US" dirty="0" err="1" smtClean="0"/>
+              <a:t>MOVEr_CM</a:t>
+            </a:r>
+            <a:r>
+              <a:rPr lang="en-US" dirty="0" smtClean="0"/>
+              <a:t> </a:t>
+            </a:r>
+            <a:r>
+              <a:rPr lang="en-US" dirty="0" err="1" smtClean="0"/>
+              <a:t>em</a:t>
+            </a:r>
+            <a:r>
+              <a:rPr lang="en-US" dirty="0" smtClean="0"/>
+              <a:t> </a:t>
+            </a:r>
+            <a:r>
+              <a:rPr lang="en-US" dirty="0" err="1" smtClean="0"/>
+              <a:t>três</a:t>
+            </a:r>
+            <a:r>
+              <a:rPr lang="en-US" dirty="0" smtClean="0"/>
+              <a:t> </a:t>
+            </a:r>
+            <a:r>
+              <a:rPr lang="en-US" dirty="0" err="1" smtClean="0"/>
+              <a:t>passos</a:t>
+            </a:r>
+            <a:r>
+              <a:rPr lang="en-US" dirty="0" smtClean="0"/>
+              <a:t> </a:t>
+            </a:r>
+            <a:r>
+              <a:rPr lang="en-US" dirty="0" err="1" smtClean="0"/>
+              <a:t>fáceis</a:t>
+            </a:r>
+            <a:r>
+              <a:rPr lang="en-US" dirty="0" smtClean="0"/>
+              <a:t>.</a:t>
             </a:r>
             <a:endParaRPr lang="en-US" dirty="0"/>
           </a:p>
@@ -6339,81 +7936,223 @@
         <p:spPr>
           <a:xfrm>
             <a:off x="457200" y="1550884"/>
-            <a:ext cx="3917374" cy="4373563"/>
+            <a:ext cx="7940842" cy="4373563"/>
           </a:xfrm>
         </p:spPr>
         <p:txBody>
           <a:bodyPr>
-            <a:normAutofit fontScale="92500" lnSpcReduction="10000"/>
+            <a:normAutofit/>
           </a:bodyPr>
           <a:lstStyle/>
+          <a:p>
+            <a:r>
+              <a:rPr lang="en-US" dirty="0" smtClean="0"/>
+              <a:t>PASSO 1: </a:t>
+            </a:r>
+            <a:r>
+              <a:rPr lang="en-US" b="0" dirty="0" smtClean="0"/>
+              <a:t>Determine </a:t>
+            </a:r>
+            <a:r>
+              <a:rPr lang="en-US" b="0" dirty="0" err="1" smtClean="0"/>
+              <a:t>quantos</a:t>
+            </a:r>
+            <a:r>
+              <a:rPr lang="en-US" b="0" dirty="0" smtClean="0"/>
+              <a:t> </a:t>
+            </a:r>
+            <a:r>
+              <a:rPr lang="en-US" b="0" dirty="0" err="1" smtClean="0"/>
+              <a:t>graus</a:t>
+            </a:r>
+            <a:r>
+              <a:rPr lang="en-US" b="0" dirty="0" smtClean="0"/>
+              <a:t> o </a:t>
+            </a:r>
+            <a:r>
+              <a:rPr lang="en-US" b="0" dirty="0" err="1" smtClean="0"/>
+              <a:t>seu</a:t>
+            </a:r>
+            <a:r>
+              <a:rPr lang="en-US" b="0" dirty="0" smtClean="0"/>
+              <a:t> </a:t>
+            </a:r>
+            <a:r>
+              <a:rPr lang="en-US" b="0" dirty="0" err="1" smtClean="0"/>
+              <a:t>robô</a:t>
+            </a:r>
+            <a:r>
+              <a:rPr lang="en-US" b="0" dirty="0" smtClean="0"/>
+              <a:t> move </a:t>
+            </a:r>
+            <a:r>
+              <a:rPr lang="en-US" b="0" dirty="0" err="1" smtClean="0"/>
+              <a:t>em</a:t>
+            </a:r>
+            <a:r>
+              <a:rPr lang="en-US" b="0" dirty="0"/>
+              <a:t> </a:t>
+            </a:r>
+            <a:r>
+              <a:rPr lang="en-US" b="0" dirty="0" smtClean="0"/>
+              <a:t>1cm.</a:t>
+            </a:r>
+          </a:p>
+          <a:p>
+            <a:r>
+              <a:rPr lang="en-US" b="0" dirty="0"/>
+              <a:t>	</a:t>
+            </a:r>
+            <a:r>
+              <a:rPr lang="en-US" b="0" dirty="0" smtClean="0"/>
+              <a:t>PASSO 1A: </a:t>
+            </a:r>
+            <a:r>
+              <a:rPr lang="en-US" b="0" dirty="0" err="1" smtClean="0"/>
+              <a:t>Medidas</a:t>
+            </a:r>
+            <a:r>
+              <a:rPr lang="en-US" b="0" dirty="0" smtClean="0"/>
+              <a:t> da </a:t>
+            </a:r>
+            <a:r>
+              <a:rPr lang="en-US" b="0" dirty="0" err="1" smtClean="0"/>
+              <a:t>roda</a:t>
+            </a:r>
+            <a:r>
+              <a:rPr lang="en-US" b="0" dirty="0" smtClean="0"/>
+              <a:t>.</a:t>
+            </a:r>
+          </a:p>
+          <a:p>
+            <a:r>
+              <a:rPr lang="en-US" b="0" dirty="0"/>
+              <a:t>	</a:t>
+            </a:r>
+            <a:r>
+              <a:rPr lang="en-US" b="0" dirty="0" smtClean="0"/>
+              <a:t>PASSO 1B: </a:t>
+            </a:r>
+            <a:r>
+              <a:rPr lang="en-US" b="0" dirty="0" err="1" smtClean="0"/>
+              <a:t>Programe</a:t>
+            </a:r>
+            <a:r>
+              <a:rPr lang="en-US" b="0" dirty="0" smtClean="0"/>
+              <a:t> o </a:t>
+            </a:r>
+            <a:r>
+              <a:rPr lang="en-US" b="0" dirty="0" err="1" smtClean="0"/>
+              <a:t>robô</a:t>
+            </a:r>
+            <a:r>
+              <a:rPr lang="en-US" b="0" dirty="0" smtClean="0"/>
+              <a:t> para mover 1cm.</a:t>
+            </a:r>
+          </a:p>
+          <a:p>
+            <a:endParaRPr lang="en-US" b="0" dirty="0"/>
+          </a:p>
+          <a:p>
+            <a:r>
+              <a:rPr lang="en-US" dirty="0" smtClean="0"/>
+              <a:t>PASSO 2: </a:t>
+            </a:r>
+            <a:r>
+              <a:rPr lang="en-US" b="0" dirty="0" err="1" smtClean="0"/>
+              <a:t>Adicione</a:t>
+            </a:r>
+            <a:r>
+              <a:rPr lang="en-US" b="0" dirty="0" smtClean="0"/>
+              <a:t> um </a:t>
+            </a:r>
+            <a:r>
+              <a:rPr lang="en-US" b="0" dirty="0" err="1" smtClean="0"/>
+              <a:t>bloco</a:t>
+            </a:r>
+            <a:r>
+              <a:rPr lang="en-US" b="0" dirty="0" smtClean="0"/>
+              <a:t> </a:t>
+            </a:r>
+            <a:r>
+              <a:rPr lang="en-US" b="0" dirty="0" err="1" smtClean="0"/>
+              <a:t>matemático</a:t>
+            </a:r>
+            <a:r>
+              <a:rPr lang="en-US" b="0" dirty="0" smtClean="0"/>
+              <a:t> para converter </a:t>
+            </a:r>
+            <a:r>
+              <a:rPr lang="en-US" b="0" dirty="0" err="1" smtClean="0"/>
+              <a:t>os</a:t>
+            </a:r>
+            <a:r>
+              <a:rPr lang="en-US" b="0" dirty="0" smtClean="0"/>
+              <a:t> </a:t>
+            </a:r>
+            <a:r>
+              <a:rPr lang="en-US" b="0" dirty="0" err="1" smtClean="0"/>
+              <a:t>centímetros</a:t>
+            </a:r>
+            <a:r>
+              <a:rPr lang="en-US" b="0" dirty="0" smtClean="0"/>
+              <a:t> para </a:t>
+            </a:r>
+            <a:r>
+              <a:rPr lang="en-US" b="0" dirty="0" err="1" smtClean="0"/>
+              <a:t>graus</a:t>
+            </a:r>
+            <a:r>
+              <a:rPr lang="en-US" b="0" dirty="0" smtClean="0"/>
+              <a:t>.</a:t>
+            </a:r>
+          </a:p>
+          <a:p>
+            <a:endParaRPr lang="en-US" b="0" dirty="0"/>
+          </a:p>
+          <a:p>
+            <a:r>
+              <a:rPr lang="en-US" dirty="0" smtClean="0"/>
+              <a:t>PASSO 3: </a:t>
+            </a:r>
+            <a:r>
+              <a:rPr lang="en-US" b="0" dirty="0" err="1" smtClean="0"/>
+              <a:t>Crie</a:t>
+            </a:r>
+            <a:r>
+              <a:rPr lang="en-US" b="0" dirty="0" smtClean="0"/>
+              <a:t> um </a:t>
+            </a:r>
+            <a:r>
+              <a:rPr lang="en-US" b="0" dirty="0" err="1" smtClean="0"/>
+              <a:t>Mover_CM</a:t>
+            </a:r>
+            <a:r>
+              <a:rPr lang="en-US" b="0" dirty="0" smtClean="0"/>
+              <a:t> My Block com 2 entradas (</a:t>
+            </a:r>
+            <a:r>
+              <a:rPr lang="en-US" b="0" dirty="0" err="1" smtClean="0"/>
+              <a:t>força</a:t>
+            </a:r>
+            <a:r>
+              <a:rPr lang="en-US" b="0" dirty="0" smtClean="0"/>
+              <a:t> e </a:t>
+            </a:r>
+            <a:r>
+              <a:rPr lang="en-US" b="0" dirty="0" err="1" smtClean="0"/>
+              <a:t>graus</a:t>
+            </a:r>
+            <a:r>
+              <a:rPr lang="en-US" b="0" dirty="0" smtClean="0"/>
+              <a:t>).</a:t>
+            </a:r>
+          </a:p>
           <a:p>
             <a:pPr marL="342900" indent="-342900">
               <a:buFont typeface="Arial" panose="020B0604020202020204" pitchFamily="34" charset="0"/>
               <a:buChar char="•"/>
             </a:pPr>
-            <a:r>
-              <a:rPr lang="pt-BR" b="0" dirty="0"/>
-              <a:t>Os próximos slides e o arquivo de código correspondente irão ensinar a desenvolver um </a:t>
-            </a:r>
-            <a:r>
-              <a:rPr lang="pt-BR" b="0" dirty="0" err="1"/>
-              <a:t>My</a:t>
-            </a:r>
-            <a:r>
-              <a:rPr lang="pt-BR" b="0" dirty="0"/>
-              <a:t> </a:t>
-            </a:r>
-            <a:r>
-              <a:rPr lang="pt-BR" b="0" dirty="0" err="1"/>
-              <a:t>Block</a:t>
-            </a:r>
-            <a:r>
-              <a:rPr lang="pt-BR" b="0" dirty="0"/>
-              <a:t> para mover distância específico chamado Move Inches</a:t>
-            </a:r>
-            <a:r>
-              <a:rPr lang="pt-BR" b="0" dirty="0" smtClean="0"/>
-              <a:t>.</a:t>
-            </a:r>
-          </a:p>
-          <a:p>
-            <a:pPr marL="342900" indent="-342900">
-              <a:buFont typeface="Arial" panose="020B0604020202020204" pitchFamily="34" charset="0"/>
-              <a:buChar char="•"/>
-            </a:pPr>
-            <a:r>
-              <a:rPr lang="pt-BR" b="0" dirty="0"/>
-              <a:t>Você pode facilmente converter o código para usar CM (centímetro</a:t>
-            </a:r>
-            <a:r>
-              <a:rPr lang="pt-BR" b="0" dirty="0" smtClean="0"/>
-              <a:t>)</a:t>
-            </a:r>
-          </a:p>
-          <a:p>
-            <a:pPr marL="342900" indent="-342900">
-              <a:buFont typeface="Arial" panose="020B0604020202020204" pitchFamily="34" charset="0"/>
-              <a:buChar char="•"/>
-            </a:pPr>
-            <a:r>
-              <a:rPr lang="pt-BR" b="0" dirty="0"/>
-              <a:t>No arquivo de código, comece na Fase 1</a:t>
-            </a:r>
-            <a:r>
-              <a:rPr lang="pt-BR" b="0" dirty="0" smtClean="0"/>
-              <a:t>.</a:t>
-            </a:r>
-          </a:p>
-          <a:p>
-            <a:pPr marL="342900" indent="-342900">
-              <a:buFont typeface="Arial" panose="020B0604020202020204" pitchFamily="34" charset="0"/>
-              <a:buChar char="•"/>
-            </a:pPr>
-            <a:r>
-              <a:rPr lang="pt-BR" b="0" dirty="0"/>
-              <a:t>Há também uma planilha e uma calculadora automática que irá ajudar nesta lição.</a:t>
-            </a:r>
             <a:endParaRPr lang="en-US" b="0" dirty="0"/>
           </a:p>
         </p:txBody>
@@ -6434,9 +8173,10 @@
           <a:lstStyle/>
           <a:p>
             <a:r>
-              <a:rPr lang="en-US"/>
-              <a:t>© 2015, EV3Lessons.com, (última edição 28/2/2015)</a:t>
-            </a:r>
+              <a:rPr lang="en-US" smtClean="0"/>
+              <a:t>© 2015, EV3Lessons.com, (last edit 11/02/2015)</a:t>
+            </a:r>
+            <a:endParaRPr lang="en-US"/>
           </a:p>
         </p:txBody>
       </p:sp>
@@ -6463,30 +8203,6 @@
           </a:p>
         </p:txBody>
       </p:sp>
-      <p:pic>
-        <p:nvPicPr>
-          <p:cNvPr id="7" name="Picture 6"/>
-          <p:cNvPicPr>
-            <a:picLocks noChangeAspect="1"/>
-          </p:cNvPicPr>
-          <p:nvPr/>
-        </p:nvPicPr>
-        <p:blipFill>
-          <a:blip r:embed="rId3"/>
-          <a:stretch>
-            <a:fillRect/>
-          </a:stretch>
-        </p:blipFill>
-        <p:spPr>
-          <a:xfrm>
-            <a:off x="4674253" y="1355884"/>
-            <a:ext cx="3381375" cy="5305425"/>
-          </a:xfrm>
-          <a:prstGeom prst="rect">
-            <a:avLst/>
-          </a:prstGeom>
-        </p:spPr>
-      </p:pic>
     </p:spTree>
     <p:extLst>
       <p:ext uri="{BB962C8B-B14F-4D97-AF65-F5344CB8AC3E}">
@@ -6536,28 +8252,66 @@
         </p:nvSpPr>
         <p:spPr/>
         <p:txBody>
-          <a:bodyPr/>
+          <a:bodyPr>
+            <a:normAutofit fontScale="90000"/>
+          </a:bodyPr>
           <a:lstStyle/>
           <a:p>
             <a:r>
               <a:rPr lang="en-US" dirty="0" err="1" smtClean="0"/>
-              <a:t>Fase</a:t>
-            </a:r>
-            <a:r>
-              <a:rPr lang="en-US" dirty="0" smtClean="0"/>
-              <a:t> 1: </a:t>
-            </a:r>
-            <a:r>
-              <a:rPr lang="en-US" dirty="0" err="1" smtClean="0"/>
-              <a:t>Medir</a:t>
-            </a:r>
-            <a:r>
-              <a:rPr lang="en-US" dirty="0" smtClean="0"/>
-              <a:t> </a:t>
-            </a:r>
-            <a:r>
-              <a:rPr lang="en-US" dirty="0" err="1" smtClean="0"/>
-              <a:t>rodas</a:t>
+              <a:t>passo</a:t>
+            </a:r>
+            <a:r>
+              <a:rPr lang="en-US" dirty="0" smtClean="0"/>
+              <a:t> 1A: </a:t>
+            </a:r>
+            <a:r>
+              <a:rPr lang="en-US" dirty="0" err="1" smtClean="0"/>
+              <a:t>quantos</a:t>
+            </a:r>
+            <a:r>
+              <a:rPr lang="en-US" dirty="0" smtClean="0"/>
+              <a:t> </a:t>
+            </a:r>
+            <a:r>
+              <a:rPr lang="en-US" dirty="0" err="1" smtClean="0"/>
+              <a:t>graus</a:t>
+            </a:r>
+            <a:r>
+              <a:rPr lang="en-US" dirty="0" smtClean="0"/>
+              <a:t> o </a:t>
+            </a:r>
+            <a:r>
+              <a:rPr lang="en-US" dirty="0" err="1" smtClean="0"/>
+              <a:t>seu</a:t>
+            </a:r>
+            <a:r>
+              <a:rPr lang="en-US" dirty="0" smtClean="0"/>
+              <a:t> </a:t>
+            </a:r>
+            <a:r>
+              <a:rPr lang="en-US" dirty="0" err="1" smtClean="0"/>
+              <a:t>robô</a:t>
+            </a:r>
+            <a:r>
+              <a:rPr lang="en-US" dirty="0" smtClean="0"/>
+              <a:t> move </a:t>
+            </a:r>
+            <a:r>
+              <a:rPr lang="en-US" dirty="0" err="1" smtClean="0"/>
+              <a:t>em</a:t>
+            </a:r>
+            <a:r>
+              <a:rPr lang="en-US" dirty="0" smtClean="0"/>
+              <a:t> 1 </a:t>
+            </a:r>
+            <a:r>
+              <a:rPr lang="en-US" dirty="0" err="1" smtClean="0"/>
+              <a:t>centímetro</a:t>
+            </a:r>
+            <a:r>
+              <a:rPr lang="en-US" dirty="0" smtClean="0"/>
+              <a:t>?</a:t>
             </a:r>
             <a:endParaRPr lang="en-US" dirty="0"/>
           </a:p>
@@ -6579,9 +8333,10 @@
           <a:lstStyle/>
           <a:p>
             <a:r>
-              <a:rPr lang="en-US"/>
-              <a:t>© 2015, EV3Lessons.com, (última edição 28/2/2015)</a:t>
-            </a:r>
+              <a:rPr lang="en-US" smtClean="0"/>
+              <a:t>© 2015, EV3Lessons.com, (last edit 11/02/2015)</a:t>
+            </a:r>
+            <a:endParaRPr lang="en-US"/>
           </a:p>
         </p:txBody>
       </p:sp>
@@ -6608,34 +8363,636 @@
           </a:p>
         </p:txBody>
       </p:sp>
-      <p:pic>
-        <p:nvPicPr>
-          <p:cNvPr id="5" name="Picture 4"/>
-          <p:cNvPicPr>
-            <a:picLocks noChangeAspect="1"/>
-          </p:cNvPicPr>
+      <p:sp>
+        <p:nvSpPr>
+          <p:cNvPr id="10" name="TextBox 9"/>
+          <p:cNvSpPr txBox="1"/>
           <p:nvPr/>
-        </p:nvPicPr>
-        <p:blipFill>
-          <a:blip r:embed="rId2"/>
-          <a:stretch>
-            <a:fillRect/>
-          </a:stretch>
-        </p:blipFill>
+        </p:nvSpPr>
         <p:spPr>
           <a:xfrm>
-            <a:off x="573741" y="1316971"/>
-            <a:ext cx="7543800" cy="4295775"/>
+            <a:off x="536787" y="1868359"/>
+            <a:ext cx="7742722" cy="2062103"/>
+          </a:xfrm>
+          <a:prstGeom prst="rect">
+            <a:avLst/>
+          </a:prstGeom>
+          <a:noFill/>
+        </p:spPr>
+        <p:txBody>
+          <a:bodyPr wrap="square" rtlCol="0">
+            <a:spAutoFit/>
+          </a:bodyPr>
+          <a:lstStyle/>
+          <a:p>
+            <a:r>
+              <a:rPr lang="en-US" sz="1600" b="1" dirty="0" err="1" smtClean="0"/>
+              <a:t>Método</a:t>
+            </a:r>
+            <a:r>
+              <a:rPr lang="en-US" sz="1600" b="1" dirty="0" smtClean="0"/>
+              <a:t> 1: </a:t>
+            </a:r>
+          </a:p>
+          <a:p>
+            <a:pPr marL="800100" lvl="1" indent="-342900">
+              <a:buAutoNum type="arabicPeriod"/>
+            </a:pPr>
+            <a:r>
+              <a:rPr lang="en-US" sz="1600" dirty="0" err="1" smtClean="0"/>
+              <a:t>Veja</a:t>
+            </a:r>
+            <a:r>
+              <a:rPr lang="en-US" sz="1600" dirty="0" smtClean="0"/>
+              <a:t> o </a:t>
+            </a:r>
+            <a:r>
+              <a:rPr lang="en-US" sz="1600" dirty="0" err="1" smtClean="0"/>
+              <a:t>tamanho</a:t>
+            </a:r>
+            <a:r>
+              <a:rPr lang="en-US" sz="1600" dirty="0" smtClean="0"/>
+              <a:t> da </a:t>
+            </a:r>
+            <a:r>
+              <a:rPr lang="en-US" sz="1600" dirty="0" err="1" smtClean="0"/>
+              <a:t>roda</a:t>
+            </a:r>
+            <a:r>
+              <a:rPr lang="en-US" sz="1600" dirty="0" smtClean="0"/>
+              <a:t> </a:t>
+            </a:r>
+            <a:r>
+              <a:rPr lang="en-US" sz="1600" dirty="0" err="1" smtClean="0"/>
+              <a:t>em</a:t>
+            </a:r>
+            <a:r>
+              <a:rPr lang="en-US" sz="1600" dirty="0" smtClean="0"/>
+              <a:t> mm </a:t>
+            </a:r>
+            <a:r>
+              <a:rPr lang="en-US" sz="1600" dirty="0" err="1" smtClean="0"/>
+              <a:t>impresso</a:t>
+            </a:r>
+            <a:r>
+              <a:rPr lang="en-US" sz="1600" dirty="0" smtClean="0"/>
+              <a:t> no </a:t>
+            </a:r>
+            <a:r>
+              <a:rPr lang="en-US" sz="1600" dirty="0" err="1" smtClean="0"/>
+              <a:t>seu</a:t>
+            </a:r>
+            <a:r>
+              <a:rPr lang="en-US" sz="1600" dirty="0" smtClean="0"/>
+              <a:t> </a:t>
+            </a:r>
+            <a:r>
+              <a:rPr lang="en-US" sz="1600" dirty="0" err="1" smtClean="0"/>
+              <a:t>pneu</a:t>
+            </a:r>
+            <a:r>
+              <a:rPr lang="en-US" sz="1600" dirty="0" smtClean="0"/>
+              <a:t> e </a:t>
+            </a:r>
+            <a:r>
+              <a:rPr lang="en-US" sz="1600" dirty="0" err="1" smtClean="0"/>
+              <a:t>divida</a:t>
+            </a:r>
+            <a:r>
+              <a:rPr lang="en-US" sz="1600" dirty="0" smtClean="0"/>
+              <a:t> </a:t>
+            </a:r>
+            <a:r>
+              <a:rPr lang="en-US" sz="1600" dirty="0" err="1" smtClean="0"/>
+              <a:t>por</a:t>
+            </a:r>
+            <a:r>
+              <a:rPr lang="en-US" sz="1600" dirty="0" smtClean="0"/>
+              <a:t> 10 para converter para cm (</a:t>
+            </a:r>
+            <a:r>
+              <a:rPr lang="en-US" sz="1600" dirty="0" err="1" smtClean="0"/>
+              <a:t>porque</a:t>
+            </a:r>
+            <a:r>
+              <a:rPr lang="en-US" sz="1600" dirty="0" smtClean="0"/>
+              <a:t> 1cm=10mm).</a:t>
+            </a:r>
+          </a:p>
+          <a:p>
+            <a:pPr marL="800100" lvl="1" indent="-342900">
+              <a:buAutoNum type="arabicPeriod"/>
+            </a:pPr>
+            <a:r>
+              <a:rPr lang="en-US" sz="1600" dirty="0" err="1" smtClean="0"/>
+              <a:t>Multiplique</a:t>
+            </a:r>
+            <a:r>
+              <a:rPr lang="en-US" sz="1600" dirty="0" smtClean="0"/>
+              <a:t> a </a:t>
+            </a:r>
+            <a:r>
+              <a:rPr lang="en-US" sz="1600" dirty="0" err="1" smtClean="0"/>
+              <a:t>resposta</a:t>
+            </a:r>
+            <a:r>
+              <a:rPr lang="en-US" sz="1600" dirty="0" smtClean="0"/>
+              <a:t> do </a:t>
+            </a:r>
+            <a:r>
+              <a:rPr lang="en-US" sz="1600" dirty="0" err="1" smtClean="0"/>
+              <a:t>passo</a:t>
+            </a:r>
+            <a:r>
+              <a:rPr lang="en-US" sz="1600" dirty="0" smtClean="0"/>
+              <a:t> 1 </a:t>
+            </a:r>
+            <a:r>
+              <a:rPr lang="en-US" sz="1600" dirty="0" err="1" smtClean="0"/>
+              <a:t>por</a:t>
+            </a:r>
+            <a:r>
+              <a:rPr lang="en-US" sz="1600" dirty="0" smtClean="0"/>
+              <a:t> </a:t>
+            </a:r>
+            <a:r>
+              <a:rPr lang="el-GR" sz="1600" dirty="0" smtClean="0"/>
+              <a:t>π</a:t>
+            </a:r>
+            <a:r>
+              <a:rPr lang="en-US" sz="1600" dirty="0" smtClean="0"/>
+              <a:t> (3.1415…) para computer a </a:t>
+            </a:r>
+            <a:r>
+              <a:rPr lang="en-US" sz="1600" dirty="0" err="1" smtClean="0"/>
+              <a:t>circunferência</a:t>
+            </a:r>
+            <a:r>
+              <a:rPr lang="en-US" sz="1600" dirty="0" smtClean="0"/>
+              <a:t>.</a:t>
+            </a:r>
+          </a:p>
+          <a:p>
+            <a:pPr marL="800100" lvl="1" indent="-342900">
+              <a:buFont typeface="+mj-lt"/>
+              <a:buAutoNum type="arabicPeriod"/>
+            </a:pPr>
+            <a:r>
+              <a:rPr lang="en-US" sz="1600" dirty="0" err="1" smtClean="0"/>
+              <a:t>Divida</a:t>
+            </a:r>
+            <a:r>
+              <a:rPr lang="en-US" sz="1600" dirty="0" smtClean="0"/>
+              <a:t> 360 </a:t>
+            </a:r>
+            <a:r>
+              <a:rPr lang="en-US" sz="1600" dirty="0" err="1" smtClean="0"/>
+              <a:t>graus</a:t>
+            </a:r>
+            <a:r>
+              <a:rPr lang="en-US" sz="1600" dirty="0" smtClean="0"/>
+              <a:t> </a:t>
+            </a:r>
+            <a:r>
+              <a:rPr lang="en-US" sz="1600" dirty="0" err="1" smtClean="0"/>
+              <a:t>pelo</a:t>
+            </a:r>
+            <a:r>
+              <a:rPr lang="en-US" sz="1600" dirty="0" smtClean="0"/>
+              <a:t> valor do </a:t>
+            </a:r>
+            <a:r>
+              <a:rPr lang="en-US" sz="1600" dirty="0" err="1" smtClean="0"/>
+              <a:t>passo</a:t>
+            </a:r>
+            <a:r>
+              <a:rPr lang="en-US" sz="1600" dirty="0" smtClean="0"/>
+              <a:t> 2. </a:t>
+            </a:r>
+            <a:r>
+              <a:rPr lang="en-US" sz="1600" dirty="0" err="1" smtClean="0"/>
+              <a:t>Isso</a:t>
+            </a:r>
+            <a:r>
+              <a:rPr lang="en-US" sz="1600" dirty="0" smtClean="0"/>
+              <a:t> </a:t>
+            </a:r>
+            <a:r>
+              <a:rPr lang="en-US" sz="1600" dirty="0" err="1" smtClean="0"/>
+              <a:t>computa</a:t>
+            </a:r>
+            <a:r>
+              <a:rPr lang="en-US" sz="1600" dirty="0" smtClean="0"/>
+              <a:t> </a:t>
+            </a:r>
+            <a:r>
+              <a:rPr lang="en-US" sz="1600" dirty="0" err="1" smtClean="0"/>
+              <a:t>graus</a:t>
+            </a:r>
+            <a:r>
+              <a:rPr lang="en-US" sz="1600" dirty="0" smtClean="0"/>
+              <a:t> </a:t>
+            </a:r>
+            <a:r>
+              <a:rPr lang="en-US" sz="1600" dirty="0" err="1" smtClean="0"/>
+              <a:t>em</a:t>
+            </a:r>
+            <a:r>
+              <a:rPr lang="en-US" sz="1600" dirty="0" smtClean="0"/>
+              <a:t> 1cm </a:t>
+            </a:r>
+            <a:r>
+              <a:rPr lang="en-US" sz="1600" dirty="0" err="1" smtClean="0"/>
+              <a:t>uma</a:t>
+            </a:r>
+            <a:r>
+              <a:rPr lang="en-US" sz="1600" dirty="0" smtClean="0"/>
+              <a:t> </a:t>
+            </a:r>
+            <a:r>
+              <a:rPr lang="en-US" sz="1600" dirty="0" err="1" smtClean="0"/>
+              <a:t>vez</a:t>
+            </a:r>
+            <a:r>
+              <a:rPr lang="en-US" sz="1600" dirty="0" smtClean="0"/>
+              <a:t> </a:t>
+            </a:r>
+            <a:r>
+              <a:rPr lang="en-US" sz="1600" dirty="0" err="1" smtClean="0"/>
+              <a:t>anda</a:t>
+            </a:r>
+            <a:r>
+              <a:rPr lang="en-US" sz="1600" dirty="0" smtClean="0"/>
+              <a:t> </a:t>
+            </a:r>
+            <a:r>
+              <a:rPr lang="en-US" sz="1600" dirty="0" err="1" smtClean="0"/>
+              <a:t>uma</a:t>
+            </a:r>
+            <a:r>
+              <a:rPr lang="en-US" sz="1600" dirty="0" smtClean="0"/>
+              <a:t> </a:t>
+            </a:r>
+            <a:r>
+              <a:rPr lang="en-US" sz="1600" dirty="0" err="1" smtClean="0"/>
+              <a:t>circunferência</a:t>
+            </a:r>
+            <a:r>
+              <a:rPr lang="en-US" sz="1600" dirty="0" smtClean="0"/>
+              <a:t> </a:t>
+            </a:r>
+            <a:r>
+              <a:rPr lang="en-US" sz="1600" dirty="0" err="1" smtClean="0"/>
+              <a:t>em</a:t>
+            </a:r>
+            <a:r>
+              <a:rPr lang="en-US" sz="1600" dirty="0" smtClean="0"/>
+              <a:t> 1 </a:t>
+            </a:r>
+            <a:r>
+              <a:rPr lang="en-US" sz="1600" dirty="0" err="1" smtClean="0"/>
+              <a:t>rotação</a:t>
+            </a:r>
+            <a:r>
+              <a:rPr lang="en-US" sz="1600" dirty="0" smtClean="0"/>
+              <a:t> e 1 </a:t>
+            </a:r>
+            <a:r>
+              <a:rPr lang="en-US" sz="1600" dirty="0" err="1" smtClean="0"/>
+              <a:t>rotação</a:t>
+            </a:r>
+            <a:r>
+              <a:rPr lang="en-US" sz="1600" dirty="0" smtClean="0"/>
+              <a:t> é </a:t>
+            </a:r>
+            <a:r>
+              <a:rPr lang="en-US" sz="1600" dirty="0"/>
+              <a:t>360 </a:t>
+            </a:r>
+            <a:r>
+              <a:rPr lang="en-US" sz="1600" dirty="0" err="1" smtClean="0"/>
+              <a:t>graus</a:t>
+            </a:r>
+            <a:r>
+              <a:rPr lang="en-US" sz="1600" dirty="0" smtClean="0"/>
+              <a:t>.</a:t>
+            </a:r>
+          </a:p>
+          <a:p>
+            <a:pPr marL="800100" lvl="1" indent="-342900">
+              <a:buFont typeface="+mj-lt"/>
+              <a:buAutoNum type="arabicPeriod"/>
+            </a:pPr>
+            <a:endParaRPr lang="en-US" sz="1600" dirty="0" smtClean="0"/>
+          </a:p>
+        </p:txBody>
+      </p:sp>
+      <p:sp>
+        <p:nvSpPr>
+          <p:cNvPr id="5" name="Rectangle 4"/>
+          <p:cNvSpPr/>
+          <p:nvPr/>
+        </p:nvSpPr>
+        <p:spPr>
+          <a:xfrm>
+            <a:off x="507468" y="4313549"/>
+            <a:ext cx="5265207" cy="1569660"/>
           </a:xfrm>
           <a:prstGeom prst="rect">
             <a:avLst/>
           </a:prstGeom>
         </p:spPr>
-      </p:pic>
+        <p:txBody>
+          <a:bodyPr wrap="square">
+            <a:spAutoFit/>
+          </a:bodyPr>
+          <a:lstStyle/>
+          <a:p>
+            <a:r>
+              <a:rPr lang="en-US" sz="1600" b="1" dirty="0" err="1" smtClean="0"/>
+              <a:t>Exemplo</a:t>
+            </a:r>
+            <a:r>
+              <a:rPr lang="en-US" sz="1600" b="1" dirty="0" smtClean="0"/>
+              <a:t> de </a:t>
+            </a:r>
+            <a:r>
+              <a:rPr lang="en-US" sz="1600" b="1" dirty="0" err="1" smtClean="0"/>
+              <a:t>cálculo</a:t>
+            </a:r>
+            <a:r>
+              <a:rPr lang="en-US" sz="1600" b="1" dirty="0" smtClean="0"/>
+              <a:t> </a:t>
+            </a:r>
+            <a:r>
+              <a:rPr lang="en-US" sz="1600" b="1" dirty="0" err="1" smtClean="0"/>
+              <a:t>usando</a:t>
+            </a:r>
+            <a:r>
+              <a:rPr lang="en-US" sz="1600" b="1" dirty="0" smtClean="0"/>
+              <a:t> o </a:t>
+            </a:r>
+            <a:r>
+              <a:rPr lang="en-US" sz="1600" b="1" dirty="0" err="1" smtClean="0"/>
+              <a:t>padrão</a:t>
+            </a:r>
+            <a:r>
+              <a:rPr lang="en-US" sz="1600" b="1" dirty="0" smtClean="0"/>
+              <a:t> das </a:t>
+            </a:r>
+            <a:r>
+              <a:rPr lang="en-US" sz="1600" b="1" dirty="0" err="1" smtClean="0"/>
+              <a:t>rodas</a:t>
+            </a:r>
+            <a:r>
+              <a:rPr lang="en-US" sz="1600" b="1" dirty="0" smtClean="0"/>
+              <a:t> EV3 Edu 45544:</a:t>
+            </a:r>
+          </a:p>
+          <a:p>
+            <a:pPr marL="800100" lvl="1" indent="-342900">
+              <a:buFont typeface="+mj-lt"/>
+              <a:buAutoNum type="arabicPeriod"/>
+            </a:pPr>
+            <a:r>
+              <a:rPr lang="en-US" sz="1600" dirty="0" err="1" smtClean="0"/>
+              <a:t>Rodas</a:t>
+            </a:r>
+            <a:r>
+              <a:rPr lang="en-US" sz="1600" dirty="0" smtClean="0"/>
+              <a:t> do EV3 EDU (45544) tem 56mm = 5.6cm </a:t>
+            </a:r>
+            <a:r>
+              <a:rPr lang="en-US" sz="1600" dirty="0" err="1" smtClean="0"/>
+              <a:t>em</a:t>
+            </a:r>
+            <a:r>
+              <a:rPr lang="en-US" sz="1600" dirty="0" smtClean="0"/>
+              <a:t> </a:t>
+            </a:r>
+            <a:r>
+              <a:rPr lang="en-US" sz="1600" dirty="0" err="1" smtClean="0"/>
+              <a:t>diâmetro</a:t>
+            </a:r>
+            <a:r>
+              <a:rPr lang="en-US" sz="1600" dirty="0" smtClean="0"/>
+              <a:t>.</a:t>
+            </a:r>
+          </a:p>
+          <a:p>
+            <a:pPr marL="800100" lvl="1" indent="-342900">
+              <a:buFont typeface="+mj-lt"/>
+              <a:buAutoNum type="arabicPeriod"/>
+            </a:pPr>
+            <a:r>
+              <a:rPr lang="en-US" sz="1600" dirty="0" smtClean="0"/>
+              <a:t>5.6cm × </a:t>
+            </a:r>
+            <a:r>
+              <a:rPr lang="el-GR" sz="1600" dirty="0" smtClean="0"/>
+              <a:t>π</a:t>
+            </a:r>
+            <a:r>
+              <a:rPr lang="en-US" sz="1600" dirty="0" smtClean="0"/>
+              <a:t> = 17.6cm </a:t>
+            </a:r>
+            <a:r>
+              <a:rPr lang="en-US" sz="1600" dirty="0" err="1" smtClean="0"/>
+              <a:t>por</a:t>
+            </a:r>
+            <a:r>
+              <a:rPr lang="en-US" sz="1600" dirty="0" smtClean="0"/>
+              <a:t> </a:t>
+            </a:r>
+            <a:r>
+              <a:rPr lang="en-US" sz="1600" dirty="0" err="1" smtClean="0"/>
+              <a:t>rotação</a:t>
+            </a:r>
+            <a:endParaRPr lang="en-US" sz="1600" dirty="0" smtClean="0"/>
+          </a:p>
+          <a:p>
+            <a:pPr marL="800100" lvl="1" indent="-342900">
+              <a:buFont typeface="+mj-lt"/>
+              <a:buAutoNum type="arabicPeriod"/>
+            </a:pPr>
+            <a:r>
+              <a:rPr lang="en-US" sz="1600" dirty="0" smtClean="0"/>
+              <a:t>360 </a:t>
+            </a:r>
+            <a:r>
+              <a:rPr lang="en-US" sz="1600" dirty="0" err="1" smtClean="0"/>
+              <a:t>graus</a:t>
+            </a:r>
+            <a:r>
+              <a:rPr lang="en-US" sz="1600" dirty="0" smtClean="0"/>
+              <a:t> ÷ 17.6cm = 20.5 </a:t>
+            </a:r>
+            <a:r>
+              <a:rPr lang="en-US" sz="1600" dirty="0" err="1" smtClean="0"/>
+              <a:t>graus</a:t>
+            </a:r>
+            <a:r>
+              <a:rPr lang="en-US" sz="1600" dirty="0" smtClean="0"/>
+              <a:t> </a:t>
+            </a:r>
+            <a:r>
+              <a:rPr lang="en-US" sz="1600" dirty="0" err="1" smtClean="0"/>
+              <a:t>por</a:t>
+            </a:r>
+            <a:r>
+              <a:rPr lang="en-US" sz="1600" dirty="0" smtClean="0"/>
+              <a:t> cm.</a:t>
+            </a:r>
+            <a:endParaRPr lang="en-US" sz="1600" dirty="0"/>
+          </a:p>
+        </p:txBody>
+      </p:sp>
+      <p:sp>
+        <p:nvSpPr>
+          <p:cNvPr id="6" name="TextBox 5"/>
+          <p:cNvSpPr txBox="1"/>
+          <p:nvPr/>
+        </p:nvSpPr>
+        <p:spPr>
+          <a:xfrm>
+            <a:off x="5772675" y="4313549"/>
+            <a:ext cx="2860307" cy="1477328"/>
+          </a:xfrm>
+          <a:prstGeom prst="rect">
+            <a:avLst/>
+          </a:prstGeom>
+          <a:solidFill>
+            <a:srgbClr val="FF0000"/>
+          </a:solidFill>
+        </p:spPr>
+        <p:txBody>
+          <a:bodyPr wrap="square" rtlCol="0">
+            <a:spAutoFit/>
+          </a:bodyPr>
+          <a:lstStyle/>
+          <a:p>
+            <a:pPr algn="ctr"/>
+            <a:r>
+              <a:rPr lang="en-US" dirty="0" err="1" smtClean="0">
+                <a:solidFill>
+                  <a:schemeClr val="bg1"/>
+                </a:solidFill>
+              </a:rPr>
+              <a:t>Gráfico</a:t>
+            </a:r>
+            <a:r>
+              <a:rPr lang="en-US" dirty="0" smtClean="0">
+                <a:solidFill>
+                  <a:schemeClr val="bg1"/>
+                </a:solidFill>
+              </a:rPr>
+              <a:t> </a:t>
+            </a:r>
+            <a:r>
+              <a:rPr lang="en-US" dirty="0" err="1" smtClean="0">
+                <a:solidFill>
+                  <a:schemeClr val="bg1"/>
+                </a:solidFill>
+              </a:rPr>
+              <a:t>útil</a:t>
+            </a:r>
+            <a:r>
+              <a:rPr lang="en-US" dirty="0" smtClean="0">
+                <a:solidFill>
+                  <a:schemeClr val="bg1"/>
+                </a:solidFill>
+              </a:rPr>
+              <a:t> com </a:t>
+            </a:r>
+            <a:r>
+              <a:rPr lang="en-US" dirty="0" err="1" smtClean="0">
+                <a:solidFill>
+                  <a:schemeClr val="bg1"/>
+                </a:solidFill>
+              </a:rPr>
+              <a:t>os</a:t>
+            </a:r>
+            <a:r>
+              <a:rPr lang="en-US" dirty="0" smtClean="0">
+                <a:solidFill>
+                  <a:schemeClr val="bg1"/>
+                </a:solidFill>
+              </a:rPr>
+              <a:t> </a:t>
+            </a:r>
+            <a:r>
+              <a:rPr lang="en-US" dirty="0" err="1" smtClean="0">
+                <a:solidFill>
+                  <a:schemeClr val="bg1"/>
+                </a:solidFill>
+              </a:rPr>
+              <a:t>diâmetros</a:t>
+            </a:r>
+            <a:r>
+              <a:rPr lang="en-US" dirty="0" smtClean="0">
+                <a:solidFill>
+                  <a:schemeClr val="bg1"/>
+                </a:solidFill>
+              </a:rPr>
+              <a:t> das </a:t>
+            </a:r>
+            <a:r>
+              <a:rPr lang="en-US" dirty="0" err="1" smtClean="0">
+                <a:solidFill>
+                  <a:schemeClr val="bg1"/>
+                </a:solidFill>
+              </a:rPr>
+              <a:t>rodas</a:t>
+            </a:r>
+            <a:r>
+              <a:rPr lang="en-US" dirty="0" smtClean="0">
+                <a:solidFill>
+                  <a:schemeClr val="bg1"/>
+                </a:solidFill>
+              </a:rPr>
+              <a:t> </a:t>
+            </a:r>
+            <a:r>
+              <a:rPr lang="en-US" dirty="0" err="1" smtClean="0">
+                <a:solidFill>
+                  <a:schemeClr val="bg1"/>
+                </a:solidFill>
+              </a:rPr>
+              <a:t>comuns</a:t>
+            </a:r>
+            <a:r>
+              <a:rPr lang="en-US" dirty="0" smtClean="0">
+                <a:solidFill>
+                  <a:schemeClr val="bg1"/>
+                </a:solidFill>
+              </a:rPr>
+              <a:t> LEGO.</a:t>
+            </a:r>
+          </a:p>
+          <a:p>
+            <a:endParaRPr lang="en-US" dirty="0">
+              <a:solidFill>
+                <a:schemeClr val="bg1"/>
+              </a:solidFill>
+            </a:endParaRPr>
+          </a:p>
+          <a:p>
+            <a:pPr algn="ctr"/>
+            <a:r>
+              <a:rPr lang="en-US" dirty="0">
+                <a:solidFill>
+                  <a:schemeClr val="bg1"/>
+                </a:solidFill>
+              </a:rPr>
+              <a:t>http://wheels.sariel.pl/</a:t>
+            </a:r>
+          </a:p>
+        </p:txBody>
+      </p:sp>
     </p:spTree>
     <p:extLst>
       <p:ext uri="{BB962C8B-B14F-4D97-AF65-F5344CB8AC3E}">
-        <p14:creationId xmlns:p14="http://schemas.microsoft.com/office/powerpoint/2010/main" val="91173117"/>
+        <p14:creationId xmlns:p14="http://schemas.microsoft.com/office/powerpoint/2010/main" val="3306558668"/>
       </p:ext>
     </p:extLst>
   </p:cSld>
@@ -6671,6 +9028,86 @@
       </p:grpSpPr>
       <p:sp>
         <p:nvSpPr>
+          <p:cNvPr id="8" name="Oval 7"/>
+          <p:cNvSpPr/>
+          <p:nvPr/>
+        </p:nvSpPr>
+        <p:spPr>
+          <a:xfrm>
+            <a:off x="939269" y="4477827"/>
+            <a:ext cx="254000" cy="135467"/>
+          </a:xfrm>
+          <a:prstGeom prst="ellipse">
+            <a:avLst/>
+          </a:prstGeom>
+        </p:spPr>
+        <p:style>
+          <a:lnRef idx="2">
+            <a:schemeClr val="accent1">
+              <a:shade val="50000"/>
+            </a:schemeClr>
+          </a:lnRef>
+          <a:fillRef idx="1">
+            <a:schemeClr val="accent1"/>
+          </a:fillRef>
+          <a:effectRef idx="0">
+            <a:schemeClr val="accent1"/>
+          </a:effectRef>
+          <a:fontRef idx="minor">
+            <a:schemeClr val="lt1"/>
+          </a:fontRef>
+        </p:style>
+        <p:txBody>
+          <a:bodyPr rtlCol="0" anchor="ctr"/>
+          <a:lstStyle/>
+          <a:p>
+            <a:pPr algn="ctr"/>
+            <a:endParaRPr lang="en-US"/>
+          </a:p>
+        </p:txBody>
+      </p:sp>
+      <p:sp>
+        <p:nvSpPr>
+          <p:cNvPr id="11" name="Oval 10"/>
+          <p:cNvSpPr/>
+          <p:nvPr/>
+        </p:nvSpPr>
+        <p:spPr>
+          <a:xfrm>
+            <a:off x="930272" y="4930450"/>
+            <a:ext cx="254000" cy="135467"/>
+          </a:xfrm>
+          <a:prstGeom prst="ellipse">
+            <a:avLst/>
+          </a:prstGeom>
+        </p:spPr>
+        <p:style>
+          <a:lnRef idx="2">
+            <a:schemeClr val="accent1">
+              <a:shade val="50000"/>
+            </a:schemeClr>
+          </a:lnRef>
+          <a:fillRef idx="1">
+            <a:schemeClr val="accent1"/>
+          </a:fillRef>
+          <a:effectRef idx="0">
+            <a:schemeClr val="accent1"/>
+          </a:effectRef>
+          <a:fontRef idx="minor">
+            <a:schemeClr val="lt1"/>
+          </a:fontRef>
+        </p:style>
+        <p:txBody>
+          <a:bodyPr rtlCol="0" anchor="ctr"/>
+          <a:lstStyle/>
+          <a:p>
+            <a:pPr algn="ctr"/>
+            <a:endParaRPr lang="en-US"/>
+          </a:p>
+        </p:txBody>
+      </p:sp>
+      <p:sp>
+        <p:nvSpPr>
           <p:cNvPr id="2" name="Title 1"/>
           <p:cNvSpPr>
             <a:spLocks noGrp="1"/>
@@ -6688,40 +9125,27 @@
           <a:p>
             <a:r>
               <a:rPr lang="en-US" dirty="0" err="1" smtClean="0"/>
-              <a:t>Fase</a:t>
-            </a:r>
-            <a:r>
-              <a:rPr lang="en-US" dirty="0" smtClean="0"/>
-              <a:t> 2: </a:t>
-            </a:r>
-            <a:r>
-              <a:rPr lang="en-US" dirty="0" err="1" smtClean="0"/>
-              <a:t>construir</a:t>
-            </a:r>
-            <a:r>
-              <a:rPr lang="en-US" dirty="0" smtClean="0"/>
-              <a:t> um My Block </a:t>
-            </a:r>
-            <a:r>
-              <a:rPr lang="en-US" dirty="0" err="1" smtClean="0">
-                <a:latin typeface="Courier"/>
-                <a:cs typeface="Courier"/>
-              </a:rPr>
-              <a:t>Polegadas</a:t>
-            </a:r>
-            <a:r>
-              <a:rPr lang="en-US" dirty="0" smtClean="0">
-                <a:latin typeface="Courier"/>
-                <a:cs typeface="Courier"/>
-              </a:rPr>
-              <a:t> para </a:t>
-            </a:r>
-            <a:r>
-              <a:rPr lang="en-US" dirty="0" err="1" smtClean="0">
-                <a:latin typeface="Courier"/>
-                <a:cs typeface="Courier"/>
-              </a:rPr>
-              <a:t>graus</a:t>
+              <a:t>passo</a:t>
+            </a:r>
+            <a:r>
+              <a:rPr lang="en-US" dirty="0" smtClean="0"/>
+              <a:t> 1A: </a:t>
+            </a:r>
+            <a:r>
+              <a:rPr lang="en-US" dirty="0" err="1" smtClean="0"/>
+              <a:t>método</a:t>
+            </a:r>
+            <a:r>
+              <a:rPr lang="en-US" dirty="0" smtClean="0"/>
+              <a:t> </a:t>
+            </a:r>
+            <a:r>
+              <a:rPr lang="en-US" dirty="0" err="1" smtClean="0"/>
+              <a:t>alternativo</a:t>
+            </a:r>
+            <a:r>
+              <a:rPr lang="en-US" dirty="0" smtClean="0"/>
+              <a:t>.</a:t>
             </a:r>
             <a:endParaRPr lang="en-US" dirty="0"/>
           </a:p>
@@ -6743,9 +9167,10 @@
           <a:lstStyle/>
           <a:p>
             <a:r>
-              <a:rPr lang="en-US"/>
-              <a:t>© 2015, EV3Lessons.com, (última edição 28/2/2015)</a:t>
-            </a:r>
+              <a:rPr lang="en-US" smtClean="0"/>
+              <a:t>© 2015, EV3Lessons.com, (last edit 11/02/2015)</a:t>
+            </a:r>
+            <a:endParaRPr lang="en-US"/>
           </a:p>
         </p:txBody>
       </p:sp>
@@ -6774,51 +9199,831 @@
       </p:sp>
       <p:sp>
         <p:nvSpPr>
-          <p:cNvPr id="6" name="Content Placeholder 5"/>
-          <p:cNvSpPr>
-            <a:spLocks noGrp="1"/>
-          </p:cNvSpPr>
-          <p:nvPr>
-            <p:ph idx="1"/>
-          </p:nvPr>
-        </p:nvSpPr>
-        <p:spPr/>
-        <p:txBody>
-          <a:bodyPr/>
+          <p:cNvPr id="10" name="TextBox 9"/>
+          <p:cNvSpPr txBox="1"/>
+          <p:nvPr/>
+        </p:nvSpPr>
+        <p:spPr>
+          <a:xfrm>
+            <a:off x="457200" y="1407194"/>
+            <a:ext cx="7742722" cy="2800767"/>
+          </a:xfrm>
+          <a:prstGeom prst="rect">
+            <a:avLst/>
+          </a:prstGeom>
+          <a:noFill/>
+        </p:spPr>
+        <p:txBody>
+          <a:bodyPr wrap="square" rtlCol="0">
+            <a:spAutoFit/>
+          </a:bodyPr>
           <a:lstStyle/>
           <a:p>
-            <a:endParaRPr lang="en-US"/>
+            <a:pPr marL="0" lvl="1"/>
+            <a:r>
+              <a:rPr lang="en-US" sz="1600" dirty="0" err="1" smtClean="0"/>
+              <a:t>Método</a:t>
+            </a:r>
+            <a:r>
+              <a:rPr lang="en-US" sz="1600" dirty="0" smtClean="0"/>
+              <a:t> </a:t>
+            </a:r>
+            <a:r>
+              <a:rPr lang="en-US" sz="1600" dirty="0" err="1" smtClean="0"/>
+              <a:t>Alternativo</a:t>
+            </a:r>
+            <a:r>
+              <a:rPr lang="en-US" sz="1600" dirty="0" smtClean="0"/>
+              <a:t>: Use Port View para </a:t>
+            </a:r>
+            <a:r>
+              <a:rPr lang="en-US" sz="1600" dirty="0" err="1" smtClean="0"/>
+              <a:t>encontar</a:t>
+            </a:r>
+            <a:r>
+              <a:rPr lang="en-US" sz="1600" dirty="0" smtClean="0"/>
+              <a:t> o valor do motor </a:t>
+            </a:r>
+            <a:r>
+              <a:rPr lang="en-US" sz="1600" dirty="0" err="1" smtClean="0"/>
+              <a:t>em</a:t>
+            </a:r>
+            <a:r>
+              <a:rPr lang="en-US" sz="1600" dirty="0"/>
+              <a:t> </a:t>
+            </a:r>
+            <a:r>
+              <a:rPr lang="en-US" sz="1600" dirty="0" err="1" smtClean="0"/>
+              <a:t>graus</a:t>
+            </a:r>
+            <a:r>
+              <a:rPr lang="en-US" sz="1600" dirty="0" smtClean="0"/>
+              <a:t>. Use </a:t>
+            </a:r>
+            <a:r>
+              <a:rPr lang="en-US" sz="1600" dirty="0" err="1" smtClean="0"/>
+              <a:t>esse</a:t>
+            </a:r>
+            <a:r>
+              <a:rPr lang="en-US" sz="1600" dirty="0" smtClean="0"/>
+              <a:t> </a:t>
+            </a:r>
+            <a:r>
+              <a:rPr lang="en-US" sz="1600" dirty="0" err="1" smtClean="0"/>
+              <a:t>método</a:t>
+            </a:r>
+            <a:r>
+              <a:rPr lang="en-US" sz="1600" dirty="0" smtClean="0"/>
+              <a:t> se </a:t>
+            </a:r>
+            <a:r>
+              <a:rPr lang="en-US" sz="1600" dirty="0" err="1" smtClean="0"/>
+              <a:t>você</a:t>
+            </a:r>
+            <a:r>
+              <a:rPr lang="en-US" sz="1600" dirty="0" smtClean="0"/>
+              <a:t> </a:t>
+            </a:r>
+            <a:r>
+              <a:rPr lang="en-US" sz="1600" dirty="0" err="1" smtClean="0"/>
+              <a:t>não</a:t>
+            </a:r>
+            <a:r>
+              <a:rPr lang="en-US" sz="1600" dirty="0" smtClean="0"/>
+              <a:t> </a:t>
+            </a:r>
+            <a:r>
+              <a:rPr lang="en-US" sz="1600" dirty="0" err="1" smtClean="0"/>
+              <a:t>puder</a:t>
+            </a:r>
+            <a:r>
+              <a:rPr lang="en-US" sz="1600" dirty="0" smtClean="0"/>
+              <a:t> </a:t>
+            </a:r>
+            <a:r>
+              <a:rPr lang="en-US" sz="1600" dirty="0" err="1" smtClean="0"/>
+              <a:t>encontrar</a:t>
+            </a:r>
+            <a:r>
+              <a:rPr lang="en-US" sz="1600" dirty="0" smtClean="0"/>
+              <a:t> o </a:t>
+            </a:r>
+            <a:r>
+              <a:rPr lang="en-US" sz="1600" dirty="0" err="1" smtClean="0"/>
+              <a:t>diâmetro</a:t>
+            </a:r>
+            <a:r>
+              <a:rPr lang="en-US" sz="1600" dirty="0" smtClean="0"/>
+              <a:t> </a:t>
+            </a:r>
+            <a:r>
+              <a:rPr lang="en-US" sz="1600" dirty="0" err="1" smtClean="0"/>
+              <a:t>impresso</a:t>
+            </a:r>
+            <a:r>
+              <a:rPr lang="en-US" sz="1600" dirty="0" smtClean="0"/>
+              <a:t> </a:t>
+            </a:r>
+            <a:r>
+              <a:rPr lang="en-US" sz="1600" dirty="0" err="1" smtClean="0"/>
+              <a:t>na</a:t>
+            </a:r>
+            <a:r>
+              <a:rPr lang="en-US" sz="1600" dirty="0" smtClean="0"/>
+              <a:t> </a:t>
+            </a:r>
+            <a:r>
+              <a:rPr lang="en-US" sz="1600" dirty="0" err="1" smtClean="0"/>
+              <a:t>sua</a:t>
+            </a:r>
+            <a:r>
+              <a:rPr lang="en-US" sz="1600" dirty="0" smtClean="0"/>
+              <a:t> </a:t>
+            </a:r>
+            <a:r>
+              <a:rPr lang="en-US" sz="1600" dirty="0" err="1" smtClean="0"/>
+              <a:t>roda</a:t>
+            </a:r>
+            <a:r>
+              <a:rPr lang="en-US" sz="1600" dirty="0" smtClean="0"/>
+              <a:t>.</a:t>
+            </a:r>
+          </a:p>
+          <a:p>
+            <a:pPr marL="800100" lvl="1" indent="-342900">
+              <a:buFont typeface="+mj-lt"/>
+              <a:buAutoNum type="arabicPeriod"/>
+            </a:pPr>
+            <a:r>
+              <a:rPr lang="en-US" sz="1600" dirty="0" err="1" smtClean="0"/>
+              <a:t>Coloque</a:t>
+            </a:r>
+            <a:r>
+              <a:rPr lang="en-US" sz="1600" dirty="0" smtClean="0"/>
+              <a:t> </a:t>
+            </a:r>
+            <a:r>
+              <a:rPr lang="en-US" sz="1600" dirty="0" err="1" smtClean="0"/>
+              <a:t>sua</a:t>
+            </a:r>
+            <a:r>
+              <a:rPr lang="en-US" sz="1600" dirty="0" smtClean="0"/>
+              <a:t> </a:t>
+            </a:r>
+            <a:r>
+              <a:rPr lang="en-US" sz="1600" dirty="0" err="1" smtClean="0"/>
+              <a:t>régua</a:t>
+            </a:r>
+            <a:r>
+              <a:rPr lang="en-US" sz="1600" dirty="0" smtClean="0"/>
+              <a:t> </a:t>
+            </a:r>
+            <a:r>
+              <a:rPr lang="en-US" sz="1600" dirty="0" err="1" smtClean="0"/>
+              <a:t>próxima</a:t>
+            </a:r>
+            <a:r>
+              <a:rPr lang="en-US" sz="1600" dirty="0" smtClean="0"/>
+              <a:t> à </a:t>
+            </a:r>
+            <a:r>
+              <a:rPr lang="en-US" sz="1600" dirty="0" err="1" smtClean="0"/>
+              <a:t>sua</a:t>
+            </a:r>
+            <a:r>
+              <a:rPr lang="en-US" sz="1600" dirty="0" smtClean="0"/>
+              <a:t> </a:t>
+            </a:r>
+            <a:r>
+              <a:rPr lang="en-US" sz="1600" dirty="0" err="1" smtClean="0"/>
+              <a:t>roda</a:t>
+            </a:r>
+            <a:r>
+              <a:rPr lang="en-US" sz="1600" dirty="0" smtClean="0"/>
+              <a:t>/</a:t>
+            </a:r>
+            <a:r>
+              <a:rPr lang="en-US" sz="1600" dirty="0" err="1" smtClean="0"/>
+              <a:t>robô</a:t>
+            </a:r>
+            <a:r>
+              <a:rPr lang="en-US" sz="1600" dirty="0" smtClean="0"/>
+              <a:t> </a:t>
+            </a:r>
+            <a:r>
+              <a:rPr lang="en-US" sz="1600" dirty="0" err="1" smtClean="0"/>
+              <a:t>aos</a:t>
+            </a:r>
+            <a:r>
+              <a:rPr lang="en-US" sz="1600" dirty="0" smtClean="0"/>
+              <a:t> </a:t>
+            </a:r>
+            <a:r>
+              <a:rPr lang="en-US" sz="1600" dirty="0"/>
+              <a:t>0 </a:t>
+            </a:r>
+            <a:r>
+              <a:rPr lang="en-US" sz="1600" dirty="0" err="1" smtClean="0"/>
+              <a:t>centímetros</a:t>
+            </a:r>
+            <a:r>
+              <a:rPr lang="en-US" sz="1600" dirty="0" smtClean="0"/>
+              <a:t> (</a:t>
+            </a:r>
+            <a:r>
+              <a:rPr lang="en-US" sz="1600" dirty="0" err="1" smtClean="0"/>
+              <a:t>tanto</a:t>
+            </a:r>
+            <a:r>
+              <a:rPr lang="en-US" sz="1600" dirty="0" smtClean="0"/>
+              <a:t> </a:t>
+            </a:r>
+            <a:r>
+              <a:rPr lang="en-US" sz="1600" dirty="0" err="1" smtClean="0"/>
+              <a:t>faz</a:t>
+            </a:r>
+            <a:r>
+              <a:rPr lang="en-US" sz="1600" dirty="0" smtClean="0"/>
+              <a:t> </a:t>
+            </a:r>
+            <a:r>
+              <a:rPr lang="en-US" sz="1600" dirty="0" err="1" smtClean="0"/>
+              <a:t>qual</a:t>
+            </a:r>
+            <a:r>
+              <a:rPr lang="en-US" sz="1600" dirty="0" smtClean="0"/>
+              <a:t> parte do </a:t>
+            </a:r>
+            <a:r>
+              <a:rPr lang="en-US" sz="1600" dirty="0" err="1" smtClean="0"/>
+              <a:t>seu</a:t>
+            </a:r>
+            <a:r>
+              <a:rPr lang="en-US" sz="1600" dirty="0" smtClean="0"/>
+              <a:t> </a:t>
+            </a:r>
+            <a:r>
+              <a:rPr lang="en-US" sz="1600" dirty="0" err="1" smtClean="0"/>
+              <a:t>robô</a:t>
+            </a:r>
+            <a:r>
+              <a:rPr lang="en-US" sz="1600" dirty="0" smtClean="0"/>
+              <a:t> </a:t>
+            </a:r>
+            <a:r>
+              <a:rPr lang="en-US" sz="1600" dirty="0" err="1" smtClean="0"/>
+              <a:t>voc</a:t>
+            </a:r>
+            <a:r>
+              <a:rPr lang="en-US" sz="1600" dirty="0" err="1"/>
+              <a:t>ê</a:t>
+            </a:r>
+            <a:r>
+              <a:rPr lang="en-US" sz="1600" dirty="0" smtClean="0"/>
+              <a:t> </a:t>
+            </a:r>
+            <a:r>
+              <a:rPr lang="en-US" sz="1600" dirty="0" err="1" smtClean="0"/>
+              <a:t>coloca</a:t>
+            </a:r>
+            <a:r>
+              <a:rPr lang="en-US" sz="1600" dirty="0" smtClean="0"/>
+              <a:t> </a:t>
+            </a:r>
+            <a:r>
+              <a:rPr lang="en-US" sz="1600" dirty="0" err="1" smtClean="0"/>
+              <a:t>alinhada</a:t>
+            </a:r>
+            <a:r>
+              <a:rPr lang="en-US" sz="1600" dirty="0" smtClean="0"/>
+              <a:t> com 0, </a:t>
+            </a:r>
+            <a:r>
+              <a:rPr lang="en-US" sz="1600" dirty="0" err="1" smtClean="0"/>
+              <a:t>você</a:t>
+            </a:r>
+            <a:r>
+              <a:rPr lang="en-US" sz="1600" dirty="0" smtClean="0"/>
+              <a:t> </a:t>
+            </a:r>
+            <a:r>
+              <a:rPr lang="en-US" sz="1600" dirty="0" err="1" smtClean="0"/>
+              <a:t>deveria</a:t>
+            </a:r>
+            <a:r>
+              <a:rPr lang="en-US" sz="1600" dirty="0" smtClean="0"/>
+              <a:t> </a:t>
+            </a:r>
+            <a:r>
+              <a:rPr lang="en-US" sz="1600" dirty="0" err="1" smtClean="0"/>
+              <a:t>ver</a:t>
+            </a:r>
+            <a:r>
+              <a:rPr lang="en-US" sz="1600" dirty="0" smtClean="0"/>
+              <a:t> </a:t>
+            </a:r>
+            <a:r>
+              <a:rPr lang="en-US" sz="1600" dirty="0" err="1" smtClean="0"/>
+              <a:t>como</a:t>
+            </a:r>
+            <a:r>
+              <a:rPr lang="en-US" sz="1600" dirty="0" smtClean="0"/>
+              <a:t> </a:t>
+            </a:r>
+            <a:r>
+              <a:rPr lang="en-US" sz="1600" dirty="0" err="1" smtClean="0"/>
+              <a:t>medir</a:t>
+            </a:r>
+            <a:r>
+              <a:rPr lang="en-US" sz="1600" dirty="0" smtClean="0"/>
+              <a:t> a </a:t>
+            </a:r>
+            <a:r>
+              <a:rPr lang="en-US" sz="1600" dirty="0" err="1" smtClean="0"/>
+              <a:t>distância</a:t>
+            </a:r>
+            <a:r>
+              <a:rPr lang="en-US" sz="1600" dirty="0" smtClean="0"/>
+              <a:t> no </a:t>
+            </a:r>
+            <a:r>
+              <a:rPr lang="en-US" sz="1600" dirty="0" err="1" smtClean="0"/>
+              <a:t>passo</a:t>
+            </a:r>
+            <a:r>
+              <a:rPr lang="en-US" sz="1600" dirty="0" smtClean="0"/>
+              <a:t> 2).</a:t>
+            </a:r>
+          </a:p>
+          <a:p>
+            <a:pPr marL="800100" lvl="1" indent="-342900">
+              <a:buFont typeface="+mj-lt"/>
+              <a:buAutoNum type="arabicPeriod"/>
+            </a:pPr>
+            <a:r>
+              <a:rPr lang="en-US" sz="1600" dirty="0" smtClean="0"/>
+              <a:t>Role </a:t>
+            </a:r>
+            <a:r>
+              <a:rPr lang="en-US" sz="1600" dirty="0" err="1" smtClean="0"/>
+              <a:t>seu</a:t>
+            </a:r>
+            <a:r>
+              <a:rPr lang="en-US" sz="1600" dirty="0" smtClean="0"/>
+              <a:t> </a:t>
+            </a:r>
+            <a:r>
+              <a:rPr lang="en-US" sz="1600" dirty="0" err="1" smtClean="0"/>
+              <a:t>robô</a:t>
+            </a:r>
+            <a:r>
+              <a:rPr lang="en-US" sz="1600" dirty="0" smtClean="0"/>
+              <a:t> para </a:t>
+            </a:r>
+            <a:r>
+              <a:rPr lang="en-US" sz="1600" dirty="0" err="1" smtClean="0"/>
+              <a:t>frente</a:t>
+            </a:r>
+            <a:r>
+              <a:rPr lang="en-US" sz="1600" dirty="0" smtClean="0"/>
+              <a:t> </a:t>
+            </a:r>
+            <a:r>
+              <a:rPr lang="en-US" sz="1600" dirty="0" err="1" smtClean="0"/>
+              <a:t>qualquer</a:t>
+            </a:r>
+            <a:r>
+              <a:rPr lang="en-US" sz="1600" dirty="0" smtClean="0"/>
+              <a:t> </a:t>
+            </a:r>
+            <a:r>
+              <a:rPr lang="en-US" sz="1600" dirty="0" err="1" smtClean="0"/>
+              <a:t>quantidade</a:t>
+            </a:r>
+            <a:r>
+              <a:rPr lang="en-US" sz="1600" dirty="0" smtClean="0"/>
+              <a:t> de </a:t>
+            </a:r>
+            <a:r>
+              <a:rPr lang="en-US" sz="1600" dirty="0" err="1" smtClean="0"/>
+              <a:t>centímetros</a:t>
+            </a:r>
+            <a:r>
+              <a:rPr lang="en-US" sz="1600" dirty="0" smtClean="0"/>
+              <a:t>, </a:t>
+            </a:r>
+            <a:r>
+              <a:rPr lang="en-US" sz="1600" dirty="0" err="1" smtClean="0"/>
+              <a:t>tenha</a:t>
+            </a:r>
+            <a:r>
+              <a:rPr lang="en-US" sz="1600" dirty="0" smtClean="0"/>
+              <a:t> </a:t>
+            </a:r>
+            <a:r>
+              <a:rPr lang="en-US" sz="1600" dirty="0" err="1" smtClean="0"/>
+              <a:t>certeza</a:t>
+            </a:r>
+            <a:r>
+              <a:rPr lang="en-US" sz="1600" dirty="0" smtClean="0"/>
+              <a:t> de </a:t>
+            </a:r>
+            <a:r>
+              <a:rPr lang="en-US" sz="1600" dirty="0" err="1" smtClean="0"/>
+              <a:t>que</a:t>
+            </a:r>
+            <a:r>
+              <a:rPr lang="en-US" sz="1600" dirty="0" smtClean="0"/>
+              <a:t> o </a:t>
+            </a:r>
+            <a:r>
+              <a:rPr lang="en-US" sz="1600" dirty="0" err="1" smtClean="0"/>
+              <a:t>seu</a:t>
+            </a:r>
+            <a:r>
+              <a:rPr lang="en-US" sz="1600" dirty="0" smtClean="0"/>
+              <a:t> </a:t>
+            </a:r>
+            <a:r>
+              <a:rPr lang="en-US" sz="1600" dirty="0" err="1" smtClean="0"/>
+              <a:t>robô</a:t>
+            </a:r>
+            <a:r>
+              <a:rPr lang="en-US" sz="1600" dirty="0" smtClean="0"/>
+              <a:t> </a:t>
+            </a:r>
+            <a:r>
+              <a:rPr lang="en-US" sz="1600" dirty="0" err="1" smtClean="0"/>
+              <a:t>não</a:t>
+            </a:r>
+            <a:r>
+              <a:rPr lang="en-US" sz="1600" dirty="0" smtClean="0"/>
+              <a:t> </a:t>
+            </a:r>
+            <a:r>
+              <a:rPr lang="en-US" sz="1600" dirty="0" err="1" smtClean="0"/>
+              <a:t>deslize</a:t>
+            </a:r>
+            <a:r>
+              <a:rPr lang="en-US" sz="1600" dirty="0" smtClean="0"/>
+              <a:t>.</a:t>
+            </a:r>
+          </a:p>
+          <a:p>
+            <a:pPr marL="800100" lvl="1" indent="-342900">
+              <a:buFont typeface="+mj-lt"/>
+              <a:buAutoNum type="arabicPeriod"/>
+            </a:pPr>
+            <a:r>
+              <a:rPr lang="en-US" sz="1600" dirty="0" err="1" smtClean="0"/>
+              <a:t>Pegue</a:t>
+            </a:r>
+            <a:r>
+              <a:rPr lang="en-US" sz="1600" dirty="0" smtClean="0"/>
+              <a:t> o valor de </a:t>
+            </a:r>
+            <a:r>
+              <a:rPr lang="en-US" sz="1600" dirty="0" err="1" smtClean="0"/>
+              <a:t>graus</a:t>
+            </a:r>
+            <a:r>
+              <a:rPr lang="en-US" sz="1600" dirty="0" smtClean="0"/>
+              <a:t> </a:t>
+            </a:r>
+            <a:r>
+              <a:rPr lang="en-US" sz="1600" dirty="0" err="1" smtClean="0"/>
+              <a:t>que</a:t>
+            </a:r>
+            <a:r>
+              <a:rPr lang="en-US" sz="1600" dirty="0" smtClean="0"/>
+              <a:t> </a:t>
+            </a:r>
+            <a:r>
+              <a:rPr lang="en-US" sz="1600" dirty="0" err="1" smtClean="0"/>
+              <a:t>que</a:t>
+            </a:r>
+            <a:r>
+              <a:rPr lang="en-US" sz="1600" dirty="0" smtClean="0"/>
+              <a:t> </a:t>
+            </a:r>
+            <a:r>
+              <a:rPr lang="en-US" sz="1600" dirty="0" err="1" smtClean="0"/>
+              <a:t>você</a:t>
+            </a:r>
+            <a:r>
+              <a:rPr lang="en-US" sz="1600" dirty="0" smtClean="0"/>
+              <a:t> </a:t>
+            </a:r>
+            <a:r>
+              <a:rPr lang="en-US" sz="1600" dirty="0" err="1" smtClean="0"/>
+              <a:t>vê</a:t>
+            </a:r>
+            <a:r>
+              <a:rPr lang="en-US" sz="1600" dirty="0" smtClean="0"/>
+              <a:t> </a:t>
+            </a:r>
+            <a:r>
+              <a:rPr lang="en-US" sz="1600" dirty="0" err="1" smtClean="0"/>
+              <a:t>na</a:t>
+            </a:r>
+            <a:r>
+              <a:rPr lang="en-US" sz="1600" dirty="0" smtClean="0"/>
+              <a:t> </a:t>
+            </a:r>
+            <a:r>
+              <a:rPr lang="en-US" sz="1600" dirty="0" err="1" smtClean="0"/>
+              <a:t>tela</a:t>
+            </a:r>
+            <a:r>
+              <a:rPr lang="en-US" sz="1600" dirty="0" smtClean="0"/>
+              <a:t> e </a:t>
+            </a:r>
+            <a:r>
+              <a:rPr lang="en-US" sz="1600" dirty="0" err="1" smtClean="0"/>
+              <a:t>divida</a:t>
+            </a:r>
+            <a:r>
+              <a:rPr lang="en-US" sz="1600" dirty="0" smtClean="0"/>
+              <a:t> </a:t>
+            </a:r>
+            <a:r>
+              <a:rPr lang="en-US" sz="1600" dirty="0" err="1" smtClean="0"/>
+              <a:t>pela</a:t>
+            </a:r>
+            <a:r>
+              <a:rPr lang="en-US" sz="1600" dirty="0" smtClean="0"/>
+              <a:t> </a:t>
+            </a:r>
+            <a:r>
+              <a:rPr lang="en-US" sz="1600" dirty="0" err="1" smtClean="0"/>
+              <a:t>quantidade</a:t>
+            </a:r>
+            <a:r>
+              <a:rPr lang="en-US" sz="1600" dirty="0" smtClean="0"/>
+              <a:t> de </a:t>
+            </a:r>
+            <a:r>
+              <a:rPr lang="en-US" sz="1600" dirty="0" err="1" smtClean="0"/>
+              <a:t>centímetros</a:t>
+            </a:r>
+            <a:r>
+              <a:rPr lang="en-US" sz="1600" dirty="0" smtClean="0"/>
+              <a:t> </a:t>
+            </a:r>
+            <a:r>
+              <a:rPr lang="en-US" sz="1600" dirty="0" err="1" smtClean="0"/>
+              <a:t>que</a:t>
+            </a:r>
+            <a:r>
+              <a:rPr lang="en-US" sz="1600" dirty="0" smtClean="0"/>
+              <a:t> o </a:t>
+            </a:r>
+            <a:r>
+              <a:rPr lang="en-US" sz="1600" dirty="0" err="1" smtClean="0"/>
+              <a:t>robô</a:t>
+            </a:r>
+            <a:r>
+              <a:rPr lang="en-US" sz="1600" dirty="0" smtClean="0"/>
+              <a:t> </a:t>
+            </a:r>
+            <a:r>
+              <a:rPr lang="en-US" sz="1600" dirty="0" err="1" smtClean="0"/>
+              <a:t>moveu</a:t>
+            </a:r>
+            <a:r>
+              <a:rPr lang="en-US" sz="1600" dirty="0" smtClean="0"/>
+              <a:t>.</a:t>
+            </a:r>
+          </a:p>
+          <a:p>
+            <a:pPr marL="800100" lvl="1" indent="-342900">
+              <a:buFont typeface="+mj-lt"/>
+              <a:buAutoNum type="arabicPeriod"/>
+            </a:pPr>
+            <a:r>
+              <a:rPr lang="en-US" sz="1600" dirty="0" smtClean="0"/>
+              <a:t>A </a:t>
+            </a:r>
+            <a:r>
+              <a:rPr lang="en-US" sz="1600" dirty="0" err="1" smtClean="0"/>
+              <a:t>resposta</a:t>
+            </a:r>
+            <a:r>
+              <a:rPr lang="en-US" sz="1600" dirty="0" smtClean="0"/>
+              <a:t> </a:t>
+            </a:r>
+            <a:r>
+              <a:rPr lang="en-US" sz="1600" dirty="0" err="1" smtClean="0"/>
+              <a:t>será</a:t>
+            </a:r>
+            <a:r>
+              <a:rPr lang="en-US" sz="1600" dirty="0" smtClean="0"/>
+              <a:t> o </a:t>
+            </a:r>
+            <a:r>
+              <a:rPr lang="en-US" sz="1600" dirty="0" err="1" smtClean="0"/>
+              <a:t>número</a:t>
+            </a:r>
+            <a:r>
+              <a:rPr lang="en-US" sz="1600" dirty="0" smtClean="0"/>
+              <a:t> de </a:t>
+            </a:r>
+            <a:r>
+              <a:rPr lang="en-US" sz="1600" dirty="0" err="1" smtClean="0"/>
+              <a:t>graus</a:t>
+            </a:r>
+            <a:r>
+              <a:rPr lang="en-US" sz="1600" dirty="0" smtClean="0"/>
+              <a:t> </a:t>
+            </a:r>
+            <a:r>
+              <a:rPr lang="en-US" sz="1600" dirty="0" err="1" smtClean="0"/>
+              <a:t>que</a:t>
+            </a:r>
+            <a:r>
+              <a:rPr lang="en-US" sz="1600" dirty="0" smtClean="0"/>
+              <a:t> as </a:t>
+            </a:r>
+            <a:r>
+              <a:rPr lang="en-US" sz="1600" dirty="0" err="1" smtClean="0"/>
+              <a:t>rodas</a:t>
+            </a:r>
+            <a:r>
+              <a:rPr lang="en-US" sz="1600" dirty="0" smtClean="0"/>
+              <a:t> do </a:t>
+            </a:r>
+            <a:r>
+              <a:rPr lang="en-US" sz="1600" dirty="0" err="1" smtClean="0"/>
+              <a:t>robô</a:t>
+            </a:r>
+            <a:r>
+              <a:rPr lang="en-US" sz="1600" dirty="0" smtClean="0"/>
+              <a:t> </a:t>
+            </a:r>
+            <a:r>
+              <a:rPr lang="en-US" sz="1600" dirty="0" err="1" smtClean="0"/>
+              <a:t>moverão</a:t>
+            </a:r>
+            <a:r>
+              <a:rPr lang="en-US" sz="1600" dirty="0" smtClean="0"/>
+              <a:t> </a:t>
+            </a:r>
+            <a:r>
+              <a:rPr lang="en-US" sz="1600" dirty="0" err="1" smtClean="0"/>
+              <a:t>em</a:t>
+            </a:r>
+            <a:r>
+              <a:rPr lang="en-US" sz="1600" dirty="0" smtClean="0"/>
+              <a:t> 1 </a:t>
+            </a:r>
+            <a:r>
+              <a:rPr lang="en-US" sz="1600" dirty="0" err="1" smtClean="0"/>
+              <a:t>centímetro</a:t>
+            </a:r>
+            <a:r>
+              <a:rPr lang="en-US" sz="1600" dirty="0" smtClean="0"/>
+              <a:t>.</a:t>
+            </a:r>
           </a:p>
         </p:txBody>
       </p:sp>
       <p:pic>
         <p:nvPicPr>
-          <p:cNvPr id="7" name="Picture 6"/>
+          <p:cNvPr id="6" name="Picture 5" descr="ruler_0_10.jpg"/>
           <p:cNvPicPr>
             <a:picLocks noChangeAspect="1"/>
           </p:cNvPicPr>
           <p:nvPr/>
         </p:nvPicPr>
         <p:blipFill>
-          <a:blip r:embed="rId2"/>
+          <a:blip r:embed="rId2">
+            <a:extLst>
+              <a:ext uri="{28A0092B-C50C-407E-A947-70E740481C1C}">
+                <a14:useLocalDpi xmlns:a14="http://schemas.microsoft.com/office/drawing/2010/main" val="0"/>
+              </a:ext>
+            </a:extLst>
+          </a:blip>
           <a:stretch>
             <a:fillRect/>
           </a:stretch>
         </p:blipFill>
         <p:spPr>
           <a:xfrm>
-            <a:off x="196913" y="1300761"/>
-            <a:ext cx="8609773" cy="4834456"/>
+            <a:off x="1243541" y="4998184"/>
+            <a:ext cx="3484790" cy="1138177"/>
           </a:xfrm>
           <a:prstGeom prst="rect">
             <a:avLst/>
           </a:prstGeom>
         </p:spPr>
       </p:pic>
+      <p:sp>
+        <p:nvSpPr>
+          <p:cNvPr id="5" name="Rounded Rectangle 4"/>
+          <p:cNvSpPr/>
+          <p:nvPr/>
+        </p:nvSpPr>
+        <p:spPr>
+          <a:xfrm>
+            <a:off x="533402" y="4548480"/>
+            <a:ext cx="710669" cy="415910"/>
+          </a:xfrm>
+          <a:prstGeom prst="roundRect">
+            <a:avLst/>
+          </a:prstGeom>
+          <a:solidFill>
+            <a:srgbClr val="00B050"/>
+          </a:solidFill>
+        </p:spPr>
+        <p:style>
+          <a:lnRef idx="2">
+            <a:schemeClr val="accent1">
+              <a:shade val="50000"/>
+            </a:schemeClr>
+          </a:lnRef>
+          <a:fillRef idx="1">
+            <a:schemeClr val="accent1"/>
+          </a:fillRef>
+          <a:effectRef idx="0">
+            <a:schemeClr val="accent1"/>
+          </a:effectRef>
+          <a:fontRef idx="minor">
+            <a:schemeClr val="lt1"/>
+          </a:fontRef>
+        </p:style>
+        <p:txBody>
+          <a:bodyPr rtlCol="0" anchor="ctr"/>
+          <a:lstStyle/>
+          <a:p>
+            <a:pPr algn="ctr"/>
+            <a:endParaRPr lang="en-US"/>
+          </a:p>
+        </p:txBody>
+      </p:sp>
+      <p:pic>
+        <p:nvPicPr>
+          <p:cNvPr id="12" name="Picture 11"/>
+          <p:cNvPicPr>
+            <a:picLocks noChangeAspect="1"/>
+          </p:cNvPicPr>
+          <p:nvPr/>
+        </p:nvPicPr>
+        <p:blipFill>
+          <a:blip r:embed="rId3"/>
+          <a:stretch>
+            <a:fillRect/>
+          </a:stretch>
+        </p:blipFill>
+        <p:spPr>
+          <a:xfrm>
+            <a:off x="5831946" y="4774286"/>
+            <a:ext cx="2085975" cy="1362075"/>
+          </a:xfrm>
+          <a:prstGeom prst="rect">
+            <a:avLst/>
+          </a:prstGeom>
+        </p:spPr>
+      </p:pic>
+      <p:cxnSp>
+        <p:nvCxnSpPr>
+          <p:cNvPr id="9" name="Straight Arrow Connector 8"/>
+          <p:cNvCxnSpPr/>
+          <p:nvPr/>
+        </p:nvCxnSpPr>
+        <p:spPr>
+          <a:xfrm>
+            <a:off x="1362974" y="4774286"/>
+            <a:ext cx="810883" cy="0"/>
+          </a:xfrm>
+          <a:prstGeom prst="straightConnector1">
+            <a:avLst/>
+          </a:prstGeom>
+          <a:ln w="76200">
+            <a:solidFill>
+              <a:srgbClr val="FF0000"/>
+            </a:solidFill>
+            <a:tailEnd type="triangle"/>
+          </a:ln>
+        </p:spPr>
+        <p:style>
+          <a:lnRef idx="1">
+            <a:schemeClr val="accent1"/>
+          </a:lnRef>
+          <a:fillRef idx="0">
+            <a:schemeClr val="accent1"/>
+          </a:fillRef>
+          <a:effectRef idx="0">
+            <a:schemeClr val="accent1"/>
+          </a:effectRef>
+          <a:fontRef idx="minor">
+            <a:schemeClr val="tx1"/>
+          </a:fontRef>
+        </p:style>
+      </p:cxnSp>
     </p:spTree>
     <p:extLst>
       <p:ext uri="{BB962C8B-B14F-4D97-AF65-F5344CB8AC3E}">
-        <p14:creationId xmlns:p14="http://schemas.microsoft.com/office/powerpoint/2010/main" val="158140579"/>
+        <p14:creationId xmlns:p14="http://schemas.microsoft.com/office/powerpoint/2010/main" val="2748311941"/>
       </p:ext>
     </p:extLst>
   </p:cSld>
@@ -6864,49 +10069,42 @@
         </p:nvSpPr>
         <p:spPr/>
         <p:txBody>
-          <a:bodyPr/>
+          <a:bodyPr>
+            <a:normAutofit/>
+          </a:bodyPr>
           <a:lstStyle/>
           <a:p>
             <a:r>
               <a:rPr lang="en-US" dirty="0" err="1" smtClean="0"/>
-              <a:t>Fase</a:t>
-            </a:r>
-            <a:r>
-              <a:rPr lang="en-US" dirty="0" smtClean="0"/>
-              <a:t> 3: </a:t>
-            </a:r>
-            <a:r>
-              <a:rPr lang="en-US" dirty="0" err="1" smtClean="0"/>
-              <a:t>usando</a:t>
-            </a:r>
-            <a:r>
-              <a:rPr lang="en-US" dirty="0" smtClean="0"/>
-              <a:t> </a:t>
-            </a:r>
-            <a:r>
-              <a:rPr lang="en-US" dirty="0"/>
-              <a:t>o My Block </a:t>
-            </a:r>
-            <a:r>
-              <a:rPr lang="en-US" dirty="0" err="1">
-                <a:latin typeface="Courier"/>
-                <a:cs typeface="Courier"/>
-              </a:rPr>
-              <a:t>Polegadas</a:t>
-            </a:r>
-            <a:r>
-              <a:rPr lang="en-US" dirty="0">
-                <a:latin typeface="Courier"/>
-                <a:cs typeface="Courier"/>
-              </a:rPr>
-              <a:t> para </a:t>
-            </a:r>
-            <a:r>
-              <a:rPr lang="en-US" dirty="0" err="1">
-                <a:latin typeface="Courier"/>
-                <a:cs typeface="Courier"/>
-              </a:rPr>
-              <a:t>graus</a:t>
+              <a:t>passo</a:t>
+            </a:r>
+            <a:r>
+              <a:rPr lang="en-US" dirty="0" smtClean="0"/>
+              <a:t> 1B: </a:t>
+            </a:r>
+            <a:r>
+              <a:rPr lang="en-US" dirty="0" err="1" smtClean="0"/>
+              <a:t>PROGRAMe</a:t>
+            </a:r>
+            <a:r>
+              <a:rPr lang="en-US" dirty="0" smtClean="0"/>
+              <a:t> </a:t>
+            </a:r>
+            <a:r>
+              <a:rPr lang="en-US" dirty="0" err="1" smtClean="0"/>
+              <a:t>seu</a:t>
+            </a:r>
+            <a:r>
+              <a:rPr lang="en-US" dirty="0" smtClean="0"/>
+              <a:t> </a:t>
+            </a:r>
+            <a:r>
+              <a:rPr lang="en-US" dirty="0" err="1" smtClean="0"/>
+              <a:t>robô</a:t>
+            </a:r>
+            <a:r>
+              <a:rPr lang="en-US" dirty="0" smtClean="0"/>
+              <a:t> para mover 1CM.</a:t>
             </a:r>
             <a:endParaRPr lang="en-US" dirty="0"/>
           </a:p>
@@ -6928,9 +10126,10 @@
           <a:lstStyle/>
           <a:p>
             <a:r>
-              <a:rPr lang="en-US"/>
-              <a:t>© 2015, EV3Lessons.com, (última edição 28/2/2015)</a:t>
-            </a:r>
+              <a:rPr lang="en-US" smtClean="0"/>
+              <a:t>© 2015, EV3Lessons.com, (last edit 11/02/2015)</a:t>
+            </a:r>
+            <a:endParaRPr lang="en-US"/>
           </a:p>
         </p:txBody>
       </p:sp>
@@ -6959,32 +10158,154 @@
       </p:sp>
       <p:pic>
         <p:nvPicPr>
-          <p:cNvPr id="7" name="Picture 6"/>
+          <p:cNvPr id="7" name="Imagem 6"/>
           <p:cNvPicPr>
             <a:picLocks noChangeAspect="1"/>
           </p:cNvPicPr>
           <p:nvPr/>
         </p:nvPicPr>
         <p:blipFill>
-          <a:blip r:embed="rId2"/>
+          <a:blip r:embed="rId2">
+            <a:extLst>
+              <a:ext uri="{28A0092B-C50C-407E-A947-70E740481C1C}">
+                <a14:useLocalDpi xmlns:a14="http://schemas.microsoft.com/office/drawing/2010/main" val="0"/>
+              </a:ext>
+            </a:extLst>
+          </a:blip>
           <a:stretch>
             <a:fillRect/>
           </a:stretch>
         </p:blipFill>
         <p:spPr>
           <a:xfrm>
-            <a:off x="90573" y="1467168"/>
-            <a:ext cx="8612101" cy="4509807"/>
+            <a:off x="702032" y="2213022"/>
+            <a:ext cx="6844987" cy="3160377"/>
           </a:xfrm>
           <a:prstGeom prst="rect">
             <a:avLst/>
           </a:prstGeom>
         </p:spPr>
       </p:pic>
+      <p:sp>
+        <p:nvSpPr>
+          <p:cNvPr id="11" name="TextBox 4"/>
+          <p:cNvSpPr txBox="1"/>
+          <p:nvPr/>
+        </p:nvSpPr>
+        <p:spPr>
+          <a:xfrm>
+            <a:off x="5240867" y="4047753"/>
+            <a:ext cx="3157175" cy="923330"/>
+          </a:xfrm>
+          <a:prstGeom prst="rect">
+            <a:avLst/>
+          </a:prstGeom>
+          <a:solidFill>
+            <a:srgbClr val="92D050"/>
+          </a:solidFill>
+        </p:spPr>
+        <p:txBody>
+          <a:bodyPr wrap="square" rtlCol="0">
+            <a:spAutoFit/>
+          </a:bodyPr>
+          <a:lstStyle/>
+          <a:p>
+            <a:r>
+              <a:rPr lang="en-US" dirty="0" smtClean="0"/>
+              <a:t>Use o valor dos </a:t>
+            </a:r>
+            <a:r>
+              <a:rPr lang="en-US" dirty="0" err="1" smtClean="0"/>
+              <a:t>graus</a:t>
+            </a:r>
+            <a:r>
+              <a:rPr lang="en-US" dirty="0" smtClean="0"/>
+              <a:t> </a:t>
+            </a:r>
+            <a:r>
+              <a:rPr lang="en-US" dirty="0" err="1" smtClean="0"/>
+              <a:t>obtido</a:t>
+            </a:r>
+            <a:r>
+              <a:rPr lang="en-US" dirty="0" smtClean="0"/>
+              <a:t> para </a:t>
+            </a:r>
+            <a:r>
+              <a:rPr lang="en-US" dirty="0" err="1" smtClean="0"/>
+              <a:t>seu</a:t>
+            </a:r>
+            <a:r>
+              <a:rPr lang="en-US" dirty="0" smtClean="0"/>
+              <a:t> </a:t>
+            </a:r>
+            <a:r>
+              <a:rPr lang="en-US" dirty="0" err="1" smtClean="0"/>
+              <a:t>robô</a:t>
+            </a:r>
+            <a:r>
+              <a:rPr lang="en-US" dirty="0" smtClean="0"/>
+              <a:t> </a:t>
+            </a:r>
+            <a:r>
+              <a:rPr lang="en-US" dirty="0" err="1" smtClean="0"/>
+              <a:t>nos</a:t>
+            </a:r>
+            <a:r>
+              <a:rPr lang="en-US" dirty="0"/>
+              <a:t> </a:t>
+            </a:r>
+            <a:r>
+              <a:rPr lang="en-US" dirty="0" smtClean="0"/>
+              <a:t>slides 5 </a:t>
+            </a:r>
+            <a:r>
+              <a:rPr lang="en-US" dirty="0" err="1" smtClean="0"/>
+              <a:t>ou</a:t>
+            </a:r>
+            <a:r>
+              <a:rPr lang="en-US" dirty="0" smtClean="0"/>
+              <a:t> 6.</a:t>
+            </a:r>
+            <a:endParaRPr lang="en-US" dirty="0"/>
+          </a:p>
+        </p:txBody>
+      </p:sp>
+      <p:cxnSp>
+        <p:nvCxnSpPr>
+          <p:cNvPr id="12" name="Elbow Connector 9"/>
+          <p:cNvCxnSpPr/>
+          <p:nvPr/>
+        </p:nvCxnSpPr>
+        <p:spPr>
+          <a:xfrm rot="5400000">
+            <a:off x="5692724" y="3135906"/>
+            <a:ext cx="8323" cy="3700267"/>
+          </a:xfrm>
+          <a:prstGeom prst="bentConnector3">
+            <a:avLst>
+              <a:gd name="adj1" fmla="val 2846606"/>
+            </a:avLst>
+          </a:prstGeom>
+        </p:spPr>
+        <p:style>
+          <a:lnRef idx="1">
+            <a:schemeClr val="accent1"/>
+          </a:lnRef>
+          <a:fillRef idx="0">
+            <a:schemeClr val="accent1"/>
+          </a:fillRef>
+          <a:effectRef idx="0">
+            <a:schemeClr val="accent1"/>
+          </a:effectRef>
+          <a:fontRef idx="minor">
+            <a:schemeClr val="tx1"/>
+          </a:fontRef>
+        </p:style>
+      </p:cxnSp>
     </p:spTree>
     <p:extLst>
       <p:ext uri="{BB962C8B-B14F-4D97-AF65-F5344CB8AC3E}">
-        <p14:creationId xmlns:p14="http://schemas.microsoft.com/office/powerpoint/2010/main" val="1062106102"/>
+        <p14:creationId xmlns:p14="http://schemas.microsoft.com/office/powerpoint/2010/main" val="919022835"/>
       </p:ext>
     </p:extLst>
   </p:cSld>
@@ -7036,60 +10357,38 @@
           <a:lstStyle/>
           <a:p>
             <a:r>
-              <a:rPr lang="en-US" dirty="0" smtClean="0">
-                <a:cs typeface="Courier"/>
-              </a:rPr>
-              <a:t>Uma </a:t>
-            </a:r>
-            <a:r>
-              <a:rPr lang="en-US" dirty="0" err="1" smtClean="0">
-                <a:cs typeface="Courier"/>
-              </a:rPr>
-              <a:t>olhada</a:t>
-            </a:r>
-            <a:r>
-              <a:rPr lang="en-US" dirty="0" smtClean="0">
-                <a:cs typeface="Courier"/>
-              </a:rPr>
-              <a:t> </a:t>
-            </a:r>
-            <a:r>
-              <a:rPr lang="en-US" dirty="0" err="1" smtClean="0">
-                <a:cs typeface="Courier"/>
-              </a:rPr>
-              <a:t>dentro</a:t>
-            </a:r>
-            <a:r>
-              <a:rPr lang="en-US" dirty="0" smtClean="0">
-                <a:cs typeface="Courier"/>
-              </a:rPr>
-              <a:t> do </a:t>
-            </a:r>
-            <a:r>
-              <a:rPr lang="en-US" dirty="0" err="1" smtClean="0">
-                <a:latin typeface="Courier"/>
-                <a:cs typeface="Courier"/>
-              </a:rPr>
-              <a:t>Polegadas</a:t>
-            </a:r>
-            <a:r>
-              <a:rPr lang="en-US" dirty="0" smtClean="0">
-                <a:latin typeface="Courier"/>
-                <a:cs typeface="Courier"/>
-              </a:rPr>
+              <a:rPr lang="en-US" dirty="0" err="1" smtClean="0"/>
+              <a:t>passo</a:t>
+            </a:r>
+            <a:r>
+              <a:rPr lang="en-US" dirty="0" smtClean="0"/>
+              <a:t> 2: </a:t>
+            </a:r>
+            <a:r>
+              <a:rPr lang="en-US" dirty="0" err="1" smtClean="0"/>
+              <a:t>conversão</a:t>
+            </a:r>
+            <a:r>
+              <a:rPr lang="en-US" dirty="0" smtClean="0"/>
+              <a:t> de </a:t>
+            </a:r>
+            <a:r>
+              <a:rPr lang="en-US" dirty="0" err="1" smtClean="0"/>
+              <a:t>graus</a:t>
+            </a:r>
+            <a:r>
+              <a:rPr lang="en-US" dirty="0" smtClean="0"/>
               <a:t> para </a:t>
             </a:r>
             <a:r>
-              <a:rPr lang="en-US" dirty="0" err="1" smtClean="0">
-                <a:latin typeface="Courier"/>
-                <a:cs typeface="Courier"/>
-              </a:rPr>
-              <a:t>graus</a:t>
-            </a:r>
-            <a:endParaRPr lang="en-US" dirty="0">
-              <a:latin typeface="Courier"/>
-              <a:cs typeface="Courier"/>
-            </a:endParaRPr>
+              <a:rPr lang="en-US" dirty="0" err="1" smtClean="0"/>
+              <a:t>centímetros</a:t>
+            </a:r>
+            <a:r>
+              <a:rPr lang="en-US" dirty="0" smtClean="0"/>
+              <a:t>.</a:t>
+            </a:r>
+            <a:endParaRPr lang="en-US" dirty="0"/>
           </a:p>
         </p:txBody>
       </p:sp>
@@ -7109,9 +10408,10 @@
           <a:lstStyle/>
           <a:p>
             <a:r>
-              <a:rPr lang="en-US"/>
-              <a:t>© 2015, EV3Lessons.com, (última edição 28/2/2015)</a:t>
-            </a:r>
+              <a:rPr lang="en-US" smtClean="0"/>
+              <a:t>© 2015, EV3Lessons.com, (last edit 11/02/2015)</a:t>
+            </a:r>
+            <a:endParaRPr lang="en-US"/>
           </a:p>
         </p:txBody>
       </p:sp>
@@ -7138,24 +10438,112 @@
           </a:p>
         </p:txBody>
       </p:sp>
+      <p:sp>
+        <p:nvSpPr>
+          <p:cNvPr id="8" name="TextBox 7"/>
+          <p:cNvSpPr txBox="1"/>
+          <p:nvPr/>
+        </p:nvSpPr>
+        <p:spPr>
+          <a:xfrm>
+            <a:off x="558800" y="1486218"/>
+            <a:ext cx="7975600" cy="369332"/>
+          </a:xfrm>
+          <a:prstGeom prst="rect">
+            <a:avLst/>
+          </a:prstGeom>
+          <a:noFill/>
+        </p:spPr>
+        <p:txBody>
+          <a:bodyPr wrap="square" rtlCol="0">
+            <a:spAutoFit/>
+          </a:bodyPr>
+          <a:lstStyle/>
+          <a:p>
+            <a:r>
+              <a:rPr lang="en-US" dirty="0" err="1" smtClean="0"/>
+              <a:t>Crie</a:t>
+            </a:r>
+            <a:r>
+              <a:rPr lang="en-US" dirty="0" smtClean="0"/>
+              <a:t> um </a:t>
+            </a:r>
+            <a:r>
+              <a:rPr lang="en-US" dirty="0" err="1" smtClean="0"/>
+              <a:t>bloco</a:t>
+            </a:r>
+            <a:r>
+              <a:rPr lang="en-US" dirty="0" smtClean="0"/>
+              <a:t> </a:t>
+            </a:r>
+            <a:r>
+              <a:rPr lang="en-US" dirty="0" err="1" smtClean="0"/>
+              <a:t>Matemático</a:t>
+            </a:r>
+            <a:r>
+              <a:rPr lang="en-US" dirty="0" smtClean="0"/>
+              <a:t> </a:t>
+            </a:r>
+            <a:r>
+              <a:rPr lang="en-US" dirty="0" err="1" smtClean="0"/>
+              <a:t>que</a:t>
+            </a:r>
+            <a:r>
+              <a:rPr lang="en-US" dirty="0" smtClean="0"/>
+              <a:t> </a:t>
+            </a:r>
+            <a:r>
+              <a:rPr lang="en-US" dirty="0" err="1" smtClean="0"/>
+              <a:t>converta</a:t>
+            </a:r>
+            <a:r>
+              <a:rPr lang="en-US" dirty="0" smtClean="0"/>
+              <a:t> </a:t>
+            </a:r>
+            <a:r>
+              <a:rPr lang="en-US" dirty="0" err="1" smtClean="0"/>
+              <a:t>graus</a:t>
+            </a:r>
+            <a:r>
+              <a:rPr lang="en-US" dirty="0" smtClean="0"/>
+              <a:t> para </a:t>
+            </a:r>
+            <a:r>
+              <a:rPr lang="en-US" dirty="0" err="1" smtClean="0"/>
+              <a:t>centímetros</a:t>
+            </a:r>
+            <a:r>
+              <a:rPr lang="en-US" dirty="0" smtClean="0"/>
+              <a:t>.</a:t>
+            </a:r>
+            <a:endParaRPr lang="en-US" dirty="0"/>
+          </a:p>
+        </p:txBody>
+      </p:sp>
       <p:pic>
         <p:nvPicPr>
-          <p:cNvPr id="6" name="Picture 5"/>
+          <p:cNvPr id="6" name="Imagem 5"/>
           <p:cNvPicPr>
             <a:picLocks noChangeAspect="1"/>
           </p:cNvPicPr>
           <p:nvPr/>
         </p:nvPicPr>
         <p:blipFill>
-          <a:blip r:embed="rId2"/>
+          <a:blip r:embed="rId2">
+            <a:extLst>
+              <a:ext uri="{28A0092B-C50C-407E-A947-70E740481C1C}">
+                <a14:useLocalDpi xmlns:a14="http://schemas.microsoft.com/office/drawing/2010/main" val="0"/>
+              </a:ext>
+            </a:extLst>
+          </a:blip>
           <a:stretch>
             <a:fillRect/>
           </a:stretch>
         </p:blipFill>
         <p:spPr>
           <a:xfrm>
-            <a:off x="565056" y="1752599"/>
-            <a:ext cx="7465562" cy="3258671"/>
+            <a:off x="1120462" y="2077890"/>
+            <a:ext cx="6404371" cy="4233192"/>
           </a:xfrm>
           <a:prstGeom prst="rect">
             <a:avLst/>
@@ -7165,7 +10553,7 @@
     </p:spTree>
     <p:extLst>
       <p:ext uri="{BB962C8B-B14F-4D97-AF65-F5344CB8AC3E}">
-        <p14:creationId xmlns:p14="http://schemas.microsoft.com/office/powerpoint/2010/main" val="254528726"/>
+        <p14:creationId xmlns:p14="http://schemas.microsoft.com/office/powerpoint/2010/main" val="4002590340"/>
       </p:ext>
     </p:extLst>
   </p:cSld>
@@ -7211,28 +10599,478 @@
         </p:nvSpPr>
         <p:spPr/>
         <p:txBody>
+          <a:bodyPr/>
+          <a:lstStyle/>
+          <a:p>
+            <a:r>
+              <a:rPr lang="en-US" dirty="0" err="1" smtClean="0"/>
+              <a:t>passo</a:t>
+            </a:r>
+            <a:r>
+              <a:rPr lang="en-US" dirty="0" smtClean="0"/>
+              <a:t> 3a: configure o My Block.</a:t>
+            </a:r>
+            <a:endParaRPr lang="en-US" dirty="0"/>
+          </a:p>
+        </p:txBody>
+      </p:sp>
+      <p:sp>
+        <p:nvSpPr>
+          <p:cNvPr id="3" name="Content Placeholder 2"/>
+          <p:cNvSpPr>
+            <a:spLocks noGrp="1"/>
+          </p:cNvSpPr>
+          <p:nvPr>
+            <p:ph idx="1"/>
+          </p:nvPr>
+        </p:nvSpPr>
+        <p:spPr>
+          <a:xfrm>
+            <a:off x="457200" y="1367750"/>
+            <a:ext cx="4400026" cy="4373563"/>
+          </a:xfrm>
+        </p:spPr>
+        <p:txBody>
           <a:bodyPr>
-            <a:normAutofit/>
+            <a:normAutofit fontScale="92500" lnSpcReduction="20000"/>
           </a:bodyPr>
           <a:lstStyle/>
           <a:p>
-            <a:r>
-              <a:rPr lang="en-US" sz="3200" dirty="0" err="1" smtClean="0"/>
-              <a:t>Fase</a:t>
-            </a:r>
-            <a:r>
-              <a:rPr lang="en-US" sz="3200" dirty="0" smtClean="0"/>
-              <a:t> 4: </a:t>
-            </a:r>
-            <a:r>
-              <a:rPr lang="en-US" sz="3200" dirty="0" err="1" smtClean="0"/>
-              <a:t>adicionando</a:t>
-            </a:r>
-            <a:r>
-              <a:rPr lang="en-US" sz="3200" dirty="0" smtClean="0"/>
-              <a:t> entradas</a:t>
-            </a:r>
-            <a:endParaRPr lang="en-US" sz="3200" dirty="0"/>
+            <a:pPr marL="342900" indent="-342900">
+              <a:buFont typeface="Arial" panose="020B0604020202020204" pitchFamily="34" charset="0"/>
+              <a:buChar char="•"/>
+            </a:pPr>
+            <a:r>
+              <a:rPr lang="en-US" dirty="0" smtClean="0">
+                <a:solidFill>
+                  <a:srgbClr val="0070C0"/>
+                </a:solidFill>
+              </a:rPr>
+              <a:t>A. </a:t>
+            </a:r>
+            <a:r>
+              <a:rPr lang="en-US" dirty="0" err="1" smtClean="0">
+                <a:solidFill>
+                  <a:srgbClr val="0070C0"/>
+                </a:solidFill>
+              </a:rPr>
+              <a:t>Selecione</a:t>
+            </a:r>
+            <a:r>
+              <a:rPr lang="en-US" dirty="0" smtClean="0">
+                <a:solidFill>
+                  <a:srgbClr val="0070C0"/>
+                </a:solidFill>
+              </a:rPr>
+              <a:t> </a:t>
+            </a:r>
+            <a:r>
+              <a:rPr lang="en-US" dirty="0" err="1" smtClean="0">
+                <a:solidFill>
+                  <a:srgbClr val="0070C0"/>
+                </a:solidFill>
+              </a:rPr>
+              <a:t>os</a:t>
+            </a:r>
+            <a:r>
+              <a:rPr lang="en-US" dirty="0" smtClean="0">
+                <a:solidFill>
+                  <a:srgbClr val="0070C0"/>
+                </a:solidFill>
+              </a:rPr>
+              <a:t> </a:t>
+            </a:r>
+            <a:r>
+              <a:rPr lang="en-US" dirty="0" err="1" smtClean="0">
+                <a:solidFill>
+                  <a:srgbClr val="0070C0"/>
+                </a:solidFill>
+              </a:rPr>
+              <a:t>dois</a:t>
+            </a:r>
+            <a:r>
+              <a:rPr lang="en-US" dirty="0" smtClean="0">
+                <a:solidFill>
+                  <a:srgbClr val="0070C0"/>
+                </a:solidFill>
+              </a:rPr>
+              <a:t> </a:t>
+            </a:r>
+            <a:r>
+              <a:rPr lang="en-US" dirty="0" err="1" smtClean="0">
+                <a:solidFill>
+                  <a:srgbClr val="0070C0"/>
+                </a:solidFill>
+              </a:rPr>
+              <a:t>blocos</a:t>
+            </a:r>
+            <a:r>
+              <a:rPr lang="en-US" dirty="0" smtClean="0">
+                <a:solidFill>
+                  <a:srgbClr val="0070C0"/>
+                </a:solidFill>
+              </a:rPr>
+              <a:t> do </a:t>
+            </a:r>
+            <a:r>
+              <a:rPr lang="en-US" dirty="0" err="1" smtClean="0">
+                <a:solidFill>
+                  <a:srgbClr val="0070C0"/>
+                </a:solidFill>
+              </a:rPr>
+              <a:t>Passo</a:t>
+            </a:r>
+            <a:r>
+              <a:rPr lang="en-US" dirty="0" smtClean="0">
+                <a:solidFill>
+                  <a:srgbClr val="0070C0"/>
+                </a:solidFill>
+              </a:rPr>
+              <a:t> 2 e </a:t>
+            </a:r>
+            <a:r>
+              <a:rPr lang="en-US" dirty="0" err="1" smtClean="0">
+                <a:solidFill>
+                  <a:srgbClr val="0070C0"/>
+                </a:solidFill>
+              </a:rPr>
+              <a:t>vá</a:t>
+            </a:r>
+            <a:r>
+              <a:rPr lang="en-US" dirty="0" smtClean="0">
+                <a:solidFill>
+                  <a:srgbClr val="0070C0"/>
+                </a:solidFill>
+              </a:rPr>
+              <a:t> para o “</a:t>
+            </a:r>
+            <a:r>
+              <a:rPr lang="en-US" dirty="0" err="1" smtClean="0">
+                <a:solidFill>
+                  <a:srgbClr val="0070C0"/>
+                </a:solidFill>
+              </a:rPr>
+              <a:t>Meu</a:t>
+            </a:r>
+            <a:r>
+              <a:rPr lang="en-US" dirty="0" smtClean="0">
+                <a:solidFill>
+                  <a:srgbClr val="0070C0"/>
+                </a:solidFill>
+              </a:rPr>
+              <a:t> </a:t>
+            </a:r>
+            <a:r>
+              <a:rPr lang="en-US" dirty="0" err="1" smtClean="0">
+                <a:solidFill>
+                  <a:srgbClr val="0070C0"/>
+                </a:solidFill>
+              </a:rPr>
+              <a:t>construtor</a:t>
+            </a:r>
+            <a:r>
+              <a:rPr lang="en-US" dirty="0" smtClean="0">
+                <a:solidFill>
+                  <a:srgbClr val="0070C0"/>
+                </a:solidFill>
+              </a:rPr>
+              <a:t> de </a:t>
+            </a:r>
+            <a:r>
+              <a:rPr lang="en-US" dirty="0" err="1" smtClean="0">
+                <a:solidFill>
+                  <a:srgbClr val="0070C0"/>
+                </a:solidFill>
+              </a:rPr>
+              <a:t>bloco</a:t>
+            </a:r>
+            <a:r>
+              <a:rPr lang="en-US" dirty="0" smtClean="0">
+                <a:solidFill>
+                  <a:srgbClr val="0070C0"/>
+                </a:solidFill>
+              </a:rPr>
+              <a:t>”.</a:t>
+            </a:r>
+          </a:p>
+          <a:p>
+            <a:pPr marL="342900" indent="-342900">
+              <a:buFont typeface="Arial" panose="020B0604020202020204" pitchFamily="34" charset="0"/>
+              <a:buChar char="•"/>
+            </a:pPr>
+            <a:endParaRPr lang="en-US" dirty="0" smtClean="0">
+              <a:solidFill>
+                <a:srgbClr val="0070C0"/>
+              </a:solidFill>
+            </a:endParaRPr>
+          </a:p>
+          <a:p>
+            <a:pPr marL="342900" indent="-342900">
+              <a:buFont typeface="Arial" panose="020B0604020202020204" pitchFamily="34" charset="0"/>
+              <a:buChar char="•"/>
+            </a:pPr>
+            <a:r>
+              <a:rPr lang="en-US" dirty="0" smtClean="0">
+                <a:solidFill>
+                  <a:srgbClr val="00B050"/>
+                </a:solidFill>
+              </a:rPr>
+              <a:t>B.  </a:t>
+            </a:r>
+            <a:r>
+              <a:rPr lang="en-US" dirty="0" err="1" smtClean="0">
+                <a:solidFill>
+                  <a:srgbClr val="00B050"/>
+                </a:solidFill>
+              </a:rPr>
+              <a:t>Adicione</a:t>
+            </a:r>
+            <a:r>
+              <a:rPr lang="en-US" dirty="0" smtClean="0">
+                <a:solidFill>
+                  <a:srgbClr val="00B050"/>
+                </a:solidFill>
+              </a:rPr>
+              <a:t> </a:t>
+            </a:r>
+            <a:r>
+              <a:rPr lang="en-US" dirty="0" err="1" smtClean="0">
+                <a:solidFill>
+                  <a:srgbClr val="00B050"/>
+                </a:solidFill>
+              </a:rPr>
+              <a:t>duas</a:t>
+            </a:r>
+            <a:r>
+              <a:rPr lang="en-US" dirty="0" smtClean="0">
+                <a:solidFill>
+                  <a:srgbClr val="00B050"/>
+                </a:solidFill>
+              </a:rPr>
+              <a:t> entradas: </a:t>
+            </a:r>
+            <a:r>
+              <a:rPr lang="en-US" dirty="0" err="1" smtClean="0">
+                <a:solidFill>
+                  <a:srgbClr val="00B050"/>
+                </a:solidFill>
+              </a:rPr>
+              <a:t>Força</a:t>
+            </a:r>
+            <a:r>
+              <a:rPr lang="en-US" dirty="0" smtClean="0">
+                <a:solidFill>
+                  <a:srgbClr val="00B050"/>
+                </a:solidFill>
+              </a:rPr>
+              <a:t> e </a:t>
+            </a:r>
+            <a:r>
+              <a:rPr lang="en-US" dirty="0" err="1" smtClean="0">
+                <a:solidFill>
+                  <a:srgbClr val="00B050"/>
+                </a:solidFill>
+              </a:rPr>
+              <a:t>Centímetros</a:t>
+            </a:r>
+            <a:r>
+              <a:rPr lang="en-US" dirty="0" smtClean="0">
+                <a:solidFill>
+                  <a:srgbClr val="00B050"/>
+                </a:solidFill>
+              </a:rPr>
+              <a:t> e complete o </a:t>
+            </a:r>
+            <a:r>
+              <a:rPr lang="en-US" dirty="0" err="1" smtClean="0">
+                <a:solidFill>
+                  <a:srgbClr val="00B050"/>
+                </a:solidFill>
+              </a:rPr>
+              <a:t>processo</a:t>
+            </a:r>
+            <a:r>
+              <a:rPr lang="en-US" dirty="0" smtClean="0">
+                <a:solidFill>
+                  <a:srgbClr val="00B050"/>
+                </a:solidFill>
+              </a:rPr>
+              <a:t> de </a:t>
+            </a:r>
+            <a:r>
+              <a:rPr lang="en-US" dirty="0" err="1" smtClean="0">
+                <a:solidFill>
+                  <a:srgbClr val="00B050"/>
+                </a:solidFill>
+              </a:rPr>
+              <a:t>configuração</a:t>
+            </a:r>
+            <a:r>
+              <a:rPr lang="en-US" dirty="0" smtClean="0">
+                <a:solidFill>
+                  <a:srgbClr val="00B050"/>
+                </a:solidFill>
+              </a:rPr>
+              <a:t>.</a:t>
+            </a:r>
+          </a:p>
+          <a:p>
+            <a:pPr marL="342900" indent="-342900">
+              <a:buFont typeface="Arial" panose="020B0604020202020204" pitchFamily="34" charset="0"/>
+              <a:buChar char="•"/>
+            </a:pPr>
+            <a:endParaRPr lang="en-US" dirty="0" smtClean="0">
+              <a:solidFill>
+                <a:srgbClr val="00B050"/>
+              </a:solidFill>
+            </a:endParaRPr>
+          </a:p>
+          <a:p>
+            <a:r>
+              <a:rPr lang="en-US" dirty="0" smtClean="0"/>
+              <a:t>Se </a:t>
+            </a:r>
+            <a:r>
+              <a:rPr lang="en-US" dirty="0" err="1" smtClean="0"/>
+              <a:t>você</a:t>
+            </a:r>
+            <a:r>
+              <a:rPr lang="en-US" dirty="0" smtClean="0"/>
+              <a:t> </a:t>
+            </a:r>
+            <a:r>
+              <a:rPr lang="en-US" dirty="0" err="1" smtClean="0"/>
+              <a:t>precisar</a:t>
+            </a:r>
+            <a:r>
+              <a:rPr lang="en-US" dirty="0" smtClean="0"/>
+              <a:t> de </a:t>
+            </a:r>
+            <a:r>
+              <a:rPr lang="en-US" dirty="0" err="1" smtClean="0"/>
+              <a:t>ajuda</a:t>
+            </a:r>
+            <a:r>
+              <a:rPr lang="en-US" dirty="0" smtClean="0"/>
+              <a:t> no “</a:t>
+            </a:r>
+            <a:r>
+              <a:rPr lang="en-US" dirty="0" err="1" smtClean="0"/>
+              <a:t>Meu</a:t>
+            </a:r>
+            <a:r>
+              <a:rPr lang="en-US" dirty="0" smtClean="0"/>
+              <a:t> </a:t>
+            </a:r>
+            <a:r>
+              <a:rPr lang="en-US" dirty="0" err="1" smtClean="0"/>
+              <a:t>construtor</a:t>
+            </a:r>
+            <a:r>
+              <a:rPr lang="en-US" dirty="0" smtClean="0"/>
+              <a:t> de </a:t>
+            </a:r>
+            <a:r>
+              <a:rPr lang="en-US" dirty="0" err="1" smtClean="0"/>
+              <a:t>bloco</a:t>
+            </a:r>
+            <a:r>
+              <a:rPr lang="en-US" dirty="0" smtClean="0"/>
+              <a:t>”, </a:t>
+            </a:r>
+            <a:r>
+              <a:rPr lang="en-US" dirty="0" err="1" smtClean="0"/>
+              <a:t>confira</a:t>
+            </a:r>
+            <a:r>
+              <a:rPr lang="en-US" dirty="0" smtClean="0"/>
+              <a:t> a </a:t>
+            </a:r>
+            <a:r>
+              <a:rPr lang="en-US" dirty="0" err="1" smtClean="0"/>
+              <a:t>lição</a:t>
+            </a:r>
+            <a:r>
+              <a:rPr lang="en-US" dirty="0" smtClean="0"/>
+              <a:t> “</a:t>
+            </a:r>
+            <a:r>
+              <a:rPr lang="en-US" dirty="0"/>
+              <a:t>My Blocks </a:t>
+            </a:r>
+            <a:r>
+              <a:rPr lang="en-US" dirty="0" smtClean="0"/>
+              <a:t>Overview-</a:t>
+            </a:r>
+            <a:r>
+              <a:rPr lang="en-US" dirty="0" err="1" smtClean="0"/>
+              <a:t>Passo</a:t>
+            </a:r>
+            <a:r>
+              <a:rPr lang="en-US" dirty="0" smtClean="0"/>
+              <a:t> </a:t>
+            </a:r>
+            <a:r>
+              <a:rPr lang="en-US" dirty="0"/>
+              <a:t>A </a:t>
+            </a:r>
+            <a:r>
+              <a:rPr lang="en-US" dirty="0" err="1"/>
+              <a:t>Passo</a:t>
+            </a:r>
+            <a:r>
+              <a:rPr lang="en-US" dirty="0"/>
+              <a:t> </a:t>
+            </a:r>
+            <a:r>
+              <a:rPr lang="en-US" dirty="0" err="1"/>
+              <a:t>Guia</a:t>
+            </a:r>
+            <a:r>
+              <a:rPr lang="en-US" dirty="0"/>
+              <a:t> Visual Para </a:t>
+            </a:r>
+            <a:r>
+              <a:rPr lang="en-US" dirty="0" err="1"/>
+              <a:t>Criar</a:t>
+            </a:r>
+            <a:r>
+              <a:rPr lang="en-US" dirty="0"/>
+              <a:t> Um My Block Com Entradas E </a:t>
+            </a:r>
+            <a:r>
+              <a:rPr lang="en-US" dirty="0" err="1"/>
+              <a:t>Saídas</a:t>
+            </a:r>
+            <a:r>
+              <a:rPr lang="en-US" dirty="0"/>
+              <a:t> (</a:t>
+            </a:r>
+            <a:r>
+              <a:rPr lang="en-US" dirty="0" err="1"/>
+              <a:t>Parâmetros</a:t>
+            </a:r>
+            <a:r>
+              <a:rPr lang="en-US" dirty="0" smtClean="0"/>
+              <a:t>).” no </a:t>
+            </a:r>
+            <a:r>
+              <a:rPr lang="en-US" dirty="0" err="1" smtClean="0"/>
+              <a:t>nível</a:t>
+            </a:r>
+            <a:r>
+              <a:rPr lang="en-US" dirty="0" smtClean="0"/>
+              <a:t> </a:t>
+            </a:r>
+            <a:r>
+              <a:rPr lang="en-US" dirty="0" err="1" smtClean="0"/>
+              <a:t>intermediário</a:t>
+            </a:r>
+            <a:r>
+              <a:rPr lang="en-US" dirty="0" smtClean="0"/>
+              <a:t>.</a:t>
+            </a:r>
+            <a:endParaRPr lang="en-US" dirty="0"/>
           </a:p>
         </p:txBody>
       </p:sp>
@@ -7252,15 +11090,16 @@
           <a:lstStyle/>
           <a:p>
             <a:r>
-              <a:rPr lang="en-US"/>
-              <a:t>© 2015, EV3Lessons.com, (última edição 28/2/2015)</a:t>
-            </a:r>
-          </a:p>
-        </p:txBody>
-      </p:sp>
-      <p:sp>
-        <p:nvSpPr>
-          <p:cNvPr id="3" name="Slide Number Placeholder 2"/>
+              <a:rPr lang="en-US" dirty="0" smtClean="0"/>
+              <a:t>© 2015, EV3Lessons.com, (last edit 11/02/2015)</a:t>
+            </a:r>
+            <a:endParaRPr lang="en-US" dirty="0"/>
+          </a:p>
+        </p:txBody>
+      </p:sp>
+      <p:sp>
+        <p:nvSpPr>
+          <p:cNvPr id="5" name="Slide Number Placeholder 4"/>
           <p:cNvSpPr>
             <a:spLocks noGrp="1"/>
           </p:cNvSpPr>
@@ -7281,34 +11120,274 @@
           </a:p>
         </p:txBody>
       </p:sp>
+      <p:sp>
+        <p:nvSpPr>
+          <p:cNvPr id="12" name="Rectangle 11"/>
+          <p:cNvSpPr/>
+          <p:nvPr/>
+        </p:nvSpPr>
+        <p:spPr>
+          <a:xfrm>
+            <a:off x="5178043" y="847024"/>
+            <a:ext cx="234892" cy="201335"/>
+          </a:xfrm>
+          <a:prstGeom prst="rect">
+            <a:avLst/>
+          </a:prstGeom>
+          <a:noFill/>
+          <a:ln>
+            <a:noFill/>
+          </a:ln>
+        </p:spPr>
+        <p:style>
+          <a:lnRef idx="2">
+            <a:schemeClr val="accent1">
+              <a:shade val="50000"/>
+            </a:schemeClr>
+          </a:lnRef>
+          <a:fillRef idx="1">
+            <a:schemeClr val="accent1"/>
+          </a:fillRef>
+          <a:effectRef idx="0">
+            <a:schemeClr val="accent1"/>
+          </a:effectRef>
+          <a:fontRef idx="minor">
+            <a:schemeClr val="lt1"/>
+          </a:fontRef>
+        </p:style>
+        <p:txBody>
+          <a:bodyPr rtlCol="0" anchor="ctr"/>
+          <a:lstStyle/>
+          <a:p>
+            <a:pPr algn="ctr"/>
+            <a:r>
+              <a:rPr lang="en-US" b="1" dirty="0" smtClean="0">
+                <a:solidFill>
+                  <a:srgbClr val="0070C0"/>
+                </a:solidFill>
+              </a:rPr>
+              <a:t>A</a:t>
+            </a:r>
+            <a:endParaRPr lang="en-US" b="1" dirty="0">
+              <a:solidFill>
+                <a:srgbClr val="0070C0"/>
+              </a:solidFill>
+            </a:endParaRPr>
+          </a:p>
+        </p:txBody>
+      </p:sp>
       <p:pic>
         <p:nvPicPr>
-          <p:cNvPr id="5" name="Picture 4"/>
+          <p:cNvPr id="9" name="Imagem 8"/>
           <p:cNvPicPr>
             <a:picLocks noChangeAspect="1"/>
           </p:cNvPicPr>
           <p:nvPr/>
         </p:nvPicPr>
         <p:blipFill>
-          <a:blip r:embed="rId2"/>
+          <a:blip r:embed="rId3">
+            <a:extLst>
+              <a:ext uri="{28A0092B-C50C-407E-A947-70E740481C1C}">
+                <a14:useLocalDpi xmlns:a14="http://schemas.microsoft.com/office/drawing/2010/main" val="0"/>
+              </a:ext>
+            </a:extLst>
+          </a:blip>
           <a:stretch>
             <a:fillRect/>
           </a:stretch>
         </p:blipFill>
         <p:spPr>
           <a:xfrm>
-            <a:off x="0" y="1776132"/>
-            <a:ext cx="8761119" cy="3211528"/>
+            <a:off x="4718577" y="1077114"/>
+            <a:ext cx="3984097" cy="992208"/>
           </a:xfrm>
           <a:prstGeom prst="rect">
             <a:avLst/>
           </a:prstGeom>
         </p:spPr>
       </p:pic>
+      <p:sp>
+        <p:nvSpPr>
+          <p:cNvPr id="14" name="Rectangle 9"/>
+          <p:cNvSpPr/>
+          <p:nvPr/>
+        </p:nvSpPr>
+        <p:spPr>
+          <a:xfrm>
+            <a:off x="5490578" y="1019605"/>
+            <a:ext cx="3160294" cy="1047789"/>
+          </a:xfrm>
+          <a:prstGeom prst="rect">
+            <a:avLst/>
+          </a:prstGeom>
+          <a:noFill/>
+          <a:ln w="57150">
+            <a:solidFill>
+              <a:srgbClr val="0070C0"/>
+            </a:solidFill>
+          </a:ln>
+        </p:spPr>
+        <p:style>
+          <a:lnRef idx="2">
+            <a:schemeClr val="accent1">
+              <a:shade val="50000"/>
+            </a:schemeClr>
+          </a:lnRef>
+          <a:fillRef idx="1">
+            <a:schemeClr val="accent1"/>
+          </a:fillRef>
+          <a:effectRef idx="0">
+            <a:schemeClr val="accent1"/>
+          </a:effectRef>
+          <a:fontRef idx="minor">
+            <a:schemeClr val="lt1"/>
+          </a:fontRef>
+        </p:style>
+        <p:txBody>
+          <a:bodyPr rtlCol="0" anchor="ctr"/>
+          <a:lstStyle/>
+          <a:p>
+            <a:pPr algn="ctr"/>
+            <a:endParaRPr lang="en-US"/>
+          </a:p>
+        </p:txBody>
+      </p:sp>
+      <p:pic>
+        <p:nvPicPr>
+          <p:cNvPr id="16" name="Imagem 15"/>
+          <p:cNvPicPr>
+            <a:picLocks noChangeAspect="1"/>
+          </p:cNvPicPr>
+          <p:nvPr/>
+        </p:nvPicPr>
+        <p:blipFill>
+          <a:blip r:embed="rId4">
+            <a:extLst>
+              <a:ext uri="{28A0092B-C50C-407E-A947-70E740481C1C}">
+                <a14:useLocalDpi xmlns:a14="http://schemas.microsoft.com/office/drawing/2010/main" val="0"/>
+              </a:ext>
+            </a:extLst>
+          </a:blip>
+          <a:stretch>
+            <a:fillRect/>
+          </a:stretch>
+        </p:blipFill>
+        <p:spPr>
+          <a:xfrm>
+            <a:off x="4733347" y="2734606"/>
+            <a:ext cx="3969327" cy="3852545"/>
+          </a:xfrm>
+          <a:prstGeom prst="rect">
+            <a:avLst/>
+          </a:prstGeom>
+        </p:spPr>
+      </p:pic>
+      <p:sp>
+        <p:nvSpPr>
+          <p:cNvPr id="17" name="Rectangle 6"/>
+          <p:cNvSpPr/>
+          <p:nvPr/>
+        </p:nvSpPr>
+        <p:spPr>
+          <a:xfrm>
+            <a:off x="6681415" y="3054431"/>
+            <a:ext cx="268448" cy="731958"/>
+          </a:xfrm>
+          <a:prstGeom prst="rect">
+            <a:avLst/>
+          </a:prstGeom>
+          <a:noFill/>
+          <a:ln w="76200">
+            <a:solidFill>
+              <a:srgbClr val="00B050"/>
+            </a:solidFill>
+          </a:ln>
+        </p:spPr>
+        <p:style>
+          <a:lnRef idx="2">
+            <a:schemeClr val="accent1">
+              <a:shade val="50000"/>
+            </a:schemeClr>
+          </a:lnRef>
+          <a:fillRef idx="1">
+            <a:schemeClr val="accent1"/>
+          </a:fillRef>
+          <a:effectRef idx="0">
+            <a:schemeClr val="accent1"/>
+          </a:effectRef>
+          <a:fontRef idx="minor">
+            <a:schemeClr val="lt1"/>
+          </a:fontRef>
+        </p:style>
+        <p:txBody>
+          <a:bodyPr rtlCol="0" anchor="ctr"/>
+          <a:lstStyle/>
+          <a:p>
+            <a:pPr algn="ctr"/>
+            <a:endParaRPr lang="en-US"/>
+          </a:p>
+        </p:txBody>
+      </p:sp>
+      <p:sp>
+        <p:nvSpPr>
+          <p:cNvPr id="19" name="Rectangle 7"/>
+          <p:cNvSpPr/>
+          <p:nvPr/>
+        </p:nvSpPr>
+        <p:spPr>
+          <a:xfrm>
+            <a:off x="6988120" y="2891122"/>
+            <a:ext cx="234892" cy="201335"/>
+          </a:xfrm>
+          <a:prstGeom prst="rect">
+            <a:avLst/>
+          </a:prstGeom>
+          <a:noFill/>
+          <a:ln>
+            <a:noFill/>
+          </a:ln>
+        </p:spPr>
+        <p:style>
+          <a:lnRef idx="2">
+            <a:schemeClr val="accent1">
+              <a:shade val="50000"/>
+            </a:schemeClr>
+          </a:lnRef>
+          <a:fillRef idx="1">
+            <a:schemeClr val="accent1"/>
+          </a:fillRef>
+          <a:effectRef idx="0">
+            <a:schemeClr val="accent1"/>
+          </a:effectRef>
+          <a:fontRef idx="minor">
+            <a:schemeClr val="lt1"/>
+          </a:fontRef>
+        </p:style>
+        <p:txBody>
+          <a:bodyPr rtlCol="0" anchor="ctr"/>
+          <a:lstStyle/>
+          <a:p>
+            <a:pPr algn="ctr"/>
+            <a:r>
+              <a:rPr lang="en-US" b="1" dirty="0" smtClean="0">
+                <a:solidFill>
+                  <a:srgbClr val="00B050"/>
+                </a:solidFill>
+              </a:rPr>
+              <a:t>B</a:t>
+            </a:r>
+            <a:endParaRPr lang="en-US" b="1" dirty="0">
+              <a:solidFill>
+                <a:srgbClr val="00B050"/>
+              </a:solidFill>
+            </a:endParaRPr>
+          </a:p>
+        </p:txBody>
+      </p:sp>
     </p:spTree>
     <p:extLst>
       <p:ext uri="{BB962C8B-B14F-4D97-AF65-F5344CB8AC3E}">
-        <p14:creationId xmlns:p14="http://schemas.microsoft.com/office/powerpoint/2010/main" val="4002590340"/>
+        <p14:creationId xmlns:p14="http://schemas.microsoft.com/office/powerpoint/2010/main" val="2983364071"/>
       </p:ext>
     </p:extLst>
   </p:cSld>
